--- a/Lenguajes Electrónicos.pptx
+++ b/Lenguajes Electrónicos.pptx
@@ -20,8 +20,12 @@
     <p:sldId id="269" r:id="rId14"/>
     <p:sldId id="271" r:id="rId15"/>
     <p:sldId id="272" r:id="rId16"/>
-    <p:sldId id="273" r:id="rId17"/>
-    <p:sldId id="274" r:id="rId18"/>
+    <p:sldId id="275" r:id="rId17"/>
+    <p:sldId id="278" r:id="rId18"/>
+    <p:sldId id="279" r:id="rId19"/>
+    <p:sldId id="276" r:id="rId20"/>
+    <p:sldId id="273" r:id="rId21"/>
+    <p:sldId id="274" r:id="rId22"/>
   </p:sldIdLst>
   <p:sldSz cx="12192000" cy="6858000"/>
   <p:notesSz cx="6858000" cy="9144000"/>
@@ -120,6 +124,11 @@
       </a:defRPr>
     </a:lvl9pPr>
   </p:defaultTextStyle>
+  <p:extLst>
+    <p:ext uri="{EFAFB233-063F-42B5-8137-9DF3F51BA10A}">
+      <p15:sldGuideLst xmlns:p15="http://schemas.microsoft.com/office/powerpoint/2012/main"/>
+    </p:ext>
+  </p:extLst>
 </p:presentation>
 </file>
 
@@ -1789,7 +1798,7 @@
           <a:p>
             <a:fld id="{8F72BA41-EC5B-4197-BCC8-0FD2E523CD7A}" type="datetimeFigureOut">
               <a:rPr lang="en-US" smtClean="0"/>
-              <a:t>11/16/2022</a:t>
+              <a:t>11/18/2022</a:t>
             </a:fld>
             <a:endParaRPr lang="en-US"/>
           </a:p>
@@ -1992,7 +2001,7 @@
           <a:p>
             <a:fld id="{8F72BA41-EC5B-4197-BCC8-0FD2E523CD7A}" type="datetimeFigureOut">
               <a:rPr lang="en-US" smtClean="0"/>
-              <a:t>11/16/2022</a:t>
+              <a:t>11/18/2022</a:t>
             </a:fld>
             <a:endParaRPr lang="en-US"/>
           </a:p>
@@ -3713,7 +3722,7 @@
           <a:p>
             <a:fld id="{8F72BA41-EC5B-4197-BCC8-0FD2E523CD7A}" type="datetimeFigureOut">
               <a:rPr lang="en-US" smtClean="0"/>
-              <a:t>11/16/2022</a:t>
+              <a:t>11/18/2022</a:t>
             </a:fld>
             <a:endParaRPr lang="en-US"/>
           </a:p>
@@ -3912,7 +3921,7 @@
           <a:p>
             <a:fld id="{8F72BA41-EC5B-4197-BCC8-0FD2E523CD7A}" type="datetimeFigureOut">
               <a:rPr lang="en-US" smtClean="0"/>
-              <a:t>11/16/2022</a:t>
+              <a:t>11/18/2022</a:t>
             </a:fld>
             <a:endParaRPr lang="en-US"/>
           </a:p>
@@ -5702,7 +5711,7 @@
           <a:p>
             <a:fld id="{8F72BA41-EC5B-4197-BCC8-0FD2E523CD7A}" type="datetimeFigureOut">
               <a:rPr lang="en-US" smtClean="0"/>
-              <a:t>11/16/2022</a:t>
+              <a:t>11/18/2022</a:t>
             </a:fld>
             <a:endParaRPr lang="en-US"/>
           </a:p>
@@ -5975,7 +5984,7 @@
           <a:p>
             <a:fld id="{8F72BA41-EC5B-4197-BCC8-0FD2E523CD7A}" type="datetimeFigureOut">
               <a:rPr lang="en-US" smtClean="0"/>
-              <a:t>11/16/2022</a:t>
+              <a:t>11/18/2022</a:t>
             </a:fld>
             <a:endParaRPr lang="en-US"/>
           </a:p>
@@ -6395,7 +6404,7 @@
           <a:p>
             <a:fld id="{8F72BA41-EC5B-4197-BCC8-0FD2E523CD7A}" type="datetimeFigureOut">
               <a:rPr lang="en-US" smtClean="0"/>
-              <a:t>11/16/2022</a:t>
+              <a:t>11/18/2022</a:t>
             </a:fld>
             <a:endParaRPr lang="en-US"/>
           </a:p>
@@ -6551,7 +6560,7 @@
           <a:p>
             <a:fld id="{8F72BA41-EC5B-4197-BCC8-0FD2E523CD7A}" type="datetimeFigureOut">
               <a:rPr lang="en-US" smtClean="0"/>
-              <a:t>11/16/2022</a:t>
+              <a:t>11/18/2022</a:t>
             </a:fld>
             <a:endParaRPr lang="en-US"/>
           </a:p>
@@ -8119,7 +8128,7 @@
           <a:p>
             <a:fld id="{8F72BA41-EC5B-4197-BCC8-0FD2E523CD7A}" type="datetimeFigureOut">
               <a:rPr lang="en-US" smtClean="0"/>
-              <a:t>11/16/2022</a:t>
+              <a:t>11/18/2022</a:t>
             </a:fld>
             <a:endParaRPr lang="en-US"/>
           </a:p>
@@ -9970,7 +9979,7 @@
           <a:p>
             <a:fld id="{8F72BA41-EC5B-4197-BCC8-0FD2E523CD7A}" type="datetimeFigureOut">
               <a:rPr lang="en-US" smtClean="0"/>
-              <a:t>11/16/2022</a:t>
+              <a:t>11/18/2022</a:t>
             </a:fld>
             <a:endParaRPr lang="en-US"/>
           </a:p>
@@ -11783,7 +11792,7 @@
           <a:p>
             <a:fld id="{8F72BA41-EC5B-4197-BCC8-0FD2E523CD7A}" type="datetimeFigureOut">
               <a:rPr lang="en-US" smtClean="0"/>
-              <a:t>11/16/2022</a:t>
+              <a:t>11/18/2022</a:t>
             </a:fld>
             <a:endParaRPr lang="en-US"/>
           </a:p>
@@ -13477,7 +13486,7 @@
             <a:fld id="{8F72BA41-EC5B-4197-BCC8-0FD2E523CD7A}" type="datetimeFigureOut">
               <a:rPr lang="en-US" smtClean="0"/>
               <a:pPr/>
-              <a:t>11/16/2022</a:t>
+              <a:t>11/18/2022</a:t>
             </a:fld>
             <a:endParaRPr lang="en-US" dirty="0"/>
           </a:p>
@@ -24483,12 +24492,134 @@
           <a:chExt cx="0" cy="0"/>
         </a:xfrm>
       </p:grpSpPr>
+      <p:pic>
+        <p:nvPicPr>
+          <p:cNvPr id="7" name="Imagen 6">
+            <a:extLst>
+              <a:ext uri="{FF2B5EF4-FFF2-40B4-BE49-F238E27FC236}">
+                <a16:creationId xmlns:a16="http://schemas.microsoft.com/office/drawing/2014/main" id="{90327E9F-7002-491D-82D3-420EB803E802}"/>
+              </a:ext>
+            </a:extLst>
+          </p:cNvPr>
+          <p:cNvPicPr>
+            <a:picLocks noChangeAspect="1"/>
+          </p:cNvPicPr>
+          <p:nvPr/>
+        </p:nvPicPr>
+        <p:blipFill>
+          <a:blip r:embed="rId2">
+            <a:extLst>
+              <a:ext uri="{28A0092B-C50C-407E-A947-70E740481C1C}">
+                <a14:useLocalDpi xmlns:a14="http://schemas.microsoft.com/office/drawing/2010/main" val="0"/>
+              </a:ext>
+              <a:ext uri="{837473B0-CC2E-450A-ABE3-18F120FF3D39}">
+                <a1611:picAttrSrcUrl xmlns:a1611="http://schemas.microsoft.com/office/drawing/2016/11/main" r:id="rId3"/>
+              </a:ext>
+            </a:extLst>
+          </a:blip>
+          <a:stretch>
+            <a:fillRect/>
+          </a:stretch>
+        </p:blipFill>
+        <p:spPr>
+          <a:xfrm>
+            <a:off x="1363271" y="973553"/>
+            <a:ext cx="9808727" cy="4910894"/>
+          </a:xfrm>
+          <a:prstGeom prst="rect">
+            <a:avLst/>
+          </a:prstGeom>
+        </p:spPr>
+      </p:pic>
       <p:sp>
         <p:nvSpPr>
           <p:cNvPr id="2" name="Título 1">
             <a:extLst>
               <a:ext uri="{FF2B5EF4-FFF2-40B4-BE49-F238E27FC236}">
-                <a16:creationId xmlns:a16="http://schemas.microsoft.com/office/drawing/2014/main" id="{18AB1682-F709-855C-B53E-3D7F1B68EB4C}"/>
+                <a16:creationId xmlns:a16="http://schemas.microsoft.com/office/drawing/2014/main" id="{7AEFEFF9-42F0-4947-8CF8-54B36C3379FF}"/>
+              </a:ext>
+            </a:extLst>
+          </p:cNvPr>
+          <p:cNvSpPr>
+            <a:spLocks noGrp="1"/>
+          </p:cNvSpPr>
+          <p:nvPr>
+            <p:ph type="title"/>
+          </p:nvPr>
+        </p:nvSpPr>
+        <p:spPr>
+          <a:xfrm>
+            <a:off x="2256329" y="1467971"/>
+            <a:ext cx="8022610" cy="2143362"/>
+          </a:xfrm>
+        </p:spPr>
+        <p:txBody>
+          <a:bodyPr>
+            <a:noAutofit/>
+          </a:bodyPr>
+          <a:lstStyle/>
+          <a:p>
+            <a:r>
+              <a:rPr lang="es-AR" sz="6000" dirty="0">
+                <a:solidFill>
+                  <a:schemeClr val="bg1"/>
+                </a:solidFill>
+              </a:rPr>
+              <a:t>IA y Machine Learning</a:t>
+            </a:r>
+            <a:br>
+              <a:rPr lang="es-AR" sz="6000" b="0" dirty="0">
+                <a:solidFill>
+                  <a:schemeClr val="bg1"/>
+                </a:solidFill>
+                <a:effectLst/>
+                <a:latin typeface="Consolas" panose="020B0609020204030204" pitchFamily="49" charset="0"/>
+              </a:rPr>
+            </a:br>
+            <a:endParaRPr lang="es-AR" sz="6000" dirty="0">
+              <a:solidFill>
+                <a:schemeClr val="bg1"/>
+              </a:solidFill>
+            </a:endParaRPr>
+          </a:p>
+        </p:txBody>
+      </p:sp>
+    </p:spTree>
+    <p:extLst>
+      <p:ext uri="{BB962C8B-B14F-4D97-AF65-F5344CB8AC3E}">
+        <p14:creationId xmlns:p14="http://schemas.microsoft.com/office/powerpoint/2010/main" val="1172110041"/>
+      </p:ext>
+    </p:extLst>
+  </p:cSld>
+  <p:clrMapOvr>
+    <a:masterClrMapping/>
+  </p:clrMapOvr>
+</p:sld>
+</file>
+
+<file path=ppt/slides/slide17.xml><?xml version="1.0" encoding="utf-8"?>
+<p:sld xmlns:a="http://schemas.openxmlformats.org/drawingml/2006/main" xmlns:r="http://schemas.openxmlformats.org/officeDocument/2006/relationships" xmlns:p="http://schemas.openxmlformats.org/presentationml/2006/main">
+  <p:cSld>
+    <p:spTree>
+      <p:nvGrpSpPr>
+        <p:cNvPr id="1" name=""/>
+        <p:cNvGrpSpPr/>
+        <p:nvPr/>
+      </p:nvGrpSpPr>
+      <p:grpSpPr>
+        <a:xfrm>
+          <a:off x="0" y="0"/>
+          <a:ext cx="0" cy="0"/>
+          <a:chOff x="0" y="0"/>
+          <a:chExt cx="0" cy="0"/>
+        </a:xfrm>
+      </p:grpSpPr>
+      <p:sp>
+        <p:nvSpPr>
+          <p:cNvPr id="2" name="Título 1">
+            <a:extLst>
+              <a:ext uri="{FF2B5EF4-FFF2-40B4-BE49-F238E27FC236}">
+                <a16:creationId xmlns:a16="http://schemas.microsoft.com/office/drawing/2014/main" id="{9D194AC3-F966-407E-B14F-C5E8BB97A1AE}"/>
               </a:ext>
             </a:extLst>
           </p:cNvPr>
@@ -24505,8 +24636,20 @@
           <a:lstStyle/>
           <a:p>
             <a:r>
+              <a:rPr lang="es-AR" dirty="0"/>
+              <a:t>Pandas, matplotli</a:t>
+            </a:r>
+            <a:r>
               <a:rPr lang="es-ES" dirty="0"/>
-              <a:t>Conclusiones</a:t>
+              <a:t>b y el </a:t>
+            </a:r>
+            <a:r>
+              <a:rPr lang="es-AR" dirty="0"/>
+              <a:t>análisis de datos</a:t>
+            </a:r>
+            <a:r>
+              <a:rPr lang="es-ES" dirty="0"/>
+              <a:t> </a:t>
             </a:r>
             <a:endParaRPr lang="es-AR" dirty="0"/>
           </a:p>
@@ -24517,7 +24660,7 @@
           <p:cNvPr id="3" name="Marcador de contenido 2">
             <a:extLst>
               <a:ext uri="{FF2B5EF4-FFF2-40B4-BE49-F238E27FC236}">
-                <a16:creationId xmlns:a16="http://schemas.microsoft.com/office/drawing/2014/main" id="{C3C6427A-8BC0-FA50-E681-06036A823D18}"/>
+                <a16:creationId xmlns:a16="http://schemas.microsoft.com/office/drawing/2014/main" id="{F31E18F7-1D88-45EE-88B0-6632BEE7B37C}"/>
               </a:ext>
             </a:extLst>
           </p:cNvPr>
@@ -24528,23 +24671,131 @@
             <p:ph idx="1"/>
           </p:nvPr>
         </p:nvSpPr>
-        <p:spPr/>
+        <p:spPr>
+          <a:xfrm>
+            <a:off x="691078" y="2311052"/>
+            <a:ext cx="10156461" cy="3593515"/>
+          </a:xfrm>
+        </p:spPr>
         <p:txBody>
           <a:bodyPr/>
           <a:lstStyle/>
           <a:p>
             <a:r>
-              <a:rPr lang="es-ES" dirty="0"/>
-              <a:t>El aprender a utilizar lenguajes basado en objetos y dejar de lado a C amplio mucho mi visón de lo que era posible hacer y de lo que ya sabía (Arduino por ejemplo). Y personalmente creo que con desde que empecé a usar C++ y Python mi entendimiento de los algoritmos creció bastante permitiéndome hacer cosas mas complejas y útiles.</a:t>
+              <a:rPr lang="es-AR" dirty="0"/>
+              <a:t>Parte fundamental de la IA y el machine </a:t>
             </a:r>
-            <a:endParaRPr lang="es-AR" dirty="0"/>
+            <a:r>
+              <a:rPr lang="es-AR" dirty="0" err="1"/>
+              <a:t>learning</a:t>
+            </a:r>
+            <a:r>
+              <a:rPr lang="es-AR" dirty="0"/>
+              <a:t> es encontrar datos en buen estado para entrenar correctamente los modelos. Para esto es que nos sirve pandas. Por ejemplo acá podemos ver como gracias al método </a:t>
+            </a:r>
+            <a:r>
+              <a:rPr lang="es-AR" dirty="0" err="1"/>
+              <a:t>dropna</a:t>
+            </a:r>
+            <a:r>
+              <a:rPr lang="es-AR" dirty="0"/>
+              <a:t> que, en este caso, elimina todas las filas donde en la columna “Cantidad” hay un </a:t>
+            </a:r>
+            <a:r>
+              <a:rPr lang="es-AR" dirty="0" err="1"/>
+              <a:t>null</a:t>
+            </a:r>
+            <a:r>
+              <a:rPr lang="es-AR" dirty="0"/>
+              <a:t>.</a:t>
+            </a:r>
+          </a:p>
+        </p:txBody>
+      </p:sp>
+      <p:pic>
+        <p:nvPicPr>
+          <p:cNvPr id="6" name="Imagen 5">
+            <a:extLst>
+              <a:ext uri="{FF2B5EF4-FFF2-40B4-BE49-F238E27FC236}">
+                <a16:creationId xmlns:a16="http://schemas.microsoft.com/office/drawing/2014/main" id="{A0C2111D-5BD0-46D7-ADED-B8150327B256}"/>
+              </a:ext>
+            </a:extLst>
+          </p:cNvPr>
+          <p:cNvPicPr>
+            <a:picLocks noChangeAspect="1"/>
+          </p:cNvPicPr>
+          <p:nvPr/>
+        </p:nvPicPr>
+        <p:blipFill>
+          <a:blip r:embed="rId2"/>
+          <a:stretch>
+            <a:fillRect/>
+          </a:stretch>
+        </p:blipFill>
+        <p:spPr>
+          <a:xfrm>
+            <a:off x="806622" y="4213017"/>
+            <a:ext cx="10348366" cy="953139"/>
+          </a:xfrm>
+          <a:prstGeom prst="rect">
+            <a:avLst/>
+          </a:prstGeom>
+        </p:spPr>
+      </p:pic>
+      <p:sp>
+        <p:nvSpPr>
+          <p:cNvPr id="7" name="Rectángulo 6">
+            <a:extLst>
+              <a:ext uri="{FF2B5EF4-FFF2-40B4-BE49-F238E27FC236}">
+                <a16:creationId xmlns:a16="http://schemas.microsoft.com/office/drawing/2014/main" id="{C829A8FE-1D21-442D-A124-CA6F57E1DDB9}"/>
+              </a:ext>
+            </a:extLst>
+          </p:cNvPr>
+          <p:cNvSpPr/>
+          <p:nvPr/>
+        </p:nvSpPr>
+        <p:spPr>
+          <a:xfrm>
+            <a:off x="2918564" y="4740271"/>
+            <a:ext cx="1039661" cy="425885"/>
+          </a:xfrm>
+          <a:prstGeom prst="rect">
+            <a:avLst/>
+          </a:prstGeom>
+          <a:noFill/>
+          <a:ln>
+            <a:solidFill>
+              <a:srgbClr val="FF0000"/>
+            </a:solidFill>
+          </a:ln>
+        </p:spPr>
+        <p:style>
+          <a:lnRef idx="2">
+            <a:schemeClr val="accent6"/>
+          </a:lnRef>
+          <a:fillRef idx="1">
+            <a:schemeClr val="lt1"/>
+          </a:fillRef>
+          <a:effectRef idx="0">
+            <a:schemeClr val="accent6"/>
+          </a:effectRef>
+          <a:fontRef idx="minor">
+            <a:schemeClr val="dk1"/>
+          </a:fontRef>
+        </p:style>
+        <p:txBody>
+          <a:bodyPr rtlCol="0" anchor="ctr"/>
+          <a:lstStyle/>
+          <a:p>
+            <a:pPr algn="ctr"/>
+            <a:endParaRPr lang="es-AR"/>
           </a:p>
         </p:txBody>
       </p:sp>
     </p:spTree>
     <p:extLst>
       <p:ext uri="{BB962C8B-B14F-4D97-AF65-F5344CB8AC3E}">
-        <p14:creationId xmlns:p14="http://schemas.microsoft.com/office/powerpoint/2010/main" val="1924819293"/>
+        <p14:creationId xmlns:p14="http://schemas.microsoft.com/office/powerpoint/2010/main" val="457012614"/>
       </p:ext>
     </p:extLst>
   </p:cSld>
@@ -24554,17 +24805,9 @@
 </p:sld>
 </file>
 
-<file path=ppt/slides/slide17.xml><?xml version="1.0" encoding="utf-8"?>
+<file path=ppt/slides/slide18.xml><?xml version="1.0" encoding="utf-8"?>
 <p:sld xmlns:a="http://schemas.openxmlformats.org/drawingml/2006/main" xmlns:r="http://schemas.openxmlformats.org/officeDocument/2006/relationships" xmlns:p="http://schemas.openxmlformats.org/presentationml/2006/main">
   <p:cSld>
-    <p:bg>
-      <p:bgPr>
-        <a:solidFill>
-          <a:schemeClr val="bg1"/>
-        </a:solidFill>
-        <a:effectLst/>
-      </p:bgPr>
-    </p:bg>
     <p:spTree>
       <p:nvGrpSpPr>
         <p:cNvPr id="1" name=""/>
@@ -24579,3724 +24822,105 @@
           <a:chExt cx="0" cy="0"/>
         </a:xfrm>
       </p:grpSpPr>
-      <p:grpSp>
-        <p:nvGrpSpPr>
-          <p:cNvPr id="10" name="Group 9">
+      <p:sp>
+        <p:nvSpPr>
+          <p:cNvPr id="2" name="Título 1">
             <a:extLst>
               <a:ext uri="{FF2B5EF4-FFF2-40B4-BE49-F238E27FC236}">
-                <a16:creationId xmlns:a16="http://schemas.microsoft.com/office/drawing/2014/main" id="{748618E9-EE2D-4864-9EEE-58939BD4FBBA}"/>
-              </a:ext>
-              <a:ext uri="{C183D7F6-B498-43B3-948B-1728B52AA6E4}">
-                <adec:decorative xmlns:adec="http://schemas.microsoft.com/office/drawing/2017/decorative" val="1"/>
-              </a:ext>
-            </a:extLst>
-          </p:cNvPr>
-          <p:cNvGrpSpPr>
-            <a:grpSpLocks noGrp="1" noUngrp="1" noRot="1" noChangeAspect="1" noMove="1" noResize="1"/>
-          </p:cNvGrpSpPr>
-          <p:nvPr>
-            <p:extLst>
-              <p:ext uri="{386F3935-93C4-4BCD-93E2-E3B085C9AB24}">
-                <p16:designElem xmlns:p16="http://schemas.microsoft.com/office/powerpoint/2015/main" val="1"/>
-              </p:ext>
-            </p:extLst>
-          </p:nvPr>
-        </p:nvGrpSpPr>
-        <p:grpSpPr>
-          <a:xfrm>
-            <a:off x="-6214" y="-1"/>
-            <a:ext cx="12214827" cy="6858000"/>
-            <a:chOff x="-6214" y="-1"/>
-            <a:chExt cx="12214827" cy="6858000"/>
-          </a:xfrm>
-        </p:grpSpPr>
-        <p:cxnSp>
-          <p:nvCxnSpPr>
-            <p:cNvPr id="11" name="Straight Connector 10">
-              <a:extLst>
-                <a:ext uri="{FF2B5EF4-FFF2-40B4-BE49-F238E27FC236}">
-                  <a16:creationId xmlns:a16="http://schemas.microsoft.com/office/drawing/2014/main" id="{317D1EC0-23FF-4FC8-B22D-E34878EAA4CC}"/>
-                </a:ext>
-                <a:ext uri="{C183D7F6-B498-43B3-948B-1728B52AA6E4}">
-                  <adec:decorative xmlns:adec="http://schemas.microsoft.com/office/drawing/2017/decorative" val="1"/>
-                </a:ext>
-              </a:extLst>
-            </p:cNvPr>
-            <p:cNvCxnSpPr>
-              <a:cxnSpLocks/>
-            </p:cNvCxnSpPr>
-            <p:nvPr>
-              <p:extLst>
-                <p:ext uri="{386F3935-93C4-4BCD-93E2-E3B085C9AB24}">
-                  <p16:designElem xmlns:p16="http://schemas.microsoft.com/office/powerpoint/2015/main" val="1"/>
-                </p:ext>
-              </p:extLst>
-            </p:nvPr>
-          </p:nvCxnSpPr>
-          <p:spPr>
-            <a:xfrm>
-              <a:off x="-6214" y="6686283"/>
-              <a:ext cx="12192000" cy="0"/>
-            </a:xfrm>
-            <a:prstGeom prst="line">
-              <a:avLst/>
-            </a:prstGeom>
-            <a:ln w="12700">
-              <a:solidFill>
-                <a:srgbClr val="BCBCBC">
-                  <a:alpha val="29804"/>
-                </a:srgbClr>
-              </a:solidFill>
-              <a:prstDash val="sysDot"/>
-            </a:ln>
-          </p:spPr>
-          <p:style>
-            <a:lnRef idx="1">
-              <a:schemeClr val="accent1"/>
-            </a:lnRef>
-            <a:fillRef idx="0">
-              <a:schemeClr val="accent1"/>
-            </a:fillRef>
-            <a:effectRef idx="0">
-              <a:schemeClr val="accent1"/>
-            </a:effectRef>
-            <a:fontRef idx="minor">
-              <a:schemeClr val="tx1"/>
-            </a:fontRef>
-          </p:style>
-        </p:cxnSp>
-        <p:cxnSp>
-          <p:nvCxnSpPr>
-            <p:cNvPr id="12" name="Straight Connector 11">
-              <a:extLst>
-                <a:ext uri="{FF2B5EF4-FFF2-40B4-BE49-F238E27FC236}">
-                  <a16:creationId xmlns:a16="http://schemas.microsoft.com/office/drawing/2014/main" id="{5AB929A7-258C-4469-AAB4-A67D713F7A80}"/>
-                </a:ext>
-                <a:ext uri="{C183D7F6-B498-43B3-948B-1728B52AA6E4}">
-                  <adec:decorative xmlns:adec="http://schemas.microsoft.com/office/drawing/2017/decorative" val="1"/>
-                </a:ext>
-              </a:extLst>
-            </p:cNvPr>
-            <p:cNvCxnSpPr>
-              <a:cxnSpLocks/>
-            </p:cNvCxnSpPr>
-            <p:nvPr>
-              <p:extLst>
-                <p:ext uri="{386F3935-93C4-4BCD-93E2-E3B085C9AB24}">
-                  <p16:designElem xmlns:p16="http://schemas.microsoft.com/office/powerpoint/2015/main" val="1"/>
-                </p:ext>
-              </p:extLst>
-            </p:nvPr>
-          </p:nvCxnSpPr>
-          <p:spPr>
-            <a:xfrm>
-              <a:off x="0" y="-1"/>
-              <a:ext cx="0" cy="6858000"/>
-            </a:xfrm>
-            <a:prstGeom prst="line">
-              <a:avLst/>
-            </a:prstGeom>
-            <a:ln w="12700">
-              <a:solidFill>
-                <a:srgbClr val="BCBCBC">
-                  <a:alpha val="29804"/>
-                </a:srgbClr>
-              </a:solidFill>
-              <a:prstDash val="sysDot"/>
-            </a:ln>
-          </p:spPr>
-          <p:style>
-            <a:lnRef idx="1">
-              <a:schemeClr val="accent1"/>
-            </a:lnRef>
-            <a:fillRef idx="0">
-              <a:schemeClr val="accent1"/>
-            </a:fillRef>
-            <a:effectRef idx="0">
-              <a:schemeClr val="accent1"/>
-            </a:effectRef>
-            <a:fontRef idx="minor">
-              <a:schemeClr val="tx1"/>
-            </a:fontRef>
-          </p:style>
-        </p:cxnSp>
-        <p:cxnSp>
-          <p:nvCxnSpPr>
-            <p:cNvPr id="13" name="Straight Connector 12">
-              <a:extLst>
-                <a:ext uri="{FF2B5EF4-FFF2-40B4-BE49-F238E27FC236}">
-                  <a16:creationId xmlns:a16="http://schemas.microsoft.com/office/drawing/2014/main" id="{DA635CDB-2D00-49D5-B26E-0694A25000C7}"/>
-                </a:ext>
-                <a:ext uri="{C183D7F6-B498-43B3-948B-1728B52AA6E4}">
-                  <adec:decorative xmlns:adec="http://schemas.microsoft.com/office/drawing/2017/decorative" val="1"/>
-                </a:ext>
-              </a:extLst>
-            </p:cNvPr>
-            <p:cNvCxnSpPr>
-              <a:cxnSpLocks/>
-            </p:cNvCxnSpPr>
-            <p:nvPr>
-              <p:extLst>
-                <p:ext uri="{386F3935-93C4-4BCD-93E2-E3B085C9AB24}">
-                  <p16:designElem xmlns:p16="http://schemas.microsoft.com/office/powerpoint/2015/main" val="1"/>
-                </p:ext>
-              </p:extLst>
-            </p:nvPr>
-          </p:nvCxnSpPr>
-          <p:spPr>
-            <a:xfrm>
-              <a:off x="11993258" y="-1"/>
-              <a:ext cx="0" cy="6858000"/>
-            </a:xfrm>
-            <a:prstGeom prst="line">
-              <a:avLst/>
-            </a:prstGeom>
-            <a:ln w="12700">
-              <a:solidFill>
-                <a:srgbClr val="BCBCBC">
-                  <a:alpha val="29804"/>
-                </a:srgbClr>
-              </a:solidFill>
-              <a:prstDash val="sysDot"/>
-            </a:ln>
-          </p:spPr>
-          <p:style>
-            <a:lnRef idx="1">
-              <a:schemeClr val="accent1"/>
-            </a:lnRef>
-            <a:fillRef idx="0">
-              <a:schemeClr val="accent1"/>
-            </a:fillRef>
-            <a:effectRef idx="0">
-              <a:schemeClr val="accent1"/>
-            </a:effectRef>
-            <a:fontRef idx="minor">
-              <a:schemeClr val="tx1"/>
-            </a:fontRef>
-          </p:style>
-        </p:cxnSp>
-        <p:cxnSp>
-          <p:nvCxnSpPr>
-            <p:cNvPr id="14" name="Straight Connector 13">
-              <a:extLst>
-                <a:ext uri="{FF2B5EF4-FFF2-40B4-BE49-F238E27FC236}">
-                  <a16:creationId xmlns:a16="http://schemas.microsoft.com/office/drawing/2014/main" id="{B4288D7A-F857-418D-92F2-368E841B9F27}"/>
-                </a:ext>
-                <a:ext uri="{C183D7F6-B498-43B3-948B-1728B52AA6E4}">
-                  <adec:decorative xmlns:adec="http://schemas.microsoft.com/office/drawing/2017/decorative" val="1"/>
-                </a:ext>
-              </a:extLst>
-            </p:cNvPr>
-            <p:cNvCxnSpPr>
-              <a:cxnSpLocks/>
-            </p:cNvCxnSpPr>
-            <p:nvPr>
-              <p:extLst>
-                <p:ext uri="{386F3935-93C4-4BCD-93E2-E3B085C9AB24}">
-                  <p16:designElem xmlns:p16="http://schemas.microsoft.com/office/powerpoint/2015/main" val="1"/>
-                </p:ext>
-              </p:extLst>
-            </p:nvPr>
-          </p:nvCxnSpPr>
-          <p:spPr>
-            <a:xfrm>
-              <a:off x="192528" y="-1"/>
-              <a:ext cx="0" cy="6858000"/>
-            </a:xfrm>
-            <a:prstGeom prst="line">
-              <a:avLst/>
-            </a:prstGeom>
-            <a:ln w="12700">
-              <a:solidFill>
-                <a:srgbClr val="BCBCBC">
-                  <a:alpha val="29804"/>
-                </a:srgbClr>
-              </a:solidFill>
-              <a:prstDash val="sysDot"/>
-            </a:ln>
-          </p:spPr>
-          <p:style>
-            <a:lnRef idx="1">
-              <a:schemeClr val="accent1"/>
-            </a:lnRef>
-            <a:fillRef idx="0">
-              <a:schemeClr val="accent1"/>
-            </a:fillRef>
-            <a:effectRef idx="0">
-              <a:schemeClr val="accent1"/>
-            </a:effectRef>
-            <a:fontRef idx="minor">
-              <a:schemeClr val="tx1"/>
-            </a:fontRef>
-          </p:style>
-        </p:cxnSp>
-        <p:cxnSp>
-          <p:nvCxnSpPr>
-            <p:cNvPr id="15" name="Straight Connector 14">
-              <a:extLst>
-                <a:ext uri="{FF2B5EF4-FFF2-40B4-BE49-F238E27FC236}">
-                  <a16:creationId xmlns:a16="http://schemas.microsoft.com/office/drawing/2014/main" id="{F1084F50-7F3C-4A4A-877E-FFD9EC7CD88B}"/>
-                </a:ext>
-                <a:ext uri="{C183D7F6-B498-43B3-948B-1728B52AA6E4}">
-                  <adec:decorative xmlns:adec="http://schemas.microsoft.com/office/drawing/2017/decorative" val="1"/>
-                </a:ext>
-              </a:extLst>
-            </p:cNvPr>
-            <p:cNvCxnSpPr>
-              <a:cxnSpLocks/>
-            </p:cNvCxnSpPr>
-            <p:nvPr>
-              <p:extLst>
-                <p:ext uri="{386F3935-93C4-4BCD-93E2-E3B085C9AB24}">
-                  <p16:designElem xmlns:p16="http://schemas.microsoft.com/office/powerpoint/2015/main" val="1"/>
-                </p:ext>
-              </p:extLst>
-            </p:nvPr>
-          </p:nvCxnSpPr>
-          <p:spPr>
-            <a:xfrm>
-              <a:off x="1175922" y="-1"/>
-              <a:ext cx="0" cy="6858000"/>
-            </a:xfrm>
-            <a:prstGeom prst="line">
-              <a:avLst/>
-            </a:prstGeom>
-            <a:ln w="12700">
-              <a:solidFill>
-                <a:srgbClr val="BCBCBC">
-                  <a:alpha val="29804"/>
-                </a:srgbClr>
-              </a:solidFill>
-              <a:prstDash val="sysDot"/>
-            </a:ln>
-          </p:spPr>
-          <p:style>
-            <a:lnRef idx="1">
-              <a:schemeClr val="accent1"/>
-            </a:lnRef>
-            <a:fillRef idx="0">
-              <a:schemeClr val="accent1"/>
-            </a:fillRef>
-            <a:effectRef idx="0">
-              <a:schemeClr val="accent1"/>
-            </a:effectRef>
-            <a:fontRef idx="minor">
-              <a:schemeClr val="tx1"/>
-            </a:fontRef>
-          </p:style>
-        </p:cxnSp>
-        <p:cxnSp>
-          <p:nvCxnSpPr>
-            <p:cNvPr id="16" name="Straight Connector 15">
-              <a:extLst>
-                <a:ext uri="{FF2B5EF4-FFF2-40B4-BE49-F238E27FC236}">
-                  <a16:creationId xmlns:a16="http://schemas.microsoft.com/office/drawing/2014/main" id="{331E64C1-F4C0-4A94-B319-BB1A0A2450B5}"/>
-                </a:ext>
-                <a:ext uri="{C183D7F6-B498-43B3-948B-1728B52AA6E4}">
-                  <adec:decorative xmlns:adec="http://schemas.microsoft.com/office/drawing/2017/decorative" val="1"/>
-                </a:ext>
-              </a:extLst>
-            </p:cNvPr>
-            <p:cNvCxnSpPr>
-              <a:cxnSpLocks/>
-            </p:cNvCxnSpPr>
-            <p:nvPr>
-              <p:extLst>
-                <p:ext uri="{386F3935-93C4-4BCD-93E2-E3B085C9AB24}">
-                  <p16:designElem xmlns:p16="http://schemas.microsoft.com/office/powerpoint/2015/main" val="1"/>
-                </p:ext>
-              </p:extLst>
-            </p:nvPr>
-          </p:nvCxnSpPr>
-          <p:spPr>
-            <a:xfrm>
-              <a:off x="2159316" y="-1"/>
-              <a:ext cx="0" cy="6858000"/>
-            </a:xfrm>
-            <a:prstGeom prst="line">
-              <a:avLst/>
-            </a:prstGeom>
-            <a:ln w="12700">
-              <a:solidFill>
-                <a:srgbClr val="BCBCBC">
-                  <a:alpha val="29804"/>
-                </a:srgbClr>
-              </a:solidFill>
-              <a:prstDash val="sysDot"/>
-            </a:ln>
-          </p:spPr>
-          <p:style>
-            <a:lnRef idx="1">
-              <a:schemeClr val="accent1"/>
-            </a:lnRef>
-            <a:fillRef idx="0">
-              <a:schemeClr val="accent1"/>
-            </a:fillRef>
-            <a:effectRef idx="0">
-              <a:schemeClr val="accent1"/>
-            </a:effectRef>
-            <a:fontRef idx="minor">
-              <a:schemeClr val="tx1"/>
-            </a:fontRef>
-          </p:style>
-        </p:cxnSp>
-        <p:cxnSp>
-          <p:nvCxnSpPr>
-            <p:cNvPr id="17" name="Straight Connector 16">
-              <a:extLst>
-                <a:ext uri="{FF2B5EF4-FFF2-40B4-BE49-F238E27FC236}">
-                  <a16:creationId xmlns:a16="http://schemas.microsoft.com/office/drawing/2014/main" id="{363D8374-8052-417F-AB69-B97EAC43D513}"/>
-                </a:ext>
-                <a:ext uri="{C183D7F6-B498-43B3-948B-1728B52AA6E4}">
-                  <adec:decorative xmlns:adec="http://schemas.microsoft.com/office/drawing/2017/decorative" val="1"/>
-                </a:ext>
-              </a:extLst>
-            </p:cNvPr>
-            <p:cNvCxnSpPr>
-              <a:cxnSpLocks/>
-            </p:cNvCxnSpPr>
-            <p:nvPr>
-              <p:extLst>
-                <p:ext uri="{386F3935-93C4-4BCD-93E2-E3B085C9AB24}">
-                  <p16:designElem xmlns:p16="http://schemas.microsoft.com/office/powerpoint/2015/main" val="1"/>
-                </p:ext>
-              </p:extLst>
-            </p:nvPr>
-          </p:nvCxnSpPr>
-          <p:spPr>
-            <a:xfrm>
-              <a:off x="3142710" y="-1"/>
-              <a:ext cx="0" cy="6858000"/>
-            </a:xfrm>
-            <a:prstGeom prst="line">
-              <a:avLst/>
-            </a:prstGeom>
-            <a:ln w="12700">
-              <a:solidFill>
-                <a:srgbClr val="BCBCBC">
-                  <a:alpha val="29804"/>
-                </a:srgbClr>
-              </a:solidFill>
-              <a:prstDash val="sysDot"/>
-            </a:ln>
-          </p:spPr>
-          <p:style>
-            <a:lnRef idx="1">
-              <a:schemeClr val="accent1"/>
-            </a:lnRef>
-            <a:fillRef idx="0">
-              <a:schemeClr val="accent1"/>
-            </a:fillRef>
-            <a:effectRef idx="0">
-              <a:schemeClr val="accent1"/>
-            </a:effectRef>
-            <a:fontRef idx="minor">
-              <a:schemeClr val="tx1"/>
-            </a:fontRef>
-          </p:style>
-        </p:cxnSp>
-        <p:cxnSp>
-          <p:nvCxnSpPr>
-            <p:cNvPr id="18" name="Straight Connector 17">
-              <a:extLst>
-                <a:ext uri="{FF2B5EF4-FFF2-40B4-BE49-F238E27FC236}">
-                  <a16:creationId xmlns:a16="http://schemas.microsoft.com/office/drawing/2014/main" id="{C7750734-4D51-4019-A003-38A3DE49B434}"/>
-                </a:ext>
-                <a:ext uri="{C183D7F6-B498-43B3-948B-1728B52AA6E4}">
-                  <adec:decorative xmlns:adec="http://schemas.microsoft.com/office/drawing/2017/decorative" val="1"/>
-                </a:ext>
-              </a:extLst>
-            </p:cNvPr>
-            <p:cNvCxnSpPr>
-              <a:cxnSpLocks/>
-            </p:cNvCxnSpPr>
-            <p:nvPr>
-              <p:extLst>
-                <p:ext uri="{386F3935-93C4-4BCD-93E2-E3B085C9AB24}">
-                  <p16:designElem xmlns:p16="http://schemas.microsoft.com/office/powerpoint/2015/main" val="1"/>
-                </p:ext>
-              </p:extLst>
-            </p:nvPr>
-          </p:nvCxnSpPr>
-          <p:spPr>
-            <a:xfrm>
-              <a:off x="4126104" y="-1"/>
-              <a:ext cx="0" cy="6858000"/>
-            </a:xfrm>
-            <a:prstGeom prst="line">
-              <a:avLst/>
-            </a:prstGeom>
-            <a:ln w="12700">
-              <a:solidFill>
-                <a:srgbClr val="BCBCBC">
-                  <a:alpha val="29804"/>
-                </a:srgbClr>
-              </a:solidFill>
-              <a:prstDash val="sysDot"/>
-            </a:ln>
-          </p:spPr>
-          <p:style>
-            <a:lnRef idx="1">
-              <a:schemeClr val="accent1"/>
-            </a:lnRef>
-            <a:fillRef idx="0">
-              <a:schemeClr val="accent1"/>
-            </a:fillRef>
-            <a:effectRef idx="0">
-              <a:schemeClr val="accent1"/>
-            </a:effectRef>
-            <a:fontRef idx="minor">
-              <a:schemeClr val="tx1"/>
-            </a:fontRef>
-          </p:style>
-        </p:cxnSp>
-        <p:cxnSp>
-          <p:nvCxnSpPr>
-            <p:cNvPr id="19" name="Straight Connector 18">
-              <a:extLst>
-                <a:ext uri="{FF2B5EF4-FFF2-40B4-BE49-F238E27FC236}">
-                  <a16:creationId xmlns:a16="http://schemas.microsoft.com/office/drawing/2014/main" id="{71B693D1-DBA2-4D3B-9B37-D9EE8C4112F4}"/>
-                </a:ext>
-                <a:ext uri="{C183D7F6-B498-43B3-948B-1728B52AA6E4}">
-                  <adec:decorative xmlns:adec="http://schemas.microsoft.com/office/drawing/2017/decorative" val="1"/>
-                </a:ext>
-              </a:extLst>
-            </p:cNvPr>
-            <p:cNvCxnSpPr>
-              <a:cxnSpLocks/>
-            </p:cNvCxnSpPr>
-            <p:nvPr>
-              <p:extLst>
-                <p:ext uri="{386F3935-93C4-4BCD-93E2-E3B085C9AB24}">
-                  <p16:designElem xmlns:p16="http://schemas.microsoft.com/office/powerpoint/2015/main" val="1"/>
-                </p:ext>
-              </p:extLst>
-            </p:nvPr>
-          </p:nvCxnSpPr>
-          <p:spPr>
-            <a:xfrm>
-              <a:off x="5109498" y="-1"/>
-              <a:ext cx="0" cy="6858000"/>
-            </a:xfrm>
-            <a:prstGeom prst="line">
-              <a:avLst/>
-            </a:prstGeom>
-            <a:ln w="12700">
-              <a:solidFill>
-                <a:srgbClr val="BCBCBC">
-                  <a:alpha val="29804"/>
-                </a:srgbClr>
-              </a:solidFill>
-              <a:prstDash val="sysDot"/>
-            </a:ln>
-          </p:spPr>
-          <p:style>
-            <a:lnRef idx="1">
-              <a:schemeClr val="accent1"/>
-            </a:lnRef>
-            <a:fillRef idx="0">
-              <a:schemeClr val="accent1"/>
-            </a:fillRef>
-            <a:effectRef idx="0">
-              <a:schemeClr val="accent1"/>
-            </a:effectRef>
-            <a:fontRef idx="minor">
-              <a:schemeClr val="tx1"/>
-            </a:fontRef>
-          </p:style>
-        </p:cxnSp>
-        <p:cxnSp>
-          <p:nvCxnSpPr>
-            <p:cNvPr id="20" name="Straight Connector 19">
-              <a:extLst>
-                <a:ext uri="{FF2B5EF4-FFF2-40B4-BE49-F238E27FC236}">
-                  <a16:creationId xmlns:a16="http://schemas.microsoft.com/office/drawing/2014/main" id="{1BCD3EA8-E4C0-4AF6-817F-F9F29157A499}"/>
-                </a:ext>
-                <a:ext uri="{C183D7F6-B498-43B3-948B-1728B52AA6E4}">
-                  <adec:decorative xmlns:adec="http://schemas.microsoft.com/office/drawing/2017/decorative" val="1"/>
-                </a:ext>
-              </a:extLst>
-            </p:cNvPr>
-            <p:cNvCxnSpPr>
-              <a:cxnSpLocks/>
-            </p:cNvCxnSpPr>
-            <p:nvPr>
-              <p:extLst>
-                <p:ext uri="{386F3935-93C4-4BCD-93E2-E3B085C9AB24}">
-                  <p16:designElem xmlns:p16="http://schemas.microsoft.com/office/powerpoint/2015/main" val="1"/>
-                </p:ext>
-              </p:extLst>
-            </p:nvPr>
-          </p:nvCxnSpPr>
-          <p:spPr>
-            <a:xfrm>
-              <a:off x="6092892" y="-1"/>
-              <a:ext cx="0" cy="6858000"/>
-            </a:xfrm>
-            <a:prstGeom prst="line">
-              <a:avLst/>
-            </a:prstGeom>
-            <a:ln w="12700">
-              <a:solidFill>
-                <a:srgbClr val="BCBCBC">
-                  <a:alpha val="29804"/>
-                </a:srgbClr>
-              </a:solidFill>
-              <a:prstDash val="sysDot"/>
-            </a:ln>
-          </p:spPr>
-          <p:style>
-            <a:lnRef idx="1">
-              <a:schemeClr val="accent1"/>
-            </a:lnRef>
-            <a:fillRef idx="0">
-              <a:schemeClr val="accent1"/>
-            </a:fillRef>
-            <a:effectRef idx="0">
-              <a:schemeClr val="accent1"/>
-            </a:effectRef>
-            <a:fontRef idx="minor">
-              <a:schemeClr val="tx1"/>
-            </a:fontRef>
-          </p:style>
-        </p:cxnSp>
-        <p:cxnSp>
-          <p:nvCxnSpPr>
-            <p:cNvPr id="21" name="Straight Connector 20">
-              <a:extLst>
-                <a:ext uri="{FF2B5EF4-FFF2-40B4-BE49-F238E27FC236}">
-                  <a16:creationId xmlns:a16="http://schemas.microsoft.com/office/drawing/2014/main" id="{7A170FB3-B397-4AC9-85FD-65388F26D90A}"/>
-                </a:ext>
-                <a:ext uri="{C183D7F6-B498-43B3-948B-1728B52AA6E4}">
-                  <adec:decorative xmlns:adec="http://schemas.microsoft.com/office/drawing/2017/decorative" val="1"/>
-                </a:ext>
-              </a:extLst>
-            </p:cNvPr>
-            <p:cNvCxnSpPr>
-              <a:cxnSpLocks/>
-            </p:cNvCxnSpPr>
-            <p:nvPr>
-              <p:extLst>
-                <p:ext uri="{386F3935-93C4-4BCD-93E2-E3B085C9AB24}">
-                  <p16:designElem xmlns:p16="http://schemas.microsoft.com/office/powerpoint/2015/main" val="1"/>
-                </p:ext>
-              </p:extLst>
-            </p:nvPr>
-          </p:nvCxnSpPr>
-          <p:spPr>
-            <a:xfrm>
-              <a:off x="7076286" y="-1"/>
-              <a:ext cx="0" cy="6858000"/>
-            </a:xfrm>
-            <a:prstGeom prst="line">
-              <a:avLst/>
-            </a:prstGeom>
-            <a:ln w="12700">
-              <a:solidFill>
-                <a:srgbClr val="BCBCBC">
-                  <a:alpha val="29804"/>
-                </a:srgbClr>
-              </a:solidFill>
-              <a:prstDash val="sysDot"/>
-            </a:ln>
-          </p:spPr>
-          <p:style>
-            <a:lnRef idx="1">
-              <a:schemeClr val="accent1"/>
-            </a:lnRef>
-            <a:fillRef idx="0">
-              <a:schemeClr val="accent1"/>
-            </a:fillRef>
-            <a:effectRef idx="0">
-              <a:schemeClr val="accent1"/>
-            </a:effectRef>
-            <a:fontRef idx="minor">
-              <a:schemeClr val="tx1"/>
-            </a:fontRef>
-          </p:style>
-        </p:cxnSp>
-        <p:cxnSp>
-          <p:nvCxnSpPr>
-            <p:cNvPr id="22" name="Straight Connector 21">
-              <a:extLst>
-                <a:ext uri="{FF2B5EF4-FFF2-40B4-BE49-F238E27FC236}">
-                  <a16:creationId xmlns:a16="http://schemas.microsoft.com/office/drawing/2014/main" id="{BE5EC0B9-49C7-4777-AEC5-B5EF8DE40498}"/>
-                </a:ext>
-                <a:ext uri="{C183D7F6-B498-43B3-948B-1728B52AA6E4}">
-                  <adec:decorative xmlns:adec="http://schemas.microsoft.com/office/drawing/2017/decorative" val="1"/>
-                </a:ext>
-              </a:extLst>
-            </p:cNvPr>
-            <p:cNvCxnSpPr>
-              <a:cxnSpLocks/>
-            </p:cNvCxnSpPr>
-            <p:nvPr>
-              <p:extLst>
-                <p:ext uri="{386F3935-93C4-4BCD-93E2-E3B085C9AB24}">
-                  <p16:designElem xmlns:p16="http://schemas.microsoft.com/office/powerpoint/2015/main" val="1"/>
-                </p:ext>
-              </p:extLst>
-            </p:nvPr>
-          </p:nvCxnSpPr>
-          <p:spPr>
-            <a:xfrm>
-              <a:off x="8059680" y="-1"/>
-              <a:ext cx="0" cy="6858000"/>
-            </a:xfrm>
-            <a:prstGeom prst="line">
-              <a:avLst/>
-            </a:prstGeom>
-            <a:ln w="12700">
-              <a:solidFill>
-                <a:srgbClr val="BCBCBC">
-                  <a:alpha val="29804"/>
-                </a:srgbClr>
-              </a:solidFill>
-              <a:prstDash val="sysDot"/>
-            </a:ln>
-          </p:spPr>
-          <p:style>
-            <a:lnRef idx="1">
-              <a:schemeClr val="accent1"/>
-            </a:lnRef>
-            <a:fillRef idx="0">
-              <a:schemeClr val="accent1"/>
-            </a:fillRef>
-            <a:effectRef idx="0">
-              <a:schemeClr val="accent1"/>
-            </a:effectRef>
-            <a:fontRef idx="minor">
-              <a:schemeClr val="tx1"/>
-            </a:fontRef>
-          </p:style>
-        </p:cxnSp>
-        <p:cxnSp>
-          <p:nvCxnSpPr>
-            <p:cNvPr id="23" name="Straight Connector 22">
-              <a:extLst>
-                <a:ext uri="{FF2B5EF4-FFF2-40B4-BE49-F238E27FC236}">
-                  <a16:creationId xmlns:a16="http://schemas.microsoft.com/office/drawing/2014/main" id="{7902048B-30F7-4434-87A5-140F9BB4BEB1}"/>
-                </a:ext>
-                <a:ext uri="{C183D7F6-B498-43B3-948B-1728B52AA6E4}">
-                  <adec:decorative xmlns:adec="http://schemas.microsoft.com/office/drawing/2017/decorative" val="1"/>
-                </a:ext>
-              </a:extLst>
-            </p:cNvPr>
-            <p:cNvCxnSpPr>
-              <a:cxnSpLocks/>
-            </p:cNvCxnSpPr>
-            <p:nvPr>
-              <p:extLst>
-                <p:ext uri="{386F3935-93C4-4BCD-93E2-E3B085C9AB24}">
-                  <p16:designElem xmlns:p16="http://schemas.microsoft.com/office/powerpoint/2015/main" val="1"/>
-                </p:ext>
-              </p:extLst>
-            </p:nvPr>
-          </p:nvCxnSpPr>
-          <p:spPr>
-            <a:xfrm>
-              <a:off x="9043074" y="-1"/>
-              <a:ext cx="0" cy="6858000"/>
-            </a:xfrm>
-            <a:prstGeom prst="line">
-              <a:avLst/>
-            </a:prstGeom>
-            <a:ln w="12700">
-              <a:solidFill>
-                <a:srgbClr val="BCBCBC">
-                  <a:alpha val="29804"/>
-                </a:srgbClr>
-              </a:solidFill>
-              <a:prstDash val="sysDot"/>
-            </a:ln>
-          </p:spPr>
-          <p:style>
-            <a:lnRef idx="1">
-              <a:schemeClr val="accent1"/>
-            </a:lnRef>
-            <a:fillRef idx="0">
-              <a:schemeClr val="accent1"/>
-            </a:fillRef>
-            <a:effectRef idx="0">
-              <a:schemeClr val="accent1"/>
-            </a:effectRef>
-            <a:fontRef idx="minor">
-              <a:schemeClr val="tx1"/>
-            </a:fontRef>
-          </p:style>
-        </p:cxnSp>
-        <p:cxnSp>
-          <p:nvCxnSpPr>
-            <p:cNvPr id="24" name="Straight Connector 23">
-              <a:extLst>
-                <a:ext uri="{FF2B5EF4-FFF2-40B4-BE49-F238E27FC236}">
-                  <a16:creationId xmlns:a16="http://schemas.microsoft.com/office/drawing/2014/main" id="{0500A6E2-A41C-4751-8A4E-9A0C5718D930}"/>
-                </a:ext>
-                <a:ext uri="{C183D7F6-B498-43B3-948B-1728B52AA6E4}">
-                  <adec:decorative xmlns:adec="http://schemas.microsoft.com/office/drawing/2017/decorative" val="1"/>
-                </a:ext>
-              </a:extLst>
-            </p:cNvPr>
-            <p:cNvCxnSpPr>
-              <a:cxnSpLocks/>
-            </p:cNvCxnSpPr>
-            <p:nvPr>
-              <p:extLst>
-                <p:ext uri="{386F3935-93C4-4BCD-93E2-E3B085C9AB24}">
-                  <p16:designElem xmlns:p16="http://schemas.microsoft.com/office/powerpoint/2015/main" val="1"/>
-                </p:ext>
-              </p:extLst>
-            </p:nvPr>
-          </p:nvCxnSpPr>
-          <p:spPr>
-            <a:xfrm>
-              <a:off x="10026468" y="-1"/>
-              <a:ext cx="0" cy="6858000"/>
-            </a:xfrm>
-            <a:prstGeom prst="line">
-              <a:avLst/>
-            </a:prstGeom>
-            <a:ln w="12700">
-              <a:solidFill>
-                <a:srgbClr val="BCBCBC">
-                  <a:alpha val="29804"/>
-                </a:srgbClr>
-              </a:solidFill>
-              <a:prstDash val="sysDot"/>
-            </a:ln>
-          </p:spPr>
-          <p:style>
-            <a:lnRef idx="1">
-              <a:schemeClr val="accent1"/>
-            </a:lnRef>
-            <a:fillRef idx="0">
-              <a:schemeClr val="accent1"/>
-            </a:fillRef>
-            <a:effectRef idx="0">
-              <a:schemeClr val="accent1"/>
-            </a:effectRef>
-            <a:fontRef idx="minor">
-              <a:schemeClr val="tx1"/>
-            </a:fontRef>
-          </p:style>
-        </p:cxnSp>
-        <p:cxnSp>
-          <p:nvCxnSpPr>
-            <p:cNvPr id="25" name="Straight Connector 24">
-              <a:extLst>
-                <a:ext uri="{FF2B5EF4-FFF2-40B4-BE49-F238E27FC236}">
-                  <a16:creationId xmlns:a16="http://schemas.microsoft.com/office/drawing/2014/main" id="{FC259517-7BE7-45F9-81C0-3A6362BF143C}"/>
-                </a:ext>
-                <a:ext uri="{C183D7F6-B498-43B3-948B-1728B52AA6E4}">
-                  <adec:decorative xmlns:adec="http://schemas.microsoft.com/office/drawing/2017/decorative" val="1"/>
-                </a:ext>
-              </a:extLst>
-            </p:cNvPr>
-            <p:cNvCxnSpPr>
-              <a:cxnSpLocks/>
-            </p:cNvCxnSpPr>
-            <p:nvPr>
-              <p:extLst>
-                <p:ext uri="{386F3935-93C4-4BCD-93E2-E3B085C9AB24}">
-                  <p16:designElem xmlns:p16="http://schemas.microsoft.com/office/powerpoint/2015/main" val="1"/>
-                </p:ext>
-              </p:extLst>
-            </p:nvPr>
-          </p:nvCxnSpPr>
-          <p:spPr>
-            <a:xfrm>
-              <a:off x="11009862" y="-1"/>
-              <a:ext cx="0" cy="6858000"/>
-            </a:xfrm>
-            <a:prstGeom prst="line">
-              <a:avLst/>
-            </a:prstGeom>
-            <a:ln w="12700">
-              <a:solidFill>
-                <a:srgbClr val="BCBCBC">
-                  <a:alpha val="29804"/>
-                </a:srgbClr>
-              </a:solidFill>
-              <a:prstDash val="sysDot"/>
-            </a:ln>
-          </p:spPr>
-          <p:style>
-            <a:lnRef idx="1">
-              <a:schemeClr val="accent1"/>
-            </a:lnRef>
-            <a:fillRef idx="0">
-              <a:schemeClr val="accent1"/>
-            </a:fillRef>
-            <a:effectRef idx="0">
-              <a:schemeClr val="accent1"/>
-            </a:effectRef>
-            <a:fontRef idx="minor">
-              <a:schemeClr val="tx1"/>
-            </a:fontRef>
-          </p:style>
-        </p:cxnSp>
-        <p:cxnSp>
-          <p:nvCxnSpPr>
-            <p:cNvPr id="26" name="Straight Connector 25">
-              <a:extLst>
-                <a:ext uri="{FF2B5EF4-FFF2-40B4-BE49-F238E27FC236}">
-                  <a16:creationId xmlns:a16="http://schemas.microsoft.com/office/drawing/2014/main" id="{90652F56-7B71-42B2-AB68-22204A6DF177}"/>
-                </a:ext>
-                <a:ext uri="{C183D7F6-B498-43B3-948B-1728B52AA6E4}">
-                  <adec:decorative xmlns:adec="http://schemas.microsoft.com/office/drawing/2017/decorative" val="1"/>
-                </a:ext>
-              </a:extLst>
-            </p:cNvPr>
-            <p:cNvCxnSpPr>
-              <a:cxnSpLocks/>
-            </p:cNvCxnSpPr>
-            <p:nvPr>
-              <p:extLst>
-                <p:ext uri="{386F3935-93C4-4BCD-93E2-E3B085C9AB24}">
-                  <p16:designElem xmlns:p16="http://schemas.microsoft.com/office/powerpoint/2015/main" val="1"/>
-                </p:ext>
-              </p:extLst>
-            </p:nvPr>
-          </p:nvCxnSpPr>
-          <p:spPr>
-            <a:xfrm>
-              <a:off x="12185786" y="-1"/>
-              <a:ext cx="0" cy="6858000"/>
-            </a:xfrm>
-            <a:prstGeom prst="line">
-              <a:avLst/>
-            </a:prstGeom>
-            <a:ln w="12700">
-              <a:solidFill>
-                <a:srgbClr val="BCBCBC">
-                  <a:alpha val="29804"/>
-                </a:srgbClr>
-              </a:solidFill>
-              <a:prstDash val="sysDot"/>
-            </a:ln>
-          </p:spPr>
-          <p:style>
-            <a:lnRef idx="1">
-              <a:schemeClr val="accent1"/>
-            </a:lnRef>
-            <a:fillRef idx="0">
-              <a:schemeClr val="accent1"/>
-            </a:fillRef>
-            <a:effectRef idx="0">
-              <a:schemeClr val="accent1"/>
-            </a:effectRef>
-            <a:fontRef idx="minor">
-              <a:schemeClr val="tx1"/>
-            </a:fontRef>
-          </p:style>
-        </p:cxnSp>
-        <p:cxnSp>
-          <p:nvCxnSpPr>
-            <p:cNvPr id="27" name="Straight Connector 26">
-              <a:extLst>
-                <a:ext uri="{FF2B5EF4-FFF2-40B4-BE49-F238E27FC236}">
-                  <a16:creationId xmlns:a16="http://schemas.microsoft.com/office/drawing/2014/main" id="{1059830E-1C3D-4D42-8789-524971CB4657}"/>
-                </a:ext>
-                <a:ext uri="{C183D7F6-B498-43B3-948B-1728B52AA6E4}">
-                  <adec:decorative xmlns:adec="http://schemas.microsoft.com/office/drawing/2017/decorative" val="1"/>
-                </a:ext>
-              </a:extLst>
-            </p:cNvPr>
-            <p:cNvCxnSpPr>
-              <a:cxnSpLocks/>
-            </p:cNvCxnSpPr>
-            <p:nvPr>
-              <p:extLst>
-                <p:ext uri="{386F3935-93C4-4BCD-93E2-E3B085C9AB24}">
-                  <p16:designElem xmlns:p16="http://schemas.microsoft.com/office/powerpoint/2015/main" val="1"/>
-                </p:ext>
-              </p:extLst>
-            </p:nvPr>
-          </p:nvCxnSpPr>
-          <p:spPr>
-            <a:xfrm>
-              <a:off x="0" y="171716"/>
-              <a:ext cx="12192000" cy="0"/>
-            </a:xfrm>
-            <a:prstGeom prst="line">
-              <a:avLst/>
-            </a:prstGeom>
-            <a:ln w="12700">
-              <a:solidFill>
-                <a:srgbClr val="BCBCBC">
-                  <a:alpha val="29804"/>
-                </a:srgbClr>
-              </a:solidFill>
-              <a:prstDash val="sysDot"/>
-            </a:ln>
-          </p:spPr>
-          <p:style>
-            <a:lnRef idx="1">
-              <a:schemeClr val="accent1"/>
-            </a:lnRef>
-            <a:fillRef idx="0">
-              <a:schemeClr val="accent1"/>
-            </a:fillRef>
-            <a:effectRef idx="0">
-              <a:schemeClr val="accent1"/>
-            </a:effectRef>
-            <a:fontRef idx="minor">
-              <a:schemeClr val="tx1"/>
-            </a:fontRef>
-          </p:style>
-        </p:cxnSp>
-        <p:cxnSp>
-          <p:nvCxnSpPr>
-            <p:cNvPr id="28" name="Straight Connector 27">
-              <a:extLst>
-                <a:ext uri="{FF2B5EF4-FFF2-40B4-BE49-F238E27FC236}">
-                  <a16:creationId xmlns:a16="http://schemas.microsoft.com/office/drawing/2014/main" id="{B53325A7-86D3-4B52-A7E3-ADDF408B4067}"/>
-                </a:ext>
-                <a:ext uri="{C183D7F6-B498-43B3-948B-1728B52AA6E4}">
-                  <adec:decorative xmlns:adec="http://schemas.microsoft.com/office/drawing/2017/decorative" val="1"/>
-                </a:ext>
-              </a:extLst>
-            </p:cNvPr>
-            <p:cNvCxnSpPr>
-              <a:cxnSpLocks/>
-            </p:cNvCxnSpPr>
-            <p:nvPr>
-              <p:extLst>
-                <p:ext uri="{386F3935-93C4-4BCD-93E2-E3B085C9AB24}">
-                  <p16:designElem xmlns:p16="http://schemas.microsoft.com/office/powerpoint/2015/main" val="1"/>
-                </p:ext>
-              </p:extLst>
-            </p:nvPr>
-          </p:nvCxnSpPr>
-          <p:spPr>
-            <a:xfrm>
-              <a:off x="0" y="714597"/>
-              <a:ext cx="12192000" cy="0"/>
-            </a:xfrm>
-            <a:prstGeom prst="line">
-              <a:avLst/>
-            </a:prstGeom>
-            <a:ln w="12700">
-              <a:solidFill>
-                <a:srgbClr val="BCBCBC">
-                  <a:alpha val="29804"/>
-                </a:srgbClr>
-              </a:solidFill>
-              <a:prstDash val="sysDot"/>
-            </a:ln>
-          </p:spPr>
-          <p:style>
-            <a:lnRef idx="1">
-              <a:schemeClr val="accent1"/>
-            </a:lnRef>
-            <a:fillRef idx="0">
-              <a:schemeClr val="accent1"/>
-            </a:fillRef>
-            <a:effectRef idx="0">
-              <a:schemeClr val="accent1"/>
-            </a:effectRef>
-            <a:fontRef idx="minor">
-              <a:schemeClr val="tx1"/>
-            </a:fontRef>
-          </p:style>
-        </p:cxnSp>
-        <p:cxnSp>
-          <p:nvCxnSpPr>
-            <p:cNvPr id="29" name="Straight Connector 28">
-              <a:extLst>
-                <a:ext uri="{FF2B5EF4-FFF2-40B4-BE49-F238E27FC236}">
-                  <a16:creationId xmlns:a16="http://schemas.microsoft.com/office/drawing/2014/main" id="{6D53F46F-EC12-484C-A4E7-791E57687AC1}"/>
-                </a:ext>
-                <a:ext uri="{C183D7F6-B498-43B3-948B-1728B52AA6E4}">
-                  <adec:decorative xmlns:adec="http://schemas.microsoft.com/office/drawing/2017/decorative" val="1"/>
-                </a:ext>
-              </a:extLst>
-            </p:cNvPr>
-            <p:cNvCxnSpPr>
-              <a:cxnSpLocks/>
-            </p:cNvCxnSpPr>
-            <p:nvPr>
-              <p:extLst>
-                <p:ext uri="{386F3935-93C4-4BCD-93E2-E3B085C9AB24}">
-                  <p16:designElem xmlns:p16="http://schemas.microsoft.com/office/powerpoint/2015/main" val="1"/>
-                </p:ext>
-              </p:extLst>
-            </p:nvPr>
-          </p:nvCxnSpPr>
-          <p:spPr>
-            <a:xfrm>
-              <a:off x="0" y="1257478"/>
-              <a:ext cx="12192000" cy="0"/>
-            </a:xfrm>
-            <a:prstGeom prst="line">
-              <a:avLst/>
-            </a:prstGeom>
-            <a:ln w="12700">
-              <a:solidFill>
-                <a:srgbClr val="BCBCBC">
-                  <a:alpha val="29804"/>
-                </a:srgbClr>
-              </a:solidFill>
-              <a:prstDash val="sysDot"/>
-            </a:ln>
-          </p:spPr>
-          <p:style>
-            <a:lnRef idx="1">
-              <a:schemeClr val="accent1"/>
-            </a:lnRef>
-            <a:fillRef idx="0">
-              <a:schemeClr val="accent1"/>
-            </a:fillRef>
-            <a:effectRef idx="0">
-              <a:schemeClr val="accent1"/>
-            </a:effectRef>
-            <a:fontRef idx="minor">
-              <a:schemeClr val="tx1"/>
-            </a:fontRef>
-          </p:style>
-        </p:cxnSp>
-        <p:cxnSp>
-          <p:nvCxnSpPr>
-            <p:cNvPr id="30" name="Straight Connector 29">
-              <a:extLst>
-                <a:ext uri="{FF2B5EF4-FFF2-40B4-BE49-F238E27FC236}">
-                  <a16:creationId xmlns:a16="http://schemas.microsoft.com/office/drawing/2014/main" id="{464ED9CA-8950-47B8-A9ED-22B45CE15FBC}"/>
-                </a:ext>
-                <a:ext uri="{C183D7F6-B498-43B3-948B-1728B52AA6E4}">
-                  <adec:decorative xmlns:adec="http://schemas.microsoft.com/office/drawing/2017/decorative" val="1"/>
-                </a:ext>
-              </a:extLst>
-            </p:cNvPr>
-            <p:cNvCxnSpPr>
-              <a:cxnSpLocks/>
-            </p:cNvCxnSpPr>
-            <p:nvPr>
-              <p:extLst>
-                <p:ext uri="{386F3935-93C4-4BCD-93E2-E3B085C9AB24}">
-                  <p16:designElem xmlns:p16="http://schemas.microsoft.com/office/powerpoint/2015/main" val="1"/>
-                </p:ext>
-              </p:extLst>
-            </p:nvPr>
-          </p:nvCxnSpPr>
-          <p:spPr>
-            <a:xfrm>
-              <a:off x="0" y="1800359"/>
-              <a:ext cx="12192000" cy="0"/>
-            </a:xfrm>
-            <a:prstGeom prst="line">
-              <a:avLst/>
-            </a:prstGeom>
-            <a:ln w="12700">
-              <a:solidFill>
-                <a:srgbClr val="BCBCBC">
-                  <a:alpha val="29804"/>
-                </a:srgbClr>
-              </a:solidFill>
-              <a:prstDash val="sysDot"/>
-            </a:ln>
-          </p:spPr>
-          <p:style>
-            <a:lnRef idx="1">
-              <a:schemeClr val="accent1"/>
-            </a:lnRef>
-            <a:fillRef idx="0">
-              <a:schemeClr val="accent1"/>
-            </a:fillRef>
-            <a:effectRef idx="0">
-              <a:schemeClr val="accent1"/>
-            </a:effectRef>
-            <a:fontRef idx="minor">
-              <a:schemeClr val="tx1"/>
-            </a:fontRef>
-          </p:style>
-        </p:cxnSp>
-        <p:cxnSp>
-          <p:nvCxnSpPr>
-            <p:cNvPr id="31" name="Straight Connector 30">
-              <a:extLst>
-                <a:ext uri="{FF2B5EF4-FFF2-40B4-BE49-F238E27FC236}">
-                  <a16:creationId xmlns:a16="http://schemas.microsoft.com/office/drawing/2014/main" id="{E4429F7B-9FD7-438F-8ECA-3FCAD0061805}"/>
-                </a:ext>
-                <a:ext uri="{C183D7F6-B498-43B3-948B-1728B52AA6E4}">
-                  <adec:decorative xmlns:adec="http://schemas.microsoft.com/office/drawing/2017/decorative" val="1"/>
-                </a:ext>
-              </a:extLst>
-            </p:cNvPr>
-            <p:cNvCxnSpPr>
-              <a:cxnSpLocks/>
-            </p:cNvCxnSpPr>
-            <p:nvPr>
-              <p:extLst>
-                <p:ext uri="{386F3935-93C4-4BCD-93E2-E3B085C9AB24}">
-                  <p16:designElem xmlns:p16="http://schemas.microsoft.com/office/powerpoint/2015/main" val="1"/>
-                </p:ext>
-              </p:extLst>
-            </p:nvPr>
-          </p:nvCxnSpPr>
-          <p:spPr>
-            <a:xfrm>
-              <a:off x="0" y="2343240"/>
-              <a:ext cx="12192000" cy="0"/>
-            </a:xfrm>
-            <a:prstGeom prst="line">
-              <a:avLst/>
-            </a:prstGeom>
-            <a:ln w="12700">
-              <a:solidFill>
-                <a:srgbClr val="BCBCBC">
-                  <a:alpha val="29804"/>
-                </a:srgbClr>
-              </a:solidFill>
-              <a:prstDash val="sysDot"/>
-            </a:ln>
-          </p:spPr>
-          <p:style>
-            <a:lnRef idx="1">
-              <a:schemeClr val="accent1"/>
-            </a:lnRef>
-            <a:fillRef idx="0">
-              <a:schemeClr val="accent1"/>
-            </a:fillRef>
-            <a:effectRef idx="0">
-              <a:schemeClr val="accent1"/>
-            </a:effectRef>
-            <a:fontRef idx="minor">
-              <a:schemeClr val="tx1"/>
-            </a:fontRef>
-          </p:style>
-        </p:cxnSp>
-        <p:cxnSp>
-          <p:nvCxnSpPr>
-            <p:cNvPr id="32" name="Straight Connector 31">
-              <a:extLst>
-                <a:ext uri="{FF2B5EF4-FFF2-40B4-BE49-F238E27FC236}">
-                  <a16:creationId xmlns:a16="http://schemas.microsoft.com/office/drawing/2014/main" id="{0C558100-D455-4B41-890C-BCC898B2D165}"/>
-                </a:ext>
-                <a:ext uri="{C183D7F6-B498-43B3-948B-1728B52AA6E4}">
-                  <adec:decorative xmlns:adec="http://schemas.microsoft.com/office/drawing/2017/decorative" val="1"/>
-                </a:ext>
-              </a:extLst>
-            </p:cNvPr>
-            <p:cNvCxnSpPr>
-              <a:cxnSpLocks/>
-            </p:cNvCxnSpPr>
-            <p:nvPr>
-              <p:extLst>
-                <p:ext uri="{386F3935-93C4-4BCD-93E2-E3B085C9AB24}">
-                  <p16:designElem xmlns:p16="http://schemas.microsoft.com/office/powerpoint/2015/main" val="1"/>
-                </p:ext>
-              </p:extLst>
-            </p:nvPr>
-          </p:nvCxnSpPr>
-          <p:spPr>
-            <a:xfrm>
-              <a:off x="0" y="2886121"/>
-              <a:ext cx="12192000" cy="0"/>
-            </a:xfrm>
-            <a:prstGeom prst="line">
-              <a:avLst/>
-            </a:prstGeom>
-            <a:ln w="12700">
-              <a:solidFill>
-                <a:srgbClr val="BCBCBC">
-                  <a:alpha val="29804"/>
-                </a:srgbClr>
-              </a:solidFill>
-              <a:prstDash val="sysDot"/>
-            </a:ln>
-          </p:spPr>
-          <p:style>
-            <a:lnRef idx="1">
-              <a:schemeClr val="accent1"/>
-            </a:lnRef>
-            <a:fillRef idx="0">
-              <a:schemeClr val="accent1"/>
-            </a:fillRef>
-            <a:effectRef idx="0">
-              <a:schemeClr val="accent1"/>
-            </a:effectRef>
-            <a:fontRef idx="minor">
-              <a:schemeClr val="tx1"/>
-            </a:fontRef>
-          </p:style>
-        </p:cxnSp>
-        <p:cxnSp>
-          <p:nvCxnSpPr>
-            <p:cNvPr id="33" name="Straight Connector 32">
-              <a:extLst>
-                <a:ext uri="{FF2B5EF4-FFF2-40B4-BE49-F238E27FC236}">
-                  <a16:creationId xmlns:a16="http://schemas.microsoft.com/office/drawing/2014/main" id="{F2886397-398A-4318-BE16-2CBAC1902F9E}"/>
-                </a:ext>
-                <a:ext uri="{C183D7F6-B498-43B3-948B-1728B52AA6E4}">
-                  <adec:decorative xmlns:adec="http://schemas.microsoft.com/office/drawing/2017/decorative" val="1"/>
-                </a:ext>
-              </a:extLst>
-            </p:cNvPr>
-            <p:cNvCxnSpPr>
-              <a:cxnSpLocks/>
-            </p:cNvCxnSpPr>
-            <p:nvPr>
-              <p:extLst>
-                <p:ext uri="{386F3935-93C4-4BCD-93E2-E3B085C9AB24}">
-                  <p16:designElem xmlns:p16="http://schemas.microsoft.com/office/powerpoint/2015/main" val="1"/>
-                </p:ext>
-              </p:extLst>
-            </p:nvPr>
-          </p:nvCxnSpPr>
-          <p:spPr>
-            <a:xfrm>
-              <a:off x="0" y="3429002"/>
-              <a:ext cx="12192000" cy="0"/>
-            </a:xfrm>
-            <a:prstGeom prst="line">
-              <a:avLst/>
-            </a:prstGeom>
-            <a:ln w="12700">
-              <a:solidFill>
-                <a:srgbClr val="BCBCBC">
-                  <a:alpha val="29804"/>
-                </a:srgbClr>
-              </a:solidFill>
-              <a:prstDash val="sysDot"/>
-            </a:ln>
-          </p:spPr>
-          <p:style>
-            <a:lnRef idx="1">
-              <a:schemeClr val="accent1"/>
-            </a:lnRef>
-            <a:fillRef idx="0">
-              <a:schemeClr val="accent1"/>
-            </a:fillRef>
-            <a:effectRef idx="0">
-              <a:schemeClr val="accent1"/>
-            </a:effectRef>
-            <a:fontRef idx="minor">
-              <a:schemeClr val="tx1"/>
-            </a:fontRef>
-          </p:style>
-        </p:cxnSp>
-        <p:cxnSp>
-          <p:nvCxnSpPr>
-            <p:cNvPr id="34" name="Straight Connector 33">
-              <a:extLst>
-                <a:ext uri="{FF2B5EF4-FFF2-40B4-BE49-F238E27FC236}">
-                  <a16:creationId xmlns:a16="http://schemas.microsoft.com/office/drawing/2014/main" id="{7D32A3A6-CE6E-4ABD-8522-2C8DC88C070E}"/>
-                </a:ext>
-                <a:ext uri="{C183D7F6-B498-43B3-948B-1728B52AA6E4}">
-                  <adec:decorative xmlns:adec="http://schemas.microsoft.com/office/drawing/2017/decorative" val="1"/>
-                </a:ext>
-              </a:extLst>
-            </p:cNvPr>
-            <p:cNvCxnSpPr>
-              <a:cxnSpLocks/>
-            </p:cNvCxnSpPr>
-            <p:nvPr>
-              <p:extLst>
-                <p:ext uri="{386F3935-93C4-4BCD-93E2-E3B085C9AB24}">
-                  <p16:designElem xmlns:p16="http://schemas.microsoft.com/office/powerpoint/2015/main" val="1"/>
-                </p:ext>
-              </p:extLst>
-            </p:nvPr>
-          </p:nvCxnSpPr>
-          <p:spPr>
-            <a:xfrm>
-              <a:off x="0" y="3971883"/>
-              <a:ext cx="12192000" cy="0"/>
-            </a:xfrm>
-            <a:prstGeom prst="line">
-              <a:avLst/>
-            </a:prstGeom>
-            <a:ln w="12700">
-              <a:solidFill>
-                <a:srgbClr val="BCBCBC">
-                  <a:alpha val="29804"/>
-                </a:srgbClr>
-              </a:solidFill>
-              <a:prstDash val="sysDot"/>
-            </a:ln>
-          </p:spPr>
-          <p:style>
-            <a:lnRef idx="1">
-              <a:schemeClr val="accent1"/>
-            </a:lnRef>
-            <a:fillRef idx="0">
-              <a:schemeClr val="accent1"/>
-            </a:fillRef>
-            <a:effectRef idx="0">
-              <a:schemeClr val="accent1"/>
-            </a:effectRef>
-            <a:fontRef idx="minor">
-              <a:schemeClr val="tx1"/>
-            </a:fontRef>
-          </p:style>
-        </p:cxnSp>
-        <p:cxnSp>
-          <p:nvCxnSpPr>
-            <p:cNvPr id="35" name="Straight Connector 34">
-              <a:extLst>
-                <a:ext uri="{FF2B5EF4-FFF2-40B4-BE49-F238E27FC236}">
-                  <a16:creationId xmlns:a16="http://schemas.microsoft.com/office/drawing/2014/main" id="{F9014C09-5B84-4798-8BDE-C80D76E67B8E}"/>
-                </a:ext>
-                <a:ext uri="{C183D7F6-B498-43B3-948B-1728B52AA6E4}">
-                  <adec:decorative xmlns:adec="http://schemas.microsoft.com/office/drawing/2017/decorative" val="1"/>
-                </a:ext>
-              </a:extLst>
-            </p:cNvPr>
-            <p:cNvCxnSpPr>
-              <a:cxnSpLocks/>
-            </p:cNvCxnSpPr>
-            <p:nvPr>
-              <p:extLst>
-                <p:ext uri="{386F3935-93C4-4BCD-93E2-E3B085C9AB24}">
-                  <p16:designElem xmlns:p16="http://schemas.microsoft.com/office/powerpoint/2015/main" val="1"/>
-                </p:ext>
-              </p:extLst>
-            </p:nvPr>
-          </p:nvCxnSpPr>
-          <p:spPr>
-            <a:xfrm>
-              <a:off x="0" y="4514764"/>
-              <a:ext cx="12192000" cy="0"/>
-            </a:xfrm>
-            <a:prstGeom prst="line">
-              <a:avLst/>
-            </a:prstGeom>
-            <a:ln w="12700">
-              <a:solidFill>
-                <a:srgbClr val="BCBCBC">
-                  <a:alpha val="29804"/>
-                </a:srgbClr>
-              </a:solidFill>
-              <a:prstDash val="sysDot"/>
-            </a:ln>
-          </p:spPr>
-          <p:style>
-            <a:lnRef idx="1">
-              <a:schemeClr val="accent1"/>
-            </a:lnRef>
-            <a:fillRef idx="0">
-              <a:schemeClr val="accent1"/>
-            </a:fillRef>
-            <a:effectRef idx="0">
-              <a:schemeClr val="accent1"/>
-            </a:effectRef>
-            <a:fontRef idx="minor">
-              <a:schemeClr val="tx1"/>
-            </a:fontRef>
-          </p:style>
-        </p:cxnSp>
-        <p:cxnSp>
-          <p:nvCxnSpPr>
-            <p:cNvPr id="36" name="Straight Connector 35">
-              <a:extLst>
-                <a:ext uri="{FF2B5EF4-FFF2-40B4-BE49-F238E27FC236}">
-                  <a16:creationId xmlns:a16="http://schemas.microsoft.com/office/drawing/2014/main" id="{2A29EB9E-ED9D-4C69-8A26-9A7A0A830569}"/>
-                </a:ext>
-                <a:ext uri="{C183D7F6-B498-43B3-948B-1728B52AA6E4}">
-                  <adec:decorative xmlns:adec="http://schemas.microsoft.com/office/drawing/2017/decorative" val="1"/>
-                </a:ext>
-              </a:extLst>
-            </p:cNvPr>
-            <p:cNvCxnSpPr>
-              <a:cxnSpLocks/>
-            </p:cNvCxnSpPr>
-            <p:nvPr>
-              <p:extLst>
-                <p:ext uri="{386F3935-93C4-4BCD-93E2-E3B085C9AB24}">
-                  <p16:designElem xmlns:p16="http://schemas.microsoft.com/office/powerpoint/2015/main" val="1"/>
-                </p:ext>
-              </p:extLst>
-            </p:nvPr>
-          </p:nvCxnSpPr>
-          <p:spPr>
-            <a:xfrm>
-              <a:off x="0" y="5057645"/>
-              <a:ext cx="12192000" cy="0"/>
-            </a:xfrm>
-            <a:prstGeom prst="line">
-              <a:avLst/>
-            </a:prstGeom>
-            <a:ln w="12700">
-              <a:solidFill>
-                <a:srgbClr val="BCBCBC">
-                  <a:alpha val="29804"/>
-                </a:srgbClr>
-              </a:solidFill>
-              <a:prstDash val="sysDot"/>
-            </a:ln>
-          </p:spPr>
-          <p:style>
-            <a:lnRef idx="1">
-              <a:schemeClr val="accent1"/>
-            </a:lnRef>
-            <a:fillRef idx="0">
-              <a:schemeClr val="accent1"/>
-            </a:fillRef>
-            <a:effectRef idx="0">
-              <a:schemeClr val="accent1"/>
-            </a:effectRef>
-            <a:fontRef idx="minor">
-              <a:schemeClr val="tx1"/>
-            </a:fontRef>
-          </p:style>
-        </p:cxnSp>
-        <p:cxnSp>
-          <p:nvCxnSpPr>
-            <p:cNvPr id="37" name="Straight Connector 36">
-              <a:extLst>
-                <a:ext uri="{FF2B5EF4-FFF2-40B4-BE49-F238E27FC236}">
-                  <a16:creationId xmlns:a16="http://schemas.microsoft.com/office/drawing/2014/main" id="{AA2899F9-1795-416F-8F3D-26EEB684DB6A}"/>
-                </a:ext>
-                <a:ext uri="{C183D7F6-B498-43B3-948B-1728B52AA6E4}">
-                  <adec:decorative xmlns:adec="http://schemas.microsoft.com/office/drawing/2017/decorative" val="1"/>
-                </a:ext>
-              </a:extLst>
-            </p:cNvPr>
-            <p:cNvCxnSpPr>
-              <a:cxnSpLocks/>
-            </p:cNvCxnSpPr>
-            <p:nvPr>
-              <p:extLst>
-                <p:ext uri="{386F3935-93C4-4BCD-93E2-E3B085C9AB24}">
-                  <p16:designElem xmlns:p16="http://schemas.microsoft.com/office/powerpoint/2015/main" val="1"/>
-                </p:ext>
-              </p:extLst>
-            </p:nvPr>
-          </p:nvCxnSpPr>
-          <p:spPr>
-            <a:xfrm>
-              <a:off x="0" y="5600526"/>
-              <a:ext cx="12192000" cy="0"/>
-            </a:xfrm>
-            <a:prstGeom prst="line">
-              <a:avLst/>
-            </a:prstGeom>
-            <a:ln w="12700">
-              <a:solidFill>
-                <a:srgbClr val="BCBCBC">
-                  <a:alpha val="29804"/>
-                </a:srgbClr>
-              </a:solidFill>
-              <a:prstDash val="sysDot"/>
-            </a:ln>
-          </p:spPr>
-          <p:style>
-            <a:lnRef idx="1">
-              <a:schemeClr val="accent1"/>
-            </a:lnRef>
-            <a:fillRef idx="0">
-              <a:schemeClr val="accent1"/>
-            </a:fillRef>
-            <a:effectRef idx="0">
-              <a:schemeClr val="accent1"/>
-            </a:effectRef>
-            <a:fontRef idx="minor">
-              <a:schemeClr val="tx1"/>
-            </a:fontRef>
-          </p:style>
-        </p:cxnSp>
-        <p:cxnSp>
-          <p:nvCxnSpPr>
-            <p:cNvPr id="38" name="Straight Connector 37">
-              <a:extLst>
-                <a:ext uri="{FF2B5EF4-FFF2-40B4-BE49-F238E27FC236}">
-                  <a16:creationId xmlns:a16="http://schemas.microsoft.com/office/drawing/2014/main" id="{E3043474-8625-495C-BD06-3627FD286C55}"/>
-                </a:ext>
-                <a:ext uri="{C183D7F6-B498-43B3-948B-1728B52AA6E4}">
-                  <adec:decorative xmlns:adec="http://schemas.microsoft.com/office/drawing/2017/decorative" val="1"/>
-                </a:ext>
-              </a:extLst>
-            </p:cNvPr>
-            <p:cNvCxnSpPr>
-              <a:cxnSpLocks/>
-            </p:cNvCxnSpPr>
-            <p:nvPr>
-              <p:extLst>
-                <p:ext uri="{386F3935-93C4-4BCD-93E2-E3B085C9AB24}">
-                  <p16:designElem xmlns:p16="http://schemas.microsoft.com/office/powerpoint/2015/main" val="1"/>
-                </p:ext>
-              </p:extLst>
-            </p:nvPr>
-          </p:nvCxnSpPr>
-          <p:spPr>
-            <a:xfrm>
-              <a:off x="0" y="6857999"/>
-              <a:ext cx="12192000" cy="0"/>
-            </a:xfrm>
-            <a:prstGeom prst="line">
-              <a:avLst/>
-            </a:prstGeom>
-            <a:ln w="12700">
-              <a:solidFill>
-                <a:srgbClr val="BCBCBC">
-                  <a:alpha val="29804"/>
-                </a:srgbClr>
-              </a:solidFill>
-              <a:prstDash val="sysDot"/>
-            </a:ln>
-          </p:spPr>
-          <p:style>
-            <a:lnRef idx="1">
-              <a:schemeClr val="accent1"/>
-            </a:lnRef>
-            <a:fillRef idx="0">
-              <a:schemeClr val="accent1"/>
-            </a:fillRef>
-            <a:effectRef idx="0">
-              <a:schemeClr val="accent1"/>
-            </a:effectRef>
-            <a:fontRef idx="minor">
-              <a:schemeClr val="tx1"/>
-            </a:fontRef>
-          </p:style>
-        </p:cxnSp>
-        <p:cxnSp>
-          <p:nvCxnSpPr>
-            <p:cNvPr id="39" name="Straight Connector 38">
-              <a:extLst>
-                <a:ext uri="{FF2B5EF4-FFF2-40B4-BE49-F238E27FC236}">
-                  <a16:creationId xmlns:a16="http://schemas.microsoft.com/office/drawing/2014/main" id="{D432CE47-7631-408E-8DDC-79EE378B707B}"/>
-                </a:ext>
-                <a:ext uri="{C183D7F6-B498-43B3-948B-1728B52AA6E4}">
-                  <adec:decorative xmlns:adec="http://schemas.microsoft.com/office/drawing/2017/decorative" val="1"/>
-                </a:ext>
-              </a:extLst>
-            </p:cNvPr>
-            <p:cNvCxnSpPr>
-              <a:cxnSpLocks/>
-            </p:cNvCxnSpPr>
-            <p:nvPr>
-              <p:extLst>
-                <p:ext uri="{386F3935-93C4-4BCD-93E2-E3B085C9AB24}">
-                  <p16:designElem xmlns:p16="http://schemas.microsoft.com/office/powerpoint/2015/main" val="1"/>
-                </p:ext>
-              </p:extLst>
-            </p:nvPr>
-          </p:nvCxnSpPr>
-          <p:spPr>
-            <a:xfrm>
-              <a:off x="16613" y="6143407"/>
-              <a:ext cx="12192000" cy="0"/>
-            </a:xfrm>
-            <a:prstGeom prst="line">
-              <a:avLst/>
-            </a:prstGeom>
-            <a:ln w="12700">
-              <a:solidFill>
-                <a:srgbClr val="BCBCBC">
-                  <a:alpha val="29804"/>
-                </a:srgbClr>
-              </a:solidFill>
-              <a:prstDash val="sysDot"/>
-            </a:ln>
-          </p:spPr>
-          <p:style>
-            <a:lnRef idx="1">
-              <a:schemeClr val="accent1"/>
-            </a:lnRef>
-            <a:fillRef idx="0">
-              <a:schemeClr val="accent1"/>
-            </a:fillRef>
-            <a:effectRef idx="0">
-              <a:schemeClr val="accent1"/>
-            </a:effectRef>
-            <a:fontRef idx="minor">
-              <a:schemeClr val="tx1"/>
-            </a:fontRef>
-          </p:style>
-        </p:cxnSp>
-        <p:cxnSp>
-          <p:nvCxnSpPr>
-            <p:cNvPr id="40" name="Straight Connector 39">
-              <a:extLst>
-                <a:ext uri="{FF2B5EF4-FFF2-40B4-BE49-F238E27FC236}">
-                  <a16:creationId xmlns:a16="http://schemas.microsoft.com/office/drawing/2014/main" id="{B2C8832D-8B8D-4036-B913-2D363143274B}"/>
-                </a:ext>
-                <a:ext uri="{C183D7F6-B498-43B3-948B-1728B52AA6E4}">
-                  <adec:decorative xmlns:adec="http://schemas.microsoft.com/office/drawing/2017/decorative" val="1"/>
-                </a:ext>
-              </a:extLst>
-            </p:cNvPr>
-            <p:cNvCxnSpPr>
-              <a:cxnSpLocks/>
-            </p:cNvCxnSpPr>
-            <p:nvPr>
-              <p:extLst>
-                <p:ext uri="{386F3935-93C4-4BCD-93E2-E3B085C9AB24}">
-                  <p16:designElem xmlns:p16="http://schemas.microsoft.com/office/powerpoint/2015/main" val="1"/>
-                </p:ext>
-              </p:extLst>
-            </p:nvPr>
-          </p:nvCxnSpPr>
-          <p:spPr>
-            <a:xfrm>
-              <a:off x="684225" y="171716"/>
-              <a:ext cx="0" cy="6511464"/>
-            </a:xfrm>
-            <a:prstGeom prst="line">
-              <a:avLst/>
-            </a:prstGeom>
-            <a:ln w="12700">
-              <a:solidFill>
-                <a:srgbClr val="BCBCBC">
-                  <a:alpha val="29804"/>
-                </a:srgbClr>
-              </a:solidFill>
-              <a:prstDash val="sysDot"/>
-            </a:ln>
-          </p:spPr>
-          <p:style>
-            <a:lnRef idx="1">
-              <a:schemeClr val="accent1"/>
-            </a:lnRef>
-            <a:fillRef idx="0">
-              <a:schemeClr val="accent1"/>
-            </a:fillRef>
-            <a:effectRef idx="0">
-              <a:schemeClr val="accent1"/>
-            </a:effectRef>
-            <a:fontRef idx="minor">
-              <a:schemeClr val="tx1"/>
-            </a:fontRef>
-          </p:style>
-        </p:cxnSp>
-        <p:cxnSp>
-          <p:nvCxnSpPr>
-            <p:cNvPr id="41" name="Straight Connector 40">
-              <a:extLst>
-                <a:ext uri="{FF2B5EF4-FFF2-40B4-BE49-F238E27FC236}">
-                  <a16:creationId xmlns:a16="http://schemas.microsoft.com/office/drawing/2014/main" id="{1CCEFEAF-E87B-4FF2-A947-94CABAA0610D}"/>
-                </a:ext>
-                <a:ext uri="{C183D7F6-B498-43B3-948B-1728B52AA6E4}">
-                  <adec:decorative xmlns:adec="http://schemas.microsoft.com/office/drawing/2017/decorative" val="1"/>
-                </a:ext>
-              </a:extLst>
-            </p:cNvPr>
-            <p:cNvCxnSpPr>
-              <a:cxnSpLocks/>
-            </p:cNvCxnSpPr>
-            <p:nvPr>
-              <p:extLst>
-                <p:ext uri="{386F3935-93C4-4BCD-93E2-E3B085C9AB24}">
-                  <p16:designElem xmlns:p16="http://schemas.microsoft.com/office/powerpoint/2015/main" val="1"/>
-                </p:ext>
-              </p:extLst>
-            </p:nvPr>
-          </p:nvCxnSpPr>
-          <p:spPr>
-            <a:xfrm>
-              <a:off x="11508412" y="173267"/>
-              <a:ext cx="0" cy="6511464"/>
-            </a:xfrm>
-            <a:prstGeom prst="line">
-              <a:avLst/>
-            </a:prstGeom>
-            <a:ln w="12700">
-              <a:solidFill>
-                <a:srgbClr val="BCBCBC">
-                  <a:alpha val="29804"/>
-                </a:srgbClr>
-              </a:solidFill>
-              <a:prstDash val="sysDot"/>
-            </a:ln>
-          </p:spPr>
-          <p:style>
-            <a:lnRef idx="1">
-              <a:schemeClr val="accent1"/>
-            </a:lnRef>
-            <a:fillRef idx="0">
-              <a:schemeClr val="accent1"/>
-            </a:fillRef>
-            <a:effectRef idx="0">
-              <a:schemeClr val="accent1"/>
-            </a:effectRef>
-            <a:fontRef idx="minor">
-              <a:schemeClr val="tx1"/>
-            </a:fontRef>
-          </p:style>
-        </p:cxnSp>
-      </p:grpSp>
-      <p:sp>
-        <p:nvSpPr>
-          <p:cNvPr id="43" name="Right Triangle 42">
-            <a:extLst>
-              <a:ext uri="{FF2B5EF4-FFF2-40B4-BE49-F238E27FC236}">
-                <a16:creationId xmlns:a16="http://schemas.microsoft.com/office/drawing/2014/main" id="{2437C4A8-8E3A-4ADA-93B9-64737CE1ABB1}"/>
-              </a:ext>
-              <a:ext uri="{C183D7F6-B498-43B3-948B-1728B52AA6E4}">
-                <adec:decorative xmlns:adec="http://schemas.microsoft.com/office/drawing/2017/decorative" val="1"/>
+                <a16:creationId xmlns:a16="http://schemas.microsoft.com/office/drawing/2014/main" id="{9D194AC3-F966-407E-B14F-C5E8BB97A1AE}"/>
               </a:ext>
             </a:extLst>
           </p:cNvPr>
           <p:cNvSpPr>
-            <a:spLocks noGrp="1" noRot="1" noChangeAspect="1" noMove="1" noResize="1" noEditPoints="1" noAdjustHandles="1" noChangeArrowheads="1" noChangeShapeType="1" noTextEdit="1"/>
+            <a:spLocks noGrp="1"/>
           </p:cNvSpPr>
           <p:nvPr>
-            <p:extLst>
-              <p:ext uri="{386F3935-93C4-4BCD-93E2-E3B085C9AB24}">
-                <p16:designElem xmlns:p16="http://schemas.microsoft.com/office/powerpoint/2015/main" val="1"/>
-              </p:ext>
-            </p:extLst>
+            <p:ph type="title"/>
           </p:nvPr>
         </p:nvSpPr>
-        <p:spPr>
-          <a:xfrm rot="13500000">
-            <a:off x="-281093" y="2607907"/>
-            <a:ext cx="568289" cy="568289"/>
-          </a:xfrm>
-          <a:prstGeom prst="rtTriangle">
-            <a:avLst/>
-          </a:prstGeom>
-          <a:solidFill>
-            <a:schemeClr val="accent1">
-              <a:alpha val="50000"/>
-            </a:schemeClr>
-          </a:solidFill>
-          <a:ln>
-            <a:noFill/>
-          </a:ln>
-        </p:spPr>
-        <p:style>
-          <a:lnRef idx="2">
-            <a:schemeClr val="accent1">
-              <a:shade val="50000"/>
-            </a:schemeClr>
-          </a:lnRef>
-          <a:fillRef idx="1">
-            <a:schemeClr val="accent1"/>
-          </a:fillRef>
-          <a:effectRef idx="0">
-            <a:schemeClr val="accent1"/>
-          </a:effectRef>
-          <a:fontRef idx="minor">
-            <a:schemeClr val="lt1"/>
-          </a:fontRef>
-        </p:style>
+        <p:spPr/>
         <p:txBody>
-          <a:bodyPr rtlCol="0" anchor="ctr"/>
+          <a:bodyPr/>
           <a:lstStyle/>
           <a:p>
-            <a:pPr algn="ctr"/>
-            <a:endParaRPr lang="en-US">
-              <a:solidFill>
-                <a:schemeClr val="tx1"/>
-              </a:solidFill>
-            </a:endParaRPr>
-          </a:p>
-        </p:txBody>
-      </p:sp>
-      <p:sp useBgFill="1">
-        <p:nvSpPr>
-          <p:cNvPr id="45" name="Rectangle 44">
-            <a:extLst>
-              <a:ext uri="{FF2B5EF4-FFF2-40B4-BE49-F238E27FC236}">
-                <a16:creationId xmlns:a16="http://schemas.microsoft.com/office/drawing/2014/main" id="{A173122F-D466-4F08-90FA-0038F7AC214A}"/>
-              </a:ext>
-              <a:ext uri="{C183D7F6-B498-43B3-948B-1728B52AA6E4}">
-                <adec:decorative xmlns:adec="http://schemas.microsoft.com/office/drawing/2017/decorative" val="1"/>
-              </a:ext>
-            </a:extLst>
-          </p:cNvPr>
-          <p:cNvSpPr>
-            <a:spLocks noGrp="1" noRot="1" noChangeAspect="1" noMove="1" noResize="1" noEditPoints="1" noAdjustHandles="1" noChangeArrowheads="1" noChangeShapeType="1" noTextEdit="1"/>
-          </p:cNvSpPr>
-          <p:nvPr>
-            <p:extLst>
-              <p:ext uri="{386F3935-93C4-4BCD-93E2-E3B085C9AB24}">
-                <p16:designElem xmlns:p16="http://schemas.microsoft.com/office/powerpoint/2015/main" val="1"/>
-              </p:ext>
-            </p:extLst>
-          </p:nvPr>
-        </p:nvSpPr>
-        <p:spPr>
-          <a:xfrm>
-            <a:off x="0" y="0"/>
-            <a:ext cx="12188952" cy="6858000"/>
-          </a:xfrm>
-          <a:prstGeom prst="rect">
-            <a:avLst/>
-          </a:prstGeom>
-          <a:ln>
-            <a:noFill/>
-          </a:ln>
-        </p:spPr>
-        <p:style>
-          <a:lnRef idx="2">
-            <a:schemeClr val="accent1">
-              <a:shade val="50000"/>
-            </a:schemeClr>
-          </a:lnRef>
-          <a:fillRef idx="1">
-            <a:schemeClr val="accent1"/>
-          </a:fillRef>
-          <a:effectRef idx="0">
-            <a:schemeClr val="accent1"/>
-          </a:effectRef>
-          <a:fontRef idx="minor">
-            <a:schemeClr val="lt1"/>
-          </a:fontRef>
-        </p:style>
-        <p:txBody>
-          <a:bodyPr rtlCol="0" anchor="ctr"/>
-          <a:lstStyle/>
-          <a:p>
-            <a:pPr algn="ctr"/>
-            <a:endParaRPr lang="en-US">
-              <a:solidFill>
-                <a:schemeClr val="bg1"/>
-              </a:solidFill>
-            </a:endParaRPr>
-          </a:p>
-        </p:txBody>
-      </p:sp>
-      <p:grpSp>
-        <p:nvGrpSpPr>
-          <p:cNvPr id="47" name="Group 46">
-            <a:extLst>
-              <a:ext uri="{FF2B5EF4-FFF2-40B4-BE49-F238E27FC236}">
-                <a16:creationId xmlns:a16="http://schemas.microsoft.com/office/drawing/2014/main" id="{B19EC7B8-C390-4F1B-8960-E6D32451033C}"/>
-              </a:ext>
-              <a:ext uri="{C183D7F6-B498-43B3-948B-1728B52AA6E4}">
-                <adec:decorative xmlns:adec="http://schemas.microsoft.com/office/drawing/2017/decorative" val="1"/>
-              </a:ext>
-            </a:extLst>
-          </p:cNvPr>
-          <p:cNvGrpSpPr>
-            <a:grpSpLocks noGrp="1" noUngrp="1" noRot="1" noChangeAspect="1" noMove="1" noResize="1"/>
-          </p:cNvGrpSpPr>
-          <p:nvPr>
-            <p:extLst>
-              <p:ext uri="{386F3935-93C4-4BCD-93E2-E3B085C9AB24}">
-                <p16:designElem xmlns:p16="http://schemas.microsoft.com/office/powerpoint/2015/main" val="1"/>
-              </p:ext>
-            </p:extLst>
-          </p:nvPr>
-        </p:nvGrpSpPr>
-        <p:grpSpPr>
-          <a:xfrm>
-            <a:off x="-6214" y="-1"/>
-            <a:ext cx="12214827" cy="6858000"/>
-            <a:chOff x="-6214" y="-1"/>
-            <a:chExt cx="12214827" cy="6858000"/>
-          </a:xfrm>
-        </p:grpSpPr>
-        <p:cxnSp>
-          <p:nvCxnSpPr>
-            <p:cNvPr id="48" name="Straight Connector 47">
-              <a:extLst>
-                <a:ext uri="{FF2B5EF4-FFF2-40B4-BE49-F238E27FC236}">
-                  <a16:creationId xmlns:a16="http://schemas.microsoft.com/office/drawing/2014/main" id="{7CEE1CC1-2CD0-4957-8A12-48FA80C0CC28}"/>
-                </a:ext>
-                <a:ext uri="{C183D7F6-B498-43B3-948B-1728B52AA6E4}">
-                  <adec:decorative xmlns:adec="http://schemas.microsoft.com/office/drawing/2017/decorative" val="1"/>
-                </a:ext>
-              </a:extLst>
-            </p:cNvPr>
-            <p:cNvCxnSpPr>
-              <a:cxnSpLocks/>
-            </p:cNvCxnSpPr>
-            <p:nvPr>
-              <p:extLst>
-                <p:ext uri="{386F3935-93C4-4BCD-93E2-E3B085C9AB24}">
-                  <p16:designElem xmlns:p16="http://schemas.microsoft.com/office/powerpoint/2015/main" val="1"/>
-                </p:ext>
-              </p:extLst>
-            </p:nvPr>
-          </p:nvCxnSpPr>
-          <p:spPr>
-            <a:xfrm>
-              <a:off x="-6214" y="6686283"/>
-              <a:ext cx="12192000" cy="0"/>
-            </a:xfrm>
-            <a:prstGeom prst="line">
-              <a:avLst/>
-            </a:prstGeom>
-            <a:ln w="12700">
-              <a:solidFill>
-                <a:srgbClr val="BCBCBC">
-                  <a:alpha val="29804"/>
-                </a:srgbClr>
-              </a:solidFill>
-              <a:prstDash val="sysDot"/>
-            </a:ln>
-          </p:spPr>
-          <p:style>
-            <a:lnRef idx="1">
-              <a:schemeClr val="accent1"/>
-            </a:lnRef>
-            <a:fillRef idx="0">
-              <a:schemeClr val="accent1"/>
-            </a:fillRef>
-            <a:effectRef idx="0">
-              <a:schemeClr val="accent1"/>
-            </a:effectRef>
-            <a:fontRef idx="minor">
-              <a:schemeClr val="tx1"/>
-            </a:fontRef>
-          </p:style>
-        </p:cxnSp>
-        <p:cxnSp>
-          <p:nvCxnSpPr>
-            <p:cNvPr id="49" name="Straight Connector 48">
-              <a:extLst>
-                <a:ext uri="{FF2B5EF4-FFF2-40B4-BE49-F238E27FC236}">
-                  <a16:creationId xmlns:a16="http://schemas.microsoft.com/office/drawing/2014/main" id="{34901FEB-A7C2-457B-A124-AD433B04174F}"/>
-                </a:ext>
-                <a:ext uri="{C183D7F6-B498-43B3-948B-1728B52AA6E4}">
-                  <adec:decorative xmlns:adec="http://schemas.microsoft.com/office/drawing/2017/decorative" val="1"/>
-                </a:ext>
-              </a:extLst>
-            </p:cNvPr>
-            <p:cNvCxnSpPr>
-              <a:cxnSpLocks/>
-            </p:cNvCxnSpPr>
-            <p:nvPr>
-              <p:extLst>
-                <p:ext uri="{386F3935-93C4-4BCD-93E2-E3B085C9AB24}">
-                  <p16:designElem xmlns:p16="http://schemas.microsoft.com/office/powerpoint/2015/main" val="1"/>
-                </p:ext>
-              </p:extLst>
-            </p:nvPr>
-          </p:nvCxnSpPr>
-          <p:spPr>
-            <a:xfrm>
-              <a:off x="0" y="-1"/>
-              <a:ext cx="0" cy="6858000"/>
-            </a:xfrm>
-            <a:prstGeom prst="line">
-              <a:avLst/>
-            </a:prstGeom>
-            <a:ln w="12700">
-              <a:solidFill>
-                <a:srgbClr val="BCBCBC">
-                  <a:alpha val="29804"/>
-                </a:srgbClr>
-              </a:solidFill>
-              <a:prstDash val="sysDot"/>
-            </a:ln>
-          </p:spPr>
-          <p:style>
-            <a:lnRef idx="1">
-              <a:schemeClr val="accent1"/>
-            </a:lnRef>
-            <a:fillRef idx="0">
-              <a:schemeClr val="accent1"/>
-            </a:fillRef>
-            <a:effectRef idx="0">
-              <a:schemeClr val="accent1"/>
-            </a:effectRef>
-            <a:fontRef idx="minor">
-              <a:schemeClr val="tx1"/>
-            </a:fontRef>
-          </p:style>
-        </p:cxnSp>
-        <p:cxnSp>
-          <p:nvCxnSpPr>
-            <p:cNvPr id="50" name="Straight Connector 49">
-              <a:extLst>
-                <a:ext uri="{FF2B5EF4-FFF2-40B4-BE49-F238E27FC236}">
-                  <a16:creationId xmlns:a16="http://schemas.microsoft.com/office/drawing/2014/main" id="{C76048A8-79AA-454C-BD3E-3004F742681C}"/>
-                </a:ext>
-                <a:ext uri="{C183D7F6-B498-43B3-948B-1728B52AA6E4}">
-                  <adec:decorative xmlns:adec="http://schemas.microsoft.com/office/drawing/2017/decorative" val="1"/>
-                </a:ext>
-              </a:extLst>
-            </p:cNvPr>
-            <p:cNvCxnSpPr>
-              <a:cxnSpLocks/>
-            </p:cNvCxnSpPr>
-            <p:nvPr>
-              <p:extLst>
-                <p:ext uri="{386F3935-93C4-4BCD-93E2-E3B085C9AB24}">
-                  <p16:designElem xmlns:p16="http://schemas.microsoft.com/office/powerpoint/2015/main" val="1"/>
-                </p:ext>
-              </p:extLst>
-            </p:nvPr>
-          </p:nvCxnSpPr>
-          <p:spPr>
-            <a:xfrm>
-              <a:off x="11993258" y="-1"/>
-              <a:ext cx="0" cy="6858000"/>
-            </a:xfrm>
-            <a:prstGeom prst="line">
-              <a:avLst/>
-            </a:prstGeom>
-            <a:ln w="12700">
-              <a:solidFill>
-                <a:srgbClr val="BCBCBC">
-                  <a:alpha val="29804"/>
-                </a:srgbClr>
-              </a:solidFill>
-              <a:prstDash val="sysDot"/>
-            </a:ln>
-          </p:spPr>
-          <p:style>
-            <a:lnRef idx="1">
-              <a:schemeClr val="accent1"/>
-            </a:lnRef>
-            <a:fillRef idx="0">
-              <a:schemeClr val="accent1"/>
-            </a:fillRef>
-            <a:effectRef idx="0">
-              <a:schemeClr val="accent1"/>
-            </a:effectRef>
-            <a:fontRef idx="minor">
-              <a:schemeClr val="tx1"/>
-            </a:fontRef>
-          </p:style>
-        </p:cxnSp>
-        <p:cxnSp>
-          <p:nvCxnSpPr>
-            <p:cNvPr id="51" name="Straight Connector 50">
-              <a:extLst>
-                <a:ext uri="{FF2B5EF4-FFF2-40B4-BE49-F238E27FC236}">
-                  <a16:creationId xmlns:a16="http://schemas.microsoft.com/office/drawing/2014/main" id="{77B51975-25FE-4328-9815-2AA302F28ABA}"/>
-                </a:ext>
-                <a:ext uri="{C183D7F6-B498-43B3-948B-1728B52AA6E4}">
-                  <adec:decorative xmlns:adec="http://schemas.microsoft.com/office/drawing/2017/decorative" val="1"/>
-                </a:ext>
-              </a:extLst>
-            </p:cNvPr>
-            <p:cNvCxnSpPr>
-              <a:cxnSpLocks/>
-            </p:cNvCxnSpPr>
-            <p:nvPr>
-              <p:extLst>
-                <p:ext uri="{386F3935-93C4-4BCD-93E2-E3B085C9AB24}">
-                  <p16:designElem xmlns:p16="http://schemas.microsoft.com/office/powerpoint/2015/main" val="1"/>
-                </p:ext>
-              </p:extLst>
-            </p:nvPr>
-          </p:nvCxnSpPr>
-          <p:spPr>
-            <a:xfrm>
-              <a:off x="192528" y="-1"/>
-              <a:ext cx="0" cy="6858000"/>
-            </a:xfrm>
-            <a:prstGeom prst="line">
-              <a:avLst/>
-            </a:prstGeom>
-            <a:ln w="12700">
-              <a:solidFill>
-                <a:srgbClr val="BCBCBC">
-                  <a:alpha val="29804"/>
-                </a:srgbClr>
-              </a:solidFill>
-              <a:prstDash val="sysDot"/>
-            </a:ln>
-          </p:spPr>
-          <p:style>
-            <a:lnRef idx="1">
-              <a:schemeClr val="accent1"/>
-            </a:lnRef>
-            <a:fillRef idx="0">
-              <a:schemeClr val="accent1"/>
-            </a:fillRef>
-            <a:effectRef idx="0">
-              <a:schemeClr val="accent1"/>
-            </a:effectRef>
-            <a:fontRef idx="minor">
-              <a:schemeClr val="tx1"/>
-            </a:fontRef>
-          </p:style>
-        </p:cxnSp>
-        <p:cxnSp>
-          <p:nvCxnSpPr>
-            <p:cNvPr id="52" name="Straight Connector 51">
-              <a:extLst>
-                <a:ext uri="{FF2B5EF4-FFF2-40B4-BE49-F238E27FC236}">
-                  <a16:creationId xmlns:a16="http://schemas.microsoft.com/office/drawing/2014/main" id="{B440B47E-6D3E-4978-B887-B53DA0BFF556}"/>
-                </a:ext>
-                <a:ext uri="{C183D7F6-B498-43B3-948B-1728B52AA6E4}">
-                  <adec:decorative xmlns:adec="http://schemas.microsoft.com/office/drawing/2017/decorative" val="1"/>
-                </a:ext>
-              </a:extLst>
-            </p:cNvPr>
-            <p:cNvCxnSpPr>
-              <a:cxnSpLocks/>
-            </p:cNvCxnSpPr>
-            <p:nvPr>
-              <p:extLst>
-                <p:ext uri="{386F3935-93C4-4BCD-93E2-E3B085C9AB24}">
-                  <p16:designElem xmlns:p16="http://schemas.microsoft.com/office/powerpoint/2015/main" val="1"/>
-                </p:ext>
-              </p:extLst>
-            </p:nvPr>
-          </p:nvCxnSpPr>
-          <p:spPr>
-            <a:xfrm>
-              <a:off x="1175922" y="-1"/>
-              <a:ext cx="0" cy="6858000"/>
-            </a:xfrm>
-            <a:prstGeom prst="line">
-              <a:avLst/>
-            </a:prstGeom>
-            <a:ln w="12700">
-              <a:solidFill>
-                <a:srgbClr val="BCBCBC">
-                  <a:alpha val="29804"/>
-                </a:srgbClr>
-              </a:solidFill>
-              <a:prstDash val="sysDot"/>
-            </a:ln>
-          </p:spPr>
-          <p:style>
-            <a:lnRef idx="1">
-              <a:schemeClr val="accent1"/>
-            </a:lnRef>
-            <a:fillRef idx="0">
-              <a:schemeClr val="accent1"/>
-            </a:fillRef>
-            <a:effectRef idx="0">
-              <a:schemeClr val="accent1"/>
-            </a:effectRef>
-            <a:fontRef idx="minor">
-              <a:schemeClr val="tx1"/>
-            </a:fontRef>
-          </p:style>
-        </p:cxnSp>
-        <p:cxnSp>
-          <p:nvCxnSpPr>
-            <p:cNvPr id="53" name="Straight Connector 52">
-              <a:extLst>
-                <a:ext uri="{FF2B5EF4-FFF2-40B4-BE49-F238E27FC236}">
-                  <a16:creationId xmlns:a16="http://schemas.microsoft.com/office/drawing/2014/main" id="{FD94D0A1-D760-40DE-B758-008B93D588B5}"/>
-                </a:ext>
-                <a:ext uri="{C183D7F6-B498-43B3-948B-1728B52AA6E4}">
-                  <adec:decorative xmlns:adec="http://schemas.microsoft.com/office/drawing/2017/decorative" val="1"/>
-                </a:ext>
-              </a:extLst>
-            </p:cNvPr>
-            <p:cNvCxnSpPr>
-              <a:cxnSpLocks/>
-            </p:cNvCxnSpPr>
-            <p:nvPr>
-              <p:extLst>
-                <p:ext uri="{386F3935-93C4-4BCD-93E2-E3B085C9AB24}">
-                  <p16:designElem xmlns:p16="http://schemas.microsoft.com/office/powerpoint/2015/main" val="1"/>
-                </p:ext>
-              </p:extLst>
-            </p:nvPr>
-          </p:nvCxnSpPr>
-          <p:spPr>
-            <a:xfrm>
-              <a:off x="2159316" y="-1"/>
-              <a:ext cx="0" cy="6858000"/>
-            </a:xfrm>
-            <a:prstGeom prst="line">
-              <a:avLst/>
-            </a:prstGeom>
-            <a:ln w="12700">
-              <a:solidFill>
-                <a:srgbClr val="BCBCBC">
-                  <a:alpha val="29804"/>
-                </a:srgbClr>
-              </a:solidFill>
-              <a:prstDash val="sysDot"/>
-            </a:ln>
-          </p:spPr>
-          <p:style>
-            <a:lnRef idx="1">
-              <a:schemeClr val="accent1"/>
-            </a:lnRef>
-            <a:fillRef idx="0">
-              <a:schemeClr val="accent1"/>
-            </a:fillRef>
-            <a:effectRef idx="0">
-              <a:schemeClr val="accent1"/>
-            </a:effectRef>
-            <a:fontRef idx="minor">
-              <a:schemeClr val="tx1"/>
-            </a:fontRef>
-          </p:style>
-        </p:cxnSp>
-        <p:cxnSp>
-          <p:nvCxnSpPr>
-            <p:cNvPr id="54" name="Straight Connector 53">
-              <a:extLst>
-                <a:ext uri="{FF2B5EF4-FFF2-40B4-BE49-F238E27FC236}">
-                  <a16:creationId xmlns:a16="http://schemas.microsoft.com/office/drawing/2014/main" id="{F9E590CB-0538-40D7-9CAC-1BBD39CC278D}"/>
-                </a:ext>
-                <a:ext uri="{C183D7F6-B498-43B3-948B-1728B52AA6E4}">
-                  <adec:decorative xmlns:adec="http://schemas.microsoft.com/office/drawing/2017/decorative" val="1"/>
-                </a:ext>
-              </a:extLst>
-            </p:cNvPr>
-            <p:cNvCxnSpPr>
-              <a:cxnSpLocks/>
-            </p:cNvCxnSpPr>
-            <p:nvPr>
-              <p:extLst>
-                <p:ext uri="{386F3935-93C4-4BCD-93E2-E3B085C9AB24}">
-                  <p16:designElem xmlns:p16="http://schemas.microsoft.com/office/powerpoint/2015/main" val="1"/>
-                </p:ext>
-              </p:extLst>
-            </p:nvPr>
-          </p:nvCxnSpPr>
-          <p:spPr>
-            <a:xfrm>
-              <a:off x="3142710" y="-1"/>
-              <a:ext cx="0" cy="6858000"/>
-            </a:xfrm>
-            <a:prstGeom prst="line">
-              <a:avLst/>
-            </a:prstGeom>
-            <a:ln w="12700">
-              <a:solidFill>
-                <a:srgbClr val="BCBCBC">
-                  <a:alpha val="29804"/>
-                </a:srgbClr>
-              </a:solidFill>
-              <a:prstDash val="sysDot"/>
-            </a:ln>
-          </p:spPr>
-          <p:style>
-            <a:lnRef idx="1">
-              <a:schemeClr val="accent1"/>
-            </a:lnRef>
-            <a:fillRef idx="0">
-              <a:schemeClr val="accent1"/>
-            </a:fillRef>
-            <a:effectRef idx="0">
-              <a:schemeClr val="accent1"/>
-            </a:effectRef>
-            <a:fontRef idx="minor">
-              <a:schemeClr val="tx1"/>
-            </a:fontRef>
-          </p:style>
-        </p:cxnSp>
-        <p:cxnSp>
-          <p:nvCxnSpPr>
-            <p:cNvPr id="55" name="Straight Connector 54">
-              <a:extLst>
-                <a:ext uri="{FF2B5EF4-FFF2-40B4-BE49-F238E27FC236}">
-                  <a16:creationId xmlns:a16="http://schemas.microsoft.com/office/drawing/2014/main" id="{5D7C67DA-B2AA-46E2-8065-1F862A6F7233}"/>
-                </a:ext>
-                <a:ext uri="{C183D7F6-B498-43B3-948B-1728B52AA6E4}">
-                  <adec:decorative xmlns:adec="http://schemas.microsoft.com/office/drawing/2017/decorative" val="1"/>
-                </a:ext>
-              </a:extLst>
-            </p:cNvPr>
-            <p:cNvCxnSpPr>
-              <a:cxnSpLocks/>
-            </p:cNvCxnSpPr>
-            <p:nvPr>
-              <p:extLst>
-                <p:ext uri="{386F3935-93C4-4BCD-93E2-E3B085C9AB24}">
-                  <p16:designElem xmlns:p16="http://schemas.microsoft.com/office/powerpoint/2015/main" val="1"/>
-                </p:ext>
-              </p:extLst>
-            </p:nvPr>
-          </p:nvCxnSpPr>
-          <p:spPr>
-            <a:xfrm>
-              <a:off x="4126104" y="-1"/>
-              <a:ext cx="0" cy="6858000"/>
-            </a:xfrm>
-            <a:prstGeom prst="line">
-              <a:avLst/>
-            </a:prstGeom>
-            <a:ln w="12700">
-              <a:solidFill>
-                <a:srgbClr val="BCBCBC">
-                  <a:alpha val="29804"/>
-                </a:srgbClr>
-              </a:solidFill>
-              <a:prstDash val="sysDot"/>
-            </a:ln>
-          </p:spPr>
-          <p:style>
-            <a:lnRef idx="1">
-              <a:schemeClr val="accent1"/>
-            </a:lnRef>
-            <a:fillRef idx="0">
-              <a:schemeClr val="accent1"/>
-            </a:fillRef>
-            <a:effectRef idx="0">
-              <a:schemeClr val="accent1"/>
-            </a:effectRef>
-            <a:fontRef idx="minor">
-              <a:schemeClr val="tx1"/>
-            </a:fontRef>
-          </p:style>
-        </p:cxnSp>
-        <p:cxnSp>
-          <p:nvCxnSpPr>
-            <p:cNvPr id="56" name="Straight Connector 55">
-              <a:extLst>
-                <a:ext uri="{FF2B5EF4-FFF2-40B4-BE49-F238E27FC236}">
-                  <a16:creationId xmlns:a16="http://schemas.microsoft.com/office/drawing/2014/main" id="{C0C2ED54-1B65-4F4A-B14B-41FC05B372B2}"/>
-                </a:ext>
-                <a:ext uri="{C183D7F6-B498-43B3-948B-1728B52AA6E4}">
-                  <adec:decorative xmlns:adec="http://schemas.microsoft.com/office/drawing/2017/decorative" val="1"/>
-                </a:ext>
-              </a:extLst>
-            </p:cNvPr>
-            <p:cNvCxnSpPr>
-              <a:cxnSpLocks/>
-            </p:cNvCxnSpPr>
-            <p:nvPr>
-              <p:extLst>
-                <p:ext uri="{386F3935-93C4-4BCD-93E2-E3B085C9AB24}">
-                  <p16:designElem xmlns:p16="http://schemas.microsoft.com/office/powerpoint/2015/main" val="1"/>
-                </p:ext>
-              </p:extLst>
-            </p:nvPr>
-          </p:nvCxnSpPr>
-          <p:spPr>
-            <a:xfrm>
-              <a:off x="5109498" y="-1"/>
-              <a:ext cx="0" cy="6858000"/>
-            </a:xfrm>
-            <a:prstGeom prst="line">
-              <a:avLst/>
-            </a:prstGeom>
-            <a:ln w="12700">
-              <a:solidFill>
-                <a:srgbClr val="BCBCBC">
-                  <a:alpha val="29804"/>
-                </a:srgbClr>
-              </a:solidFill>
-              <a:prstDash val="sysDot"/>
-            </a:ln>
-          </p:spPr>
-          <p:style>
-            <a:lnRef idx="1">
-              <a:schemeClr val="accent1"/>
-            </a:lnRef>
-            <a:fillRef idx="0">
-              <a:schemeClr val="accent1"/>
-            </a:fillRef>
-            <a:effectRef idx="0">
-              <a:schemeClr val="accent1"/>
-            </a:effectRef>
-            <a:fontRef idx="minor">
-              <a:schemeClr val="tx1"/>
-            </a:fontRef>
-          </p:style>
-        </p:cxnSp>
-        <p:cxnSp>
-          <p:nvCxnSpPr>
-            <p:cNvPr id="57" name="Straight Connector 56">
-              <a:extLst>
-                <a:ext uri="{FF2B5EF4-FFF2-40B4-BE49-F238E27FC236}">
-                  <a16:creationId xmlns:a16="http://schemas.microsoft.com/office/drawing/2014/main" id="{EAE5BBBC-F576-4D54-BF67-C00BB1F4F98F}"/>
-                </a:ext>
-                <a:ext uri="{C183D7F6-B498-43B3-948B-1728B52AA6E4}">
-                  <adec:decorative xmlns:adec="http://schemas.microsoft.com/office/drawing/2017/decorative" val="1"/>
-                </a:ext>
-              </a:extLst>
-            </p:cNvPr>
-            <p:cNvCxnSpPr>
-              <a:cxnSpLocks/>
-            </p:cNvCxnSpPr>
-            <p:nvPr>
-              <p:extLst>
-                <p:ext uri="{386F3935-93C4-4BCD-93E2-E3B085C9AB24}">
-                  <p16:designElem xmlns:p16="http://schemas.microsoft.com/office/powerpoint/2015/main" val="1"/>
-                </p:ext>
-              </p:extLst>
-            </p:nvPr>
-          </p:nvCxnSpPr>
-          <p:spPr>
-            <a:xfrm>
-              <a:off x="6092892" y="-1"/>
-              <a:ext cx="0" cy="6858000"/>
-            </a:xfrm>
-            <a:prstGeom prst="line">
-              <a:avLst/>
-            </a:prstGeom>
-            <a:ln w="12700">
-              <a:solidFill>
-                <a:srgbClr val="BCBCBC">
-                  <a:alpha val="29804"/>
-                </a:srgbClr>
-              </a:solidFill>
-              <a:prstDash val="sysDot"/>
-            </a:ln>
-          </p:spPr>
-          <p:style>
-            <a:lnRef idx="1">
-              <a:schemeClr val="accent1"/>
-            </a:lnRef>
-            <a:fillRef idx="0">
-              <a:schemeClr val="accent1"/>
-            </a:fillRef>
-            <a:effectRef idx="0">
-              <a:schemeClr val="accent1"/>
-            </a:effectRef>
-            <a:fontRef idx="minor">
-              <a:schemeClr val="tx1"/>
-            </a:fontRef>
-          </p:style>
-        </p:cxnSp>
-        <p:cxnSp>
-          <p:nvCxnSpPr>
-            <p:cNvPr id="58" name="Straight Connector 57">
-              <a:extLst>
-                <a:ext uri="{FF2B5EF4-FFF2-40B4-BE49-F238E27FC236}">
-                  <a16:creationId xmlns:a16="http://schemas.microsoft.com/office/drawing/2014/main" id="{90D490E7-12F8-40DC-A9C1-D119667EEF41}"/>
-                </a:ext>
-                <a:ext uri="{C183D7F6-B498-43B3-948B-1728B52AA6E4}">
-                  <adec:decorative xmlns:adec="http://schemas.microsoft.com/office/drawing/2017/decorative" val="1"/>
-                </a:ext>
-              </a:extLst>
-            </p:cNvPr>
-            <p:cNvCxnSpPr>
-              <a:cxnSpLocks/>
-            </p:cNvCxnSpPr>
-            <p:nvPr>
-              <p:extLst>
-                <p:ext uri="{386F3935-93C4-4BCD-93E2-E3B085C9AB24}">
-                  <p16:designElem xmlns:p16="http://schemas.microsoft.com/office/powerpoint/2015/main" val="1"/>
-                </p:ext>
-              </p:extLst>
-            </p:nvPr>
-          </p:nvCxnSpPr>
-          <p:spPr>
-            <a:xfrm>
-              <a:off x="7076286" y="-1"/>
-              <a:ext cx="0" cy="6858000"/>
-            </a:xfrm>
-            <a:prstGeom prst="line">
-              <a:avLst/>
-            </a:prstGeom>
-            <a:ln w="12700">
-              <a:solidFill>
-                <a:srgbClr val="BCBCBC">
-                  <a:alpha val="29804"/>
-                </a:srgbClr>
-              </a:solidFill>
-              <a:prstDash val="sysDot"/>
-            </a:ln>
-          </p:spPr>
-          <p:style>
-            <a:lnRef idx="1">
-              <a:schemeClr val="accent1"/>
-            </a:lnRef>
-            <a:fillRef idx="0">
-              <a:schemeClr val="accent1"/>
-            </a:fillRef>
-            <a:effectRef idx="0">
-              <a:schemeClr val="accent1"/>
-            </a:effectRef>
-            <a:fontRef idx="minor">
-              <a:schemeClr val="tx1"/>
-            </a:fontRef>
-          </p:style>
-        </p:cxnSp>
-        <p:cxnSp>
-          <p:nvCxnSpPr>
-            <p:cNvPr id="59" name="Straight Connector 58">
-              <a:extLst>
-                <a:ext uri="{FF2B5EF4-FFF2-40B4-BE49-F238E27FC236}">
-                  <a16:creationId xmlns:a16="http://schemas.microsoft.com/office/drawing/2014/main" id="{6C855383-9F21-4BDA-8FCA-22AF3D69FFC3}"/>
-                </a:ext>
-                <a:ext uri="{C183D7F6-B498-43B3-948B-1728B52AA6E4}">
-                  <adec:decorative xmlns:adec="http://schemas.microsoft.com/office/drawing/2017/decorative" val="1"/>
-                </a:ext>
-              </a:extLst>
-            </p:cNvPr>
-            <p:cNvCxnSpPr>
-              <a:cxnSpLocks/>
-            </p:cNvCxnSpPr>
-            <p:nvPr>
-              <p:extLst>
-                <p:ext uri="{386F3935-93C4-4BCD-93E2-E3B085C9AB24}">
-                  <p16:designElem xmlns:p16="http://schemas.microsoft.com/office/powerpoint/2015/main" val="1"/>
-                </p:ext>
-              </p:extLst>
-            </p:nvPr>
-          </p:nvCxnSpPr>
-          <p:spPr>
-            <a:xfrm>
-              <a:off x="8059680" y="-1"/>
-              <a:ext cx="0" cy="6858000"/>
-            </a:xfrm>
-            <a:prstGeom prst="line">
-              <a:avLst/>
-            </a:prstGeom>
-            <a:ln w="12700">
-              <a:solidFill>
-                <a:srgbClr val="BCBCBC">
-                  <a:alpha val="29804"/>
-                </a:srgbClr>
-              </a:solidFill>
-              <a:prstDash val="sysDot"/>
-            </a:ln>
-          </p:spPr>
-          <p:style>
-            <a:lnRef idx="1">
-              <a:schemeClr val="accent1"/>
-            </a:lnRef>
-            <a:fillRef idx="0">
-              <a:schemeClr val="accent1"/>
-            </a:fillRef>
-            <a:effectRef idx="0">
-              <a:schemeClr val="accent1"/>
-            </a:effectRef>
-            <a:fontRef idx="minor">
-              <a:schemeClr val="tx1"/>
-            </a:fontRef>
-          </p:style>
-        </p:cxnSp>
-        <p:cxnSp>
-          <p:nvCxnSpPr>
-            <p:cNvPr id="60" name="Straight Connector 59">
-              <a:extLst>
-                <a:ext uri="{FF2B5EF4-FFF2-40B4-BE49-F238E27FC236}">
-                  <a16:creationId xmlns:a16="http://schemas.microsoft.com/office/drawing/2014/main" id="{FC3E600C-E08A-418E-B30E-2B0FC15DF960}"/>
-                </a:ext>
-                <a:ext uri="{C183D7F6-B498-43B3-948B-1728B52AA6E4}">
-                  <adec:decorative xmlns:adec="http://schemas.microsoft.com/office/drawing/2017/decorative" val="1"/>
-                </a:ext>
-              </a:extLst>
-            </p:cNvPr>
-            <p:cNvCxnSpPr>
-              <a:cxnSpLocks/>
-            </p:cNvCxnSpPr>
-            <p:nvPr>
-              <p:extLst>
-                <p:ext uri="{386F3935-93C4-4BCD-93E2-E3B085C9AB24}">
-                  <p16:designElem xmlns:p16="http://schemas.microsoft.com/office/powerpoint/2015/main" val="1"/>
-                </p:ext>
-              </p:extLst>
-            </p:nvPr>
-          </p:nvCxnSpPr>
-          <p:spPr>
-            <a:xfrm>
-              <a:off x="9043074" y="-1"/>
-              <a:ext cx="0" cy="6858000"/>
-            </a:xfrm>
-            <a:prstGeom prst="line">
-              <a:avLst/>
-            </a:prstGeom>
-            <a:ln w="12700">
-              <a:solidFill>
-                <a:srgbClr val="BCBCBC">
-                  <a:alpha val="29804"/>
-                </a:srgbClr>
-              </a:solidFill>
-              <a:prstDash val="sysDot"/>
-            </a:ln>
-          </p:spPr>
-          <p:style>
-            <a:lnRef idx="1">
-              <a:schemeClr val="accent1"/>
-            </a:lnRef>
-            <a:fillRef idx="0">
-              <a:schemeClr val="accent1"/>
-            </a:fillRef>
-            <a:effectRef idx="0">
-              <a:schemeClr val="accent1"/>
-            </a:effectRef>
-            <a:fontRef idx="minor">
-              <a:schemeClr val="tx1"/>
-            </a:fontRef>
-          </p:style>
-        </p:cxnSp>
-        <p:cxnSp>
-          <p:nvCxnSpPr>
-            <p:cNvPr id="61" name="Straight Connector 60">
-              <a:extLst>
-                <a:ext uri="{FF2B5EF4-FFF2-40B4-BE49-F238E27FC236}">
-                  <a16:creationId xmlns:a16="http://schemas.microsoft.com/office/drawing/2014/main" id="{E980D58F-BD3F-4B47-9BD2-888B0D9D1977}"/>
-                </a:ext>
-                <a:ext uri="{C183D7F6-B498-43B3-948B-1728B52AA6E4}">
-                  <adec:decorative xmlns:adec="http://schemas.microsoft.com/office/drawing/2017/decorative" val="1"/>
-                </a:ext>
-              </a:extLst>
-            </p:cNvPr>
-            <p:cNvCxnSpPr>
-              <a:cxnSpLocks/>
-            </p:cNvCxnSpPr>
-            <p:nvPr>
-              <p:extLst>
-                <p:ext uri="{386F3935-93C4-4BCD-93E2-E3B085C9AB24}">
-                  <p16:designElem xmlns:p16="http://schemas.microsoft.com/office/powerpoint/2015/main" val="1"/>
-                </p:ext>
-              </p:extLst>
-            </p:nvPr>
-          </p:nvCxnSpPr>
-          <p:spPr>
-            <a:xfrm>
-              <a:off x="10026468" y="-1"/>
-              <a:ext cx="0" cy="6858000"/>
-            </a:xfrm>
-            <a:prstGeom prst="line">
-              <a:avLst/>
-            </a:prstGeom>
-            <a:ln w="12700">
-              <a:solidFill>
-                <a:srgbClr val="BCBCBC">
-                  <a:alpha val="29804"/>
-                </a:srgbClr>
-              </a:solidFill>
-              <a:prstDash val="sysDot"/>
-            </a:ln>
-          </p:spPr>
-          <p:style>
-            <a:lnRef idx="1">
-              <a:schemeClr val="accent1"/>
-            </a:lnRef>
-            <a:fillRef idx="0">
-              <a:schemeClr val="accent1"/>
-            </a:fillRef>
-            <a:effectRef idx="0">
-              <a:schemeClr val="accent1"/>
-            </a:effectRef>
-            <a:fontRef idx="minor">
-              <a:schemeClr val="tx1"/>
-            </a:fontRef>
-          </p:style>
-        </p:cxnSp>
-        <p:cxnSp>
-          <p:nvCxnSpPr>
-            <p:cNvPr id="62" name="Straight Connector 61">
-              <a:extLst>
-                <a:ext uri="{FF2B5EF4-FFF2-40B4-BE49-F238E27FC236}">
-                  <a16:creationId xmlns:a16="http://schemas.microsoft.com/office/drawing/2014/main" id="{43544818-9B28-4A71-8D7B-80727A532626}"/>
-                </a:ext>
-                <a:ext uri="{C183D7F6-B498-43B3-948B-1728B52AA6E4}">
-                  <adec:decorative xmlns:adec="http://schemas.microsoft.com/office/drawing/2017/decorative" val="1"/>
-                </a:ext>
-              </a:extLst>
-            </p:cNvPr>
-            <p:cNvCxnSpPr>
-              <a:cxnSpLocks/>
-            </p:cNvCxnSpPr>
-            <p:nvPr>
-              <p:extLst>
-                <p:ext uri="{386F3935-93C4-4BCD-93E2-E3B085C9AB24}">
-                  <p16:designElem xmlns:p16="http://schemas.microsoft.com/office/powerpoint/2015/main" val="1"/>
-                </p:ext>
-              </p:extLst>
-            </p:nvPr>
-          </p:nvCxnSpPr>
-          <p:spPr>
-            <a:xfrm>
-              <a:off x="11009862" y="-1"/>
-              <a:ext cx="0" cy="6858000"/>
-            </a:xfrm>
-            <a:prstGeom prst="line">
-              <a:avLst/>
-            </a:prstGeom>
-            <a:ln w="12700">
-              <a:solidFill>
-                <a:srgbClr val="BCBCBC">
-                  <a:alpha val="29804"/>
-                </a:srgbClr>
-              </a:solidFill>
-              <a:prstDash val="sysDot"/>
-            </a:ln>
-          </p:spPr>
-          <p:style>
-            <a:lnRef idx="1">
-              <a:schemeClr val="accent1"/>
-            </a:lnRef>
-            <a:fillRef idx="0">
-              <a:schemeClr val="accent1"/>
-            </a:fillRef>
-            <a:effectRef idx="0">
-              <a:schemeClr val="accent1"/>
-            </a:effectRef>
-            <a:fontRef idx="minor">
-              <a:schemeClr val="tx1"/>
-            </a:fontRef>
-          </p:style>
-        </p:cxnSp>
-        <p:cxnSp>
-          <p:nvCxnSpPr>
-            <p:cNvPr id="63" name="Straight Connector 62">
-              <a:extLst>
-                <a:ext uri="{FF2B5EF4-FFF2-40B4-BE49-F238E27FC236}">
-                  <a16:creationId xmlns:a16="http://schemas.microsoft.com/office/drawing/2014/main" id="{101FFBC7-035F-48C5-91FA-4A4973FCD6E0}"/>
-                </a:ext>
-                <a:ext uri="{C183D7F6-B498-43B3-948B-1728B52AA6E4}">
-                  <adec:decorative xmlns:adec="http://schemas.microsoft.com/office/drawing/2017/decorative" val="1"/>
-                </a:ext>
-              </a:extLst>
-            </p:cNvPr>
-            <p:cNvCxnSpPr>
-              <a:cxnSpLocks/>
-            </p:cNvCxnSpPr>
-            <p:nvPr>
-              <p:extLst>
-                <p:ext uri="{386F3935-93C4-4BCD-93E2-E3B085C9AB24}">
-                  <p16:designElem xmlns:p16="http://schemas.microsoft.com/office/powerpoint/2015/main" val="1"/>
-                </p:ext>
-              </p:extLst>
-            </p:nvPr>
-          </p:nvCxnSpPr>
-          <p:spPr>
-            <a:xfrm>
-              <a:off x="12185786" y="-1"/>
-              <a:ext cx="0" cy="6858000"/>
-            </a:xfrm>
-            <a:prstGeom prst="line">
-              <a:avLst/>
-            </a:prstGeom>
-            <a:ln w="12700">
-              <a:solidFill>
-                <a:srgbClr val="BCBCBC">
-                  <a:alpha val="29804"/>
-                </a:srgbClr>
-              </a:solidFill>
-              <a:prstDash val="sysDot"/>
-            </a:ln>
-          </p:spPr>
-          <p:style>
-            <a:lnRef idx="1">
-              <a:schemeClr val="accent1"/>
-            </a:lnRef>
-            <a:fillRef idx="0">
-              <a:schemeClr val="accent1"/>
-            </a:fillRef>
-            <a:effectRef idx="0">
-              <a:schemeClr val="accent1"/>
-            </a:effectRef>
-            <a:fontRef idx="minor">
-              <a:schemeClr val="tx1"/>
-            </a:fontRef>
-          </p:style>
-        </p:cxnSp>
-        <p:cxnSp>
-          <p:nvCxnSpPr>
-            <p:cNvPr id="64" name="Straight Connector 63">
-              <a:extLst>
-                <a:ext uri="{FF2B5EF4-FFF2-40B4-BE49-F238E27FC236}">
-                  <a16:creationId xmlns:a16="http://schemas.microsoft.com/office/drawing/2014/main" id="{D6195BC5-BB4E-4F3F-8378-0B308B42523D}"/>
-                </a:ext>
-                <a:ext uri="{C183D7F6-B498-43B3-948B-1728B52AA6E4}">
-                  <adec:decorative xmlns:adec="http://schemas.microsoft.com/office/drawing/2017/decorative" val="1"/>
-                </a:ext>
-              </a:extLst>
-            </p:cNvPr>
-            <p:cNvCxnSpPr>
-              <a:cxnSpLocks/>
-            </p:cNvCxnSpPr>
-            <p:nvPr>
-              <p:extLst>
-                <p:ext uri="{386F3935-93C4-4BCD-93E2-E3B085C9AB24}">
-                  <p16:designElem xmlns:p16="http://schemas.microsoft.com/office/powerpoint/2015/main" val="1"/>
-                </p:ext>
-              </p:extLst>
-            </p:nvPr>
-          </p:nvCxnSpPr>
-          <p:spPr>
-            <a:xfrm>
-              <a:off x="0" y="171716"/>
-              <a:ext cx="12192000" cy="0"/>
-            </a:xfrm>
-            <a:prstGeom prst="line">
-              <a:avLst/>
-            </a:prstGeom>
-            <a:ln w="12700">
-              <a:solidFill>
-                <a:srgbClr val="BCBCBC">
-                  <a:alpha val="29804"/>
-                </a:srgbClr>
-              </a:solidFill>
-              <a:prstDash val="sysDot"/>
-            </a:ln>
-          </p:spPr>
-          <p:style>
-            <a:lnRef idx="1">
-              <a:schemeClr val="accent1"/>
-            </a:lnRef>
-            <a:fillRef idx="0">
-              <a:schemeClr val="accent1"/>
-            </a:fillRef>
-            <a:effectRef idx="0">
-              <a:schemeClr val="accent1"/>
-            </a:effectRef>
-            <a:fontRef idx="minor">
-              <a:schemeClr val="tx1"/>
-            </a:fontRef>
-          </p:style>
-        </p:cxnSp>
-        <p:cxnSp>
-          <p:nvCxnSpPr>
-            <p:cNvPr id="65" name="Straight Connector 64">
-              <a:extLst>
-                <a:ext uri="{FF2B5EF4-FFF2-40B4-BE49-F238E27FC236}">
-                  <a16:creationId xmlns:a16="http://schemas.microsoft.com/office/drawing/2014/main" id="{02404171-AF5C-4FA1-9D4E-DCF75562BD67}"/>
-                </a:ext>
-                <a:ext uri="{C183D7F6-B498-43B3-948B-1728B52AA6E4}">
-                  <adec:decorative xmlns:adec="http://schemas.microsoft.com/office/drawing/2017/decorative" val="1"/>
-                </a:ext>
-              </a:extLst>
-            </p:cNvPr>
-            <p:cNvCxnSpPr>
-              <a:cxnSpLocks/>
-            </p:cNvCxnSpPr>
-            <p:nvPr>
-              <p:extLst>
-                <p:ext uri="{386F3935-93C4-4BCD-93E2-E3B085C9AB24}">
-                  <p16:designElem xmlns:p16="http://schemas.microsoft.com/office/powerpoint/2015/main" val="1"/>
-                </p:ext>
-              </p:extLst>
-            </p:nvPr>
-          </p:nvCxnSpPr>
-          <p:spPr>
-            <a:xfrm>
-              <a:off x="0" y="714597"/>
-              <a:ext cx="12192000" cy="0"/>
-            </a:xfrm>
-            <a:prstGeom prst="line">
-              <a:avLst/>
-            </a:prstGeom>
-            <a:ln w="12700">
-              <a:solidFill>
-                <a:srgbClr val="BCBCBC">
-                  <a:alpha val="29804"/>
-                </a:srgbClr>
-              </a:solidFill>
-              <a:prstDash val="sysDot"/>
-            </a:ln>
-          </p:spPr>
-          <p:style>
-            <a:lnRef idx="1">
-              <a:schemeClr val="accent1"/>
-            </a:lnRef>
-            <a:fillRef idx="0">
-              <a:schemeClr val="accent1"/>
-            </a:fillRef>
-            <a:effectRef idx="0">
-              <a:schemeClr val="accent1"/>
-            </a:effectRef>
-            <a:fontRef idx="minor">
-              <a:schemeClr val="tx1"/>
-            </a:fontRef>
-          </p:style>
-        </p:cxnSp>
-        <p:cxnSp>
-          <p:nvCxnSpPr>
-            <p:cNvPr id="66" name="Straight Connector 65">
-              <a:extLst>
-                <a:ext uri="{FF2B5EF4-FFF2-40B4-BE49-F238E27FC236}">
-                  <a16:creationId xmlns:a16="http://schemas.microsoft.com/office/drawing/2014/main" id="{BAD45A86-9385-473D-9DBF-565E0A94AF1B}"/>
-                </a:ext>
-                <a:ext uri="{C183D7F6-B498-43B3-948B-1728B52AA6E4}">
-                  <adec:decorative xmlns:adec="http://schemas.microsoft.com/office/drawing/2017/decorative" val="1"/>
-                </a:ext>
-              </a:extLst>
-            </p:cNvPr>
-            <p:cNvCxnSpPr>
-              <a:cxnSpLocks/>
-            </p:cNvCxnSpPr>
-            <p:nvPr>
-              <p:extLst>
-                <p:ext uri="{386F3935-93C4-4BCD-93E2-E3B085C9AB24}">
-                  <p16:designElem xmlns:p16="http://schemas.microsoft.com/office/powerpoint/2015/main" val="1"/>
-                </p:ext>
-              </p:extLst>
-            </p:nvPr>
-          </p:nvCxnSpPr>
-          <p:spPr>
-            <a:xfrm>
-              <a:off x="0" y="1257478"/>
-              <a:ext cx="12192000" cy="0"/>
-            </a:xfrm>
-            <a:prstGeom prst="line">
-              <a:avLst/>
-            </a:prstGeom>
-            <a:ln w="12700">
-              <a:solidFill>
-                <a:srgbClr val="BCBCBC">
-                  <a:alpha val="29804"/>
-                </a:srgbClr>
-              </a:solidFill>
-              <a:prstDash val="sysDot"/>
-            </a:ln>
-          </p:spPr>
-          <p:style>
-            <a:lnRef idx="1">
-              <a:schemeClr val="accent1"/>
-            </a:lnRef>
-            <a:fillRef idx="0">
-              <a:schemeClr val="accent1"/>
-            </a:fillRef>
-            <a:effectRef idx="0">
-              <a:schemeClr val="accent1"/>
-            </a:effectRef>
-            <a:fontRef idx="minor">
-              <a:schemeClr val="tx1"/>
-            </a:fontRef>
-          </p:style>
-        </p:cxnSp>
-        <p:cxnSp>
-          <p:nvCxnSpPr>
-            <p:cNvPr id="67" name="Straight Connector 66">
-              <a:extLst>
-                <a:ext uri="{FF2B5EF4-FFF2-40B4-BE49-F238E27FC236}">
-                  <a16:creationId xmlns:a16="http://schemas.microsoft.com/office/drawing/2014/main" id="{DBA5A228-913F-4D4F-AB25-537293624649}"/>
-                </a:ext>
-                <a:ext uri="{C183D7F6-B498-43B3-948B-1728B52AA6E4}">
-                  <adec:decorative xmlns:adec="http://schemas.microsoft.com/office/drawing/2017/decorative" val="1"/>
-                </a:ext>
-              </a:extLst>
-            </p:cNvPr>
-            <p:cNvCxnSpPr>
-              <a:cxnSpLocks/>
-            </p:cNvCxnSpPr>
-            <p:nvPr>
-              <p:extLst>
-                <p:ext uri="{386F3935-93C4-4BCD-93E2-E3B085C9AB24}">
-                  <p16:designElem xmlns:p16="http://schemas.microsoft.com/office/powerpoint/2015/main" val="1"/>
-                </p:ext>
-              </p:extLst>
-            </p:nvPr>
-          </p:nvCxnSpPr>
-          <p:spPr>
-            <a:xfrm>
-              <a:off x="0" y="1800359"/>
-              <a:ext cx="12192000" cy="0"/>
-            </a:xfrm>
-            <a:prstGeom prst="line">
-              <a:avLst/>
-            </a:prstGeom>
-            <a:ln w="12700">
-              <a:solidFill>
-                <a:srgbClr val="BCBCBC">
-                  <a:alpha val="29804"/>
-                </a:srgbClr>
-              </a:solidFill>
-              <a:prstDash val="sysDot"/>
-            </a:ln>
-          </p:spPr>
-          <p:style>
-            <a:lnRef idx="1">
-              <a:schemeClr val="accent1"/>
-            </a:lnRef>
-            <a:fillRef idx="0">
-              <a:schemeClr val="accent1"/>
-            </a:fillRef>
-            <a:effectRef idx="0">
-              <a:schemeClr val="accent1"/>
-            </a:effectRef>
-            <a:fontRef idx="minor">
-              <a:schemeClr val="tx1"/>
-            </a:fontRef>
-          </p:style>
-        </p:cxnSp>
-        <p:cxnSp>
-          <p:nvCxnSpPr>
-            <p:cNvPr id="68" name="Straight Connector 67">
-              <a:extLst>
-                <a:ext uri="{FF2B5EF4-FFF2-40B4-BE49-F238E27FC236}">
-                  <a16:creationId xmlns:a16="http://schemas.microsoft.com/office/drawing/2014/main" id="{A87E8BFE-D92E-4EB3-ADD1-FB75CAA683BA}"/>
-                </a:ext>
-                <a:ext uri="{C183D7F6-B498-43B3-948B-1728B52AA6E4}">
-                  <adec:decorative xmlns:adec="http://schemas.microsoft.com/office/drawing/2017/decorative" val="1"/>
-                </a:ext>
-              </a:extLst>
-            </p:cNvPr>
-            <p:cNvCxnSpPr>
-              <a:cxnSpLocks/>
-            </p:cNvCxnSpPr>
-            <p:nvPr>
-              <p:extLst>
-                <p:ext uri="{386F3935-93C4-4BCD-93E2-E3B085C9AB24}">
-                  <p16:designElem xmlns:p16="http://schemas.microsoft.com/office/powerpoint/2015/main" val="1"/>
-                </p:ext>
-              </p:extLst>
-            </p:nvPr>
-          </p:nvCxnSpPr>
-          <p:spPr>
-            <a:xfrm>
-              <a:off x="0" y="2343240"/>
-              <a:ext cx="12192000" cy="0"/>
-            </a:xfrm>
-            <a:prstGeom prst="line">
-              <a:avLst/>
-            </a:prstGeom>
-            <a:ln w="12700">
-              <a:solidFill>
-                <a:srgbClr val="BCBCBC">
-                  <a:alpha val="29804"/>
-                </a:srgbClr>
-              </a:solidFill>
-              <a:prstDash val="sysDot"/>
-            </a:ln>
-          </p:spPr>
-          <p:style>
-            <a:lnRef idx="1">
-              <a:schemeClr val="accent1"/>
-            </a:lnRef>
-            <a:fillRef idx="0">
-              <a:schemeClr val="accent1"/>
-            </a:fillRef>
-            <a:effectRef idx="0">
-              <a:schemeClr val="accent1"/>
-            </a:effectRef>
-            <a:fontRef idx="minor">
-              <a:schemeClr val="tx1"/>
-            </a:fontRef>
-          </p:style>
-        </p:cxnSp>
-        <p:cxnSp>
-          <p:nvCxnSpPr>
-            <p:cNvPr id="69" name="Straight Connector 68">
-              <a:extLst>
-                <a:ext uri="{FF2B5EF4-FFF2-40B4-BE49-F238E27FC236}">
-                  <a16:creationId xmlns:a16="http://schemas.microsoft.com/office/drawing/2014/main" id="{08756FCD-8335-4089-B4EE-13D629E53E62}"/>
-                </a:ext>
-                <a:ext uri="{C183D7F6-B498-43B3-948B-1728B52AA6E4}">
-                  <adec:decorative xmlns:adec="http://schemas.microsoft.com/office/drawing/2017/decorative" val="1"/>
-                </a:ext>
-              </a:extLst>
-            </p:cNvPr>
-            <p:cNvCxnSpPr>
-              <a:cxnSpLocks/>
-            </p:cNvCxnSpPr>
-            <p:nvPr>
-              <p:extLst>
-                <p:ext uri="{386F3935-93C4-4BCD-93E2-E3B085C9AB24}">
-                  <p16:designElem xmlns:p16="http://schemas.microsoft.com/office/powerpoint/2015/main" val="1"/>
-                </p:ext>
-              </p:extLst>
-            </p:nvPr>
-          </p:nvCxnSpPr>
-          <p:spPr>
-            <a:xfrm>
-              <a:off x="0" y="2886121"/>
-              <a:ext cx="12192000" cy="0"/>
-            </a:xfrm>
-            <a:prstGeom prst="line">
-              <a:avLst/>
-            </a:prstGeom>
-            <a:ln w="12700">
-              <a:solidFill>
-                <a:srgbClr val="BCBCBC">
-                  <a:alpha val="29804"/>
-                </a:srgbClr>
-              </a:solidFill>
-              <a:prstDash val="sysDot"/>
-            </a:ln>
-          </p:spPr>
-          <p:style>
-            <a:lnRef idx="1">
-              <a:schemeClr val="accent1"/>
-            </a:lnRef>
-            <a:fillRef idx="0">
-              <a:schemeClr val="accent1"/>
-            </a:fillRef>
-            <a:effectRef idx="0">
-              <a:schemeClr val="accent1"/>
-            </a:effectRef>
-            <a:fontRef idx="minor">
-              <a:schemeClr val="tx1"/>
-            </a:fontRef>
-          </p:style>
-        </p:cxnSp>
-        <p:cxnSp>
-          <p:nvCxnSpPr>
-            <p:cNvPr id="70" name="Straight Connector 69">
-              <a:extLst>
-                <a:ext uri="{FF2B5EF4-FFF2-40B4-BE49-F238E27FC236}">
-                  <a16:creationId xmlns:a16="http://schemas.microsoft.com/office/drawing/2014/main" id="{A9707D7B-937E-4DC3-87BA-B7B70426821E}"/>
-                </a:ext>
-                <a:ext uri="{C183D7F6-B498-43B3-948B-1728B52AA6E4}">
-                  <adec:decorative xmlns:adec="http://schemas.microsoft.com/office/drawing/2017/decorative" val="1"/>
-                </a:ext>
-              </a:extLst>
-            </p:cNvPr>
-            <p:cNvCxnSpPr>
-              <a:cxnSpLocks/>
-            </p:cNvCxnSpPr>
-            <p:nvPr>
-              <p:extLst>
-                <p:ext uri="{386F3935-93C4-4BCD-93E2-E3B085C9AB24}">
-                  <p16:designElem xmlns:p16="http://schemas.microsoft.com/office/powerpoint/2015/main" val="1"/>
-                </p:ext>
-              </p:extLst>
-            </p:nvPr>
-          </p:nvCxnSpPr>
-          <p:spPr>
-            <a:xfrm>
-              <a:off x="0" y="3429002"/>
-              <a:ext cx="12192000" cy="0"/>
-            </a:xfrm>
-            <a:prstGeom prst="line">
-              <a:avLst/>
-            </a:prstGeom>
-            <a:ln w="12700">
-              <a:solidFill>
-                <a:srgbClr val="BCBCBC">
-                  <a:alpha val="29804"/>
-                </a:srgbClr>
-              </a:solidFill>
-              <a:prstDash val="sysDot"/>
-            </a:ln>
-          </p:spPr>
-          <p:style>
-            <a:lnRef idx="1">
-              <a:schemeClr val="accent1"/>
-            </a:lnRef>
-            <a:fillRef idx="0">
-              <a:schemeClr val="accent1"/>
-            </a:fillRef>
-            <a:effectRef idx="0">
-              <a:schemeClr val="accent1"/>
-            </a:effectRef>
-            <a:fontRef idx="minor">
-              <a:schemeClr val="tx1"/>
-            </a:fontRef>
-          </p:style>
-        </p:cxnSp>
-        <p:cxnSp>
-          <p:nvCxnSpPr>
-            <p:cNvPr id="71" name="Straight Connector 70">
-              <a:extLst>
-                <a:ext uri="{FF2B5EF4-FFF2-40B4-BE49-F238E27FC236}">
-                  <a16:creationId xmlns:a16="http://schemas.microsoft.com/office/drawing/2014/main" id="{AB1A72DC-3F29-4488-9051-C21E1CBB7E58}"/>
-                </a:ext>
-                <a:ext uri="{C183D7F6-B498-43B3-948B-1728B52AA6E4}">
-                  <adec:decorative xmlns:adec="http://schemas.microsoft.com/office/drawing/2017/decorative" val="1"/>
-                </a:ext>
-              </a:extLst>
-            </p:cNvPr>
-            <p:cNvCxnSpPr>
-              <a:cxnSpLocks/>
-            </p:cNvCxnSpPr>
-            <p:nvPr>
-              <p:extLst>
-                <p:ext uri="{386F3935-93C4-4BCD-93E2-E3B085C9AB24}">
-                  <p16:designElem xmlns:p16="http://schemas.microsoft.com/office/powerpoint/2015/main" val="1"/>
-                </p:ext>
-              </p:extLst>
-            </p:nvPr>
-          </p:nvCxnSpPr>
-          <p:spPr>
-            <a:xfrm>
-              <a:off x="0" y="3971883"/>
-              <a:ext cx="12192000" cy="0"/>
-            </a:xfrm>
-            <a:prstGeom prst="line">
-              <a:avLst/>
-            </a:prstGeom>
-            <a:ln w="12700">
-              <a:solidFill>
-                <a:srgbClr val="BCBCBC">
-                  <a:alpha val="29804"/>
-                </a:srgbClr>
-              </a:solidFill>
-              <a:prstDash val="sysDot"/>
-            </a:ln>
-          </p:spPr>
-          <p:style>
-            <a:lnRef idx="1">
-              <a:schemeClr val="accent1"/>
-            </a:lnRef>
-            <a:fillRef idx="0">
-              <a:schemeClr val="accent1"/>
-            </a:fillRef>
-            <a:effectRef idx="0">
-              <a:schemeClr val="accent1"/>
-            </a:effectRef>
-            <a:fontRef idx="minor">
-              <a:schemeClr val="tx1"/>
-            </a:fontRef>
-          </p:style>
-        </p:cxnSp>
-        <p:cxnSp>
-          <p:nvCxnSpPr>
-            <p:cNvPr id="72" name="Straight Connector 71">
-              <a:extLst>
-                <a:ext uri="{FF2B5EF4-FFF2-40B4-BE49-F238E27FC236}">
-                  <a16:creationId xmlns:a16="http://schemas.microsoft.com/office/drawing/2014/main" id="{956DAD76-815C-4F16-98CF-8E8BE1965BBB}"/>
-                </a:ext>
-                <a:ext uri="{C183D7F6-B498-43B3-948B-1728B52AA6E4}">
-                  <adec:decorative xmlns:adec="http://schemas.microsoft.com/office/drawing/2017/decorative" val="1"/>
-                </a:ext>
-              </a:extLst>
-            </p:cNvPr>
-            <p:cNvCxnSpPr>
-              <a:cxnSpLocks/>
-            </p:cNvCxnSpPr>
-            <p:nvPr>
-              <p:extLst>
-                <p:ext uri="{386F3935-93C4-4BCD-93E2-E3B085C9AB24}">
-                  <p16:designElem xmlns:p16="http://schemas.microsoft.com/office/powerpoint/2015/main" val="1"/>
-                </p:ext>
-              </p:extLst>
-            </p:nvPr>
-          </p:nvCxnSpPr>
-          <p:spPr>
-            <a:xfrm>
-              <a:off x="0" y="4514764"/>
-              <a:ext cx="12192000" cy="0"/>
-            </a:xfrm>
-            <a:prstGeom prst="line">
-              <a:avLst/>
-            </a:prstGeom>
-            <a:ln w="12700">
-              <a:solidFill>
-                <a:srgbClr val="BCBCBC">
-                  <a:alpha val="29804"/>
-                </a:srgbClr>
-              </a:solidFill>
-              <a:prstDash val="sysDot"/>
-            </a:ln>
-          </p:spPr>
-          <p:style>
-            <a:lnRef idx="1">
-              <a:schemeClr val="accent1"/>
-            </a:lnRef>
-            <a:fillRef idx="0">
-              <a:schemeClr val="accent1"/>
-            </a:fillRef>
-            <a:effectRef idx="0">
-              <a:schemeClr val="accent1"/>
-            </a:effectRef>
-            <a:fontRef idx="minor">
-              <a:schemeClr val="tx1"/>
-            </a:fontRef>
-          </p:style>
-        </p:cxnSp>
-        <p:cxnSp>
-          <p:nvCxnSpPr>
-            <p:cNvPr id="73" name="Straight Connector 72">
-              <a:extLst>
-                <a:ext uri="{FF2B5EF4-FFF2-40B4-BE49-F238E27FC236}">
-                  <a16:creationId xmlns:a16="http://schemas.microsoft.com/office/drawing/2014/main" id="{1AF2F8C5-6691-4EBD-B42E-4B17DF1ED277}"/>
-                </a:ext>
-                <a:ext uri="{C183D7F6-B498-43B3-948B-1728B52AA6E4}">
-                  <adec:decorative xmlns:adec="http://schemas.microsoft.com/office/drawing/2017/decorative" val="1"/>
-                </a:ext>
-              </a:extLst>
-            </p:cNvPr>
-            <p:cNvCxnSpPr>
-              <a:cxnSpLocks/>
-            </p:cNvCxnSpPr>
-            <p:nvPr>
-              <p:extLst>
-                <p:ext uri="{386F3935-93C4-4BCD-93E2-E3B085C9AB24}">
-                  <p16:designElem xmlns:p16="http://schemas.microsoft.com/office/powerpoint/2015/main" val="1"/>
-                </p:ext>
-              </p:extLst>
-            </p:nvPr>
-          </p:nvCxnSpPr>
-          <p:spPr>
-            <a:xfrm>
-              <a:off x="0" y="5057645"/>
-              <a:ext cx="12192000" cy="0"/>
-            </a:xfrm>
-            <a:prstGeom prst="line">
-              <a:avLst/>
-            </a:prstGeom>
-            <a:ln w="12700">
-              <a:solidFill>
-                <a:srgbClr val="BCBCBC">
-                  <a:alpha val="29804"/>
-                </a:srgbClr>
-              </a:solidFill>
-              <a:prstDash val="sysDot"/>
-            </a:ln>
-          </p:spPr>
-          <p:style>
-            <a:lnRef idx="1">
-              <a:schemeClr val="accent1"/>
-            </a:lnRef>
-            <a:fillRef idx="0">
-              <a:schemeClr val="accent1"/>
-            </a:fillRef>
-            <a:effectRef idx="0">
-              <a:schemeClr val="accent1"/>
-            </a:effectRef>
-            <a:fontRef idx="minor">
-              <a:schemeClr val="tx1"/>
-            </a:fontRef>
-          </p:style>
-        </p:cxnSp>
-        <p:cxnSp>
-          <p:nvCxnSpPr>
-            <p:cNvPr id="74" name="Straight Connector 73">
-              <a:extLst>
-                <a:ext uri="{FF2B5EF4-FFF2-40B4-BE49-F238E27FC236}">
-                  <a16:creationId xmlns:a16="http://schemas.microsoft.com/office/drawing/2014/main" id="{D32ED14D-1C00-41C8-849C-030A1434E466}"/>
-                </a:ext>
-                <a:ext uri="{C183D7F6-B498-43B3-948B-1728B52AA6E4}">
-                  <adec:decorative xmlns:adec="http://schemas.microsoft.com/office/drawing/2017/decorative" val="1"/>
-                </a:ext>
-              </a:extLst>
-            </p:cNvPr>
-            <p:cNvCxnSpPr>
-              <a:cxnSpLocks/>
-            </p:cNvCxnSpPr>
-            <p:nvPr>
-              <p:extLst>
-                <p:ext uri="{386F3935-93C4-4BCD-93E2-E3B085C9AB24}">
-                  <p16:designElem xmlns:p16="http://schemas.microsoft.com/office/powerpoint/2015/main" val="1"/>
-                </p:ext>
-              </p:extLst>
-            </p:nvPr>
-          </p:nvCxnSpPr>
-          <p:spPr>
-            <a:xfrm>
-              <a:off x="0" y="5600526"/>
-              <a:ext cx="12192000" cy="0"/>
-            </a:xfrm>
-            <a:prstGeom prst="line">
-              <a:avLst/>
-            </a:prstGeom>
-            <a:ln w="12700">
-              <a:solidFill>
-                <a:srgbClr val="BCBCBC">
-                  <a:alpha val="29804"/>
-                </a:srgbClr>
-              </a:solidFill>
-              <a:prstDash val="sysDot"/>
-            </a:ln>
-          </p:spPr>
-          <p:style>
-            <a:lnRef idx="1">
-              <a:schemeClr val="accent1"/>
-            </a:lnRef>
-            <a:fillRef idx="0">
-              <a:schemeClr val="accent1"/>
-            </a:fillRef>
-            <a:effectRef idx="0">
-              <a:schemeClr val="accent1"/>
-            </a:effectRef>
-            <a:fontRef idx="minor">
-              <a:schemeClr val="tx1"/>
-            </a:fontRef>
-          </p:style>
-        </p:cxnSp>
-        <p:cxnSp>
-          <p:nvCxnSpPr>
-            <p:cNvPr id="75" name="Straight Connector 74">
-              <a:extLst>
-                <a:ext uri="{FF2B5EF4-FFF2-40B4-BE49-F238E27FC236}">
-                  <a16:creationId xmlns:a16="http://schemas.microsoft.com/office/drawing/2014/main" id="{62F296F5-9867-45CA-BF0A-EF216F6A8083}"/>
-                </a:ext>
-                <a:ext uri="{C183D7F6-B498-43B3-948B-1728B52AA6E4}">
-                  <adec:decorative xmlns:adec="http://schemas.microsoft.com/office/drawing/2017/decorative" val="1"/>
-                </a:ext>
-              </a:extLst>
-            </p:cNvPr>
-            <p:cNvCxnSpPr>
-              <a:cxnSpLocks/>
-            </p:cNvCxnSpPr>
-            <p:nvPr>
-              <p:extLst>
-                <p:ext uri="{386F3935-93C4-4BCD-93E2-E3B085C9AB24}">
-                  <p16:designElem xmlns:p16="http://schemas.microsoft.com/office/powerpoint/2015/main" val="1"/>
-                </p:ext>
-              </p:extLst>
-            </p:nvPr>
-          </p:nvCxnSpPr>
-          <p:spPr>
-            <a:xfrm>
-              <a:off x="0" y="6857999"/>
-              <a:ext cx="12192000" cy="0"/>
-            </a:xfrm>
-            <a:prstGeom prst="line">
-              <a:avLst/>
-            </a:prstGeom>
-            <a:ln w="12700">
-              <a:solidFill>
-                <a:srgbClr val="BCBCBC">
-                  <a:alpha val="29804"/>
-                </a:srgbClr>
-              </a:solidFill>
-              <a:prstDash val="sysDot"/>
-            </a:ln>
-          </p:spPr>
-          <p:style>
-            <a:lnRef idx="1">
-              <a:schemeClr val="accent1"/>
-            </a:lnRef>
-            <a:fillRef idx="0">
-              <a:schemeClr val="accent1"/>
-            </a:fillRef>
-            <a:effectRef idx="0">
-              <a:schemeClr val="accent1"/>
-            </a:effectRef>
-            <a:fontRef idx="minor">
-              <a:schemeClr val="tx1"/>
-            </a:fontRef>
-          </p:style>
-        </p:cxnSp>
-        <p:cxnSp>
-          <p:nvCxnSpPr>
-            <p:cNvPr id="76" name="Straight Connector 75">
-              <a:extLst>
-                <a:ext uri="{FF2B5EF4-FFF2-40B4-BE49-F238E27FC236}">
-                  <a16:creationId xmlns:a16="http://schemas.microsoft.com/office/drawing/2014/main" id="{53B72471-9DB5-428B-AF52-E11E03B9FD05}"/>
-                </a:ext>
-                <a:ext uri="{C183D7F6-B498-43B3-948B-1728B52AA6E4}">
-                  <adec:decorative xmlns:adec="http://schemas.microsoft.com/office/drawing/2017/decorative" val="1"/>
-                </a:ext>
-              </a:extLst>
-            </p:cNvPr>
-            <p:cNvCxnSpPr>
-              <a:cxnSpLocks/>
-            </p:cNvCxnSpPr>
-            <p:nvPr>
-              <p:extLst>
-                <p:ext uri="{386F3935-93C4-4BCD-93E2-E3B085C9AB24}">
-                  <p16:designElem xmlns:p16="http://schemas.microsoft.com/office/powerpoint/2015/main" val="1"/>
-                </p:ext>
-              </p:extLst>
-            </p:nvPr>
-          </p:nvCxnSpPr>
-          <p:spPr>
-            <a:xfrm>
-              <a:off x="16613" y="6143407"/>
-              <a:ext cx="12192000" cy="0"/>
-            </a:xfrm>
-            <a:prstGeom prst="line">
-              <a:avLst/>
-            </a:prstGeom>
-            <a:ln w="12700">
-              <a:solidFill>
-                <a:srgbClr val="BCBCBC">
-                  <a:alpha val="29804"/>
-                </a:srgbClr>
-              </a:solidFill>
-              <a:prstDash val="sysDot"/>
-            </a:ln>
-          </p:spPr>
-          <p:style>
-            <a:lnRef idx="1">
-              <a:schemeClr val="accent1"/>
-            </a:lnRef>
-            <a:fillRef idx="0">
-              <a:schemeClr val="accent1"/>
-            </a:fillRef>
-            <a:effectRef idx="0">
-              <a:schemeClr val="accent1"/>
-            </a:effectRef>
-            <a:fontRef idx="minor">
-              <a:schemeClr val="tx1"/>
-            </a:fontRef>
-          </p:style>
-        </p:cxnSp>
-        <p:cxnSp>
-          <p:nvCxnSpPr>
-            <p:cNvPr id="77" name="Straight Connector 76">
-              <a:extLst>
-                <a:ext uri="{FF2B5EF4-FFF2-40B4-BE49-F238E27FC236}">
-                  <a16:creationId xmlns:a16="http://schemas.microsoft.com/office/drawing/2014/main" id="{B8656B49-5277-4610-BD7B-F5D98170B5A7}"/>
-                </a:ext>
-                <a:ext uri="{C183D7F6-B498-43B3-948B-1728B52AA6E4}">
-                  <adec:decorative xmlns:adec="http://schemas.microsoft.com/office/drawing/2017/decorative" val="1"/>
-                </a:ext>
-              </a:extLst>
-            </p:cNvPr>
-            <p:cNvCxnSpPr>
-              <a:cxnSpLocks/>
-            </p:cNvCxnSpPr>
-            <p:nvPr>
-              <p:extLst>
-                <p:ext uri="{386F3935-93C4-4BCD-93E2-E3B085C9AB24}">
-                  <p16:designElem xmlns:p16="http://schemas.microsoft.com/office/powerpoint/2015/main" val="1"/>
-                </p:ext>
-              </p:extLst>
-            </p:nvPr>
-          </p:nvCxnSpPr>
-          <p:spPr>
-            <a:xfrm>
-              <a:off x="684225" y="171716"/>
-              <a:ext cx="0" cy="6511464"/>
-            </a:xfrm>
-            <a:prstGeom prst="line">
-              <a:avLst/>
-            </a:prstGeom>
-            <a:ln w="12700">
-              <a:solidFill>
-                <a:srgbClr val="BCBCBC">
-                  <a:alpha val="29804"/>
-                </a:srgbClr>
-              </a:solidFill>
-              <a:prstDash val="sysDot"/>
-            </a:ln>
-          </p:spPr>
-          <p:style>
-            <a:lnRef idx="1">
-              <a:schemeClr val="accent1"/>
-            </a:lnRef>
-            <a:fillRef idx="0">
-              <a:schemeClr val="accent1"/>
-            </a:fillRef>
-            <a:effectRef idx="0">
-              <a:schemeClr val="accent1"/>
-            </a:effectRef>
-            <a:fontRef idx="minor">
-              <a:schemeClr val="tx1"/>
-            </a:fontRef>
-          </p:style>
-        </p:cxnSp>
-        <p:cxnSp>
-          <p:nvCxnSpPr>
-            <p:cNvPr id="78" name="Straight Connector 77">
-              <a:extLst>
-                <a:ext uri="{FF2B5EF4-FFF2-40B4-BE49-F238E27FC236}">
-                  <a16:creationId xmlns:a16="http://schemas.microsoft.com/office/drawing/2014/main" id="{F1A47399-8F78-4DB1-BD21-1166BCB267CF}"/>
-                </a:ext>
-                <a:ext uri="{C183D7F6-B498-43B3-948B-1728B52AA6E4}">
-                  <adec:decorative xmlns:adec="http://schemas.microsoft.com/office/drawing/2017/decorative" val="1"/>
-                </a:ext>
-              </a:extLst>
-            </p:cNvPr>
-            <p:cNvCxnSpPr>
-              <a:cxnSpLocks/>
-            </p:cNvCxnSpPr>
-            <p:nvPr>
-              <p:extLst>
-                <p:ext uri="{386F3935-93C4-4BCD-93E2-E3B085C9AB24}">
-                  <p16:designElem xmlns:p16="http://schemas.microsoft.com/office/powerpoint/2015/main" val="1"/>
-                </p:ext>
-              </p:extLst>
-            </p:nvPr>
-          </p:nvCxnSpPr>
-          <p:spPr>
-            <a:xfrm>
-              <a:off x="11508412" y="173267"/>
-              <a:ext cx="0" cy="6511464"/>
-            </a:xfrm>
-            <a:prstGeom prst="line">
-              <a:avLst/>
-            </a:prstGeom>
-            <a:ln w="12700">
-              <a:solidFill>
-                <a:srgbClr val="BCBCBC">
-                  <a:alpha val="29804"/>
-                </a:srgbClr>
-              </a:solidFill>
-              <a:prstDash val="sysDot"/>
-            </a:ln>
-          </p:spPr>
-          <p:style>
-            <a:lnRef idx="1">
-              <a:schemeClr val="accent1"/>
-            </a:lnRef>
-            <a:fillRef idx="0">
-              <a:schemeClr val="accent1"/>
-            </a:fillRef>
-            <a:effectRef idx="0">
-              <a:schemeClr val="accent1"/>
-            </a:effectRef>
-            <a:fontRef idx="minor">
-              <a:schemeClr val="tx1"/>
-            </a:fontRef>
-          </p:style>
-        </p:cxnSp>
-      </p:grpSp>
-      <p:sp>
-        <p:nvSpPr>
-          <p:cNvPr id="80" name="Right Triangle 79">
-            <a:extLst>
-              <a:ext uri="{FF2B5EF4-FFF2-40B4-BE49-F238E27FC236}">
-                <a16:creationId xmlns:a16="http://schemas.microsoft.com/office/drawing/2014/main" id="{F952A221-69C2-46B3-890D-354CA5961656}"/>
-              </a:ext>
-              <a:ext uri="{C183D7F6-B498-43B3-948B-1728B52AA6E4}">
-                <adec:decorative xmlns:adec="http://schemas.microsoft.com/office/drawing/2017/decorative" val="1"/>
-              </a:ext>
-            </a:extLst>
-          </p:cNvPr>
-          <p:cNvSpPr>
-            <a:spLocks noGrp="1" noRot="1" noChangeAspect="1" noMove="1" noResize="1" noEditPoints="1" noAdjustHandles="1" noChangeArrowheads="1" noChangeShapeType="1" noTextEdit="1"/>
-          </p:cNvSpPr>
-          <p:nvPr>
-            <p:extLst>
-              <p:ext uri="{386F3935-93C4-4BCD-93E2-E3B085C9AB24}">
-                <p16:designElem xmlns:p16="http://schemas.microsoft.com/office/powerpoint/2015/main" val="1"/>
-              </p:ext>
-            </p:extLst>
-          </p:nvPr>
-        </p:nvSpPr>
-        <p:spPr>
-          <a:xfrm rot="13500000">
-            <a:off x="-281093" y="1525300"/>
-            <a:ext cx="568289" cy="568289"/>
-          </a:xfrm>
-          <a:prstGeom prst="rtTriangle">
-            <a:avLst/>
-          </a:prstGeom>
-          <a:solidFill>
-            <a:schemeClr val="accent1">
-              <a:alpha val="50000"/>
-            </a:schemeClr>
-          </a:solidFill>
-          <a:ln>
-            <a:noFill/>
-          </a:ln>
-        </p:spPr>
-        <p:style>
-          <a:lnRef idx="2">
-            <a:schemeClr val="accent1">
-              <a:shade val="50000"/>
-            </a:schemeClr>
-          </a:lnRef>
-          <a:fillRef idx="1">
-            <a:schemeClr val="accent1"/>
-          </a:fillRef>
-          <a:effectRef idx="0">
-            <a:schemeClr val="accent1"/>
-          </a:effectRef>
-          <a:fontRef idx="minor">
-            <a:schemeClr val="lt1"/>
-          </a:fontRef>
-        </p:style>
-        <p:txBody>
-          <a:bodyPr rtlCol="0" anchor="ctr"/>
-          <a:lstStyle/>
-          <a:p>
-            <a:pPr algn="ctr"/>
-            <a:endParaRPr lang="en-US">
-              <a:solidFill>
-                <a:schemeClr val="tx1"/>
-              </a:solidFill>
-            </a:endParaRPr>
+            <a:r>
+              <a:rPr lang="es-AR" dirty="0"/>
+              <a:t>Pandas, matplotli</a:t>
+            </a:r>
+            <a:r>
+              <a:rPr lang="es-ES" dirty="0"/>
+              <a:t>b y el </a:t>
+            </a:r>
+            <a:r>
+              <a:rPr lang="es-AR" dirty="0"/>
+              <a:t>análisis de datos</a:t>
+            </a:r>
+            <a:r>
+              <a:rPr lang="es-ES" dirty="0"/>
+              <a:t> </a:t>
+            </a:r>
+            <a:endParaRPr lang="es-AR" dirty="0"/>
           </a:p>
         </p:txBody>
       </p:sp>
       <p:sp>
         <p:nvSpPr>
-          <p:cNvPr id="8" name="CuadroTexto 7">
+          <p:cNvPr id="3" name="Marcador de contenido 2">
             <a:extLst>
               <a:ext uri="{FF2B5EF4-FFF2-40B4-BE49-F238E27FC236}">
-                <a16:creationId xmlns:a16="http://schemas.microsoft.com/office/drawing/2014/main" id="{A5690926-93EC-8F44-F53B-0BD1A30F7D52}"/>
+                <a16:creationId xmlns:a16="http://schemas.microsoft.com/office/drawing/2014/main" id="{F31E18F7-1D88-45EE-88B0-6632BEE7B37C}"/>
               </a:ext>
             </a:extLst>
           </p:cNvPr>
-          <p:cNvSpPr txBox="1"/>
-          <p:nvPr/>
+          <p:cNvSpPr>
+            <a:spLocks noGrp="1"/>
+          </p:cNvSpPr>
+          <p:nvPr>
+            <p:ph idx="1"/>
+          </p:nvPr>
         </p:nvSpPr>
         <p:spPr>
           <a:xfrm>
-            <a:off x="3033961" y="596097"/>
-            <a:ext cx="5811250" cy="707886"/>
+            <a:off x="691079" y="2392471"/>
+            <a:ext cx="3693032" cy="3512096"/>
           </a:xfrm>
-          <a:prstGeom prst="rect">
-            <a:avLst/>
-          </a:prstGeom>
-          <a:noFill/>
         </p:spPr>
         <p:txBody>
-          <a:bodyPr wrap="square" rtlCol="0">
-            <a:spAutoFit/>
-          </a:bodyPr>
+          <a:bodyPr/>
           <a:lstStyle/>
           <a:p>
             <a:r>
-              <a:rPr lang="es-ES" sz="4000" dirty="0"/>
-              <a:t>A seguir programando</a:t>
+              <a:rPr lang="es-AR" dirty="0"/>
+              <a:t>Por otro lado matplotli</a:t>
             </a:r>
-            <a:endParaRPr lang="es-AR" sz="4000" dirty="0"/>
+            <a:r>
+              <a:rPr lang="es-ES" dirty="0"/>
+              <a:t>b </a:t>
+            </a:r>
+            <a:r>
+              <a:rPr lang="es-AR" dirty="0"/>
+              <a:t>nos ayuda a poder ver distintas graficas para entender mejor ciertas relaciones entre datos. El grafico de </a:t>
+            </a:r>
+            <a:r>
+              <a:rPr lang="es-ES" dirty="0"/>
+              <a:t>barras o de dispersión</a:t>
+            </a:r>
+            <a:r>
+              <a:rPr lang="es-AR" dirty="0"/>
+              <a:t> son ejemplos que podemos hacer.</a:t>
+            </a:r>
+          </a:p>
+          <a:p>
+            <a:endParaRPr lang="es-AR" dirty="0"/>
           </a:p>
         </p:txBody>
       </p:sp>
       <p:pic>
         <p:nvPicPr>
-          <p:cNvPr id="42" name="Imagen 41" descr="Una pantalla de un celular con la imagen de una caricatura de una persona&#10;&#10;Descripción generada automáticamente con confianza media">
+          <p:cNvPr id="5" name="Imagen 4">
             <a:extLst>
               <a:ext uri="{FF2B5EF4-FFF2-40B4-BE49-F238E27FC236}">
-                <a16:creationId xmlns:a16="http://schemas.microsoft.com/office/drawing/2014/main" id="{FF7385F7-03A8-5D83-DDD7-3A3E15898154}"/>
+                <a16:creationId xmlns:a16="http://schemas.microsoft.com/office/drawing/2014/main" id="{268FDE67-5376-4805-ABA6-B02330512E3F}"/>
               </a:ext>
             </a:extLst>
           </p:cNvPr>
@@ -28311,6 +24935,9 @@
               <a:ext uri="{28A0092B-C50C-407E-A947-70E740481C1C}">
                 <a14:useLocalDpi xmlns:a14="http://schemas.microsoft.com/office/drawing/2010/main" val="0"/>
               </a:ext>
+              <a:ext uri="{837473B0-CC2E-450A-ABE3-18F120FF3D39}">
+                <a1611:picAttrSrcUrl xmlns:a1611="http://schemas.microsoft.com/office/drawing/2016/11/main" r:id="rId3"/>
+              </a:ext>
             </a:extLst>
           </a:blip>
           <a:stretch>
@@ -28319,8 +24946,95 @@
         </p:blipFill>
         <p:spPr>
           <a:xfrm>
-            <a:off x="1680493" y="1639436"/>
-            <a:ext cx="8345974" cy="4664884"/>
+            <a:off x="4249484" y="2392471"/>
+            <a:ext cx="3693032" cy="3693032"/>
+          </a:xfrm>
+          <a:prstGeom prst="rect">
+            <a:avLst/>
+          </a:prstGeom>
+        </p:spPr>
+      </p:pic>
+      <p:sp>
+        <p:nvSpPr>
+          <p:cNvPr id="8" name="CuadroTexto 7">
+            <a:extLst>
+              <a:ext uri="{FF2B5EF4-FFF2-40B4-BE49-F238E27FC236}">
+                <a16:creationId xmlns:a16="http://schemas.microsoft.com/office/drawing/2014/main" id="{1E2B59F7-906B-445E-92CC-294E2F69FC57}"/>
+              </a:ext>
+            </a:extLst>
+          </p:cNvPr>
+          <p:cNvSpPr txBox="1"/>
+          <p:nvPr/>
+        </p:nvSpPr>
+        <p:spPr>
+          <a:xfrm>
+            <a:off x="2895600" y="6744816"/>
+            <a:ext cx="2929003" cy="369332"/>
+          </a:xfrm>
+          <a:prstGeom prst="rect">
+            <a:avLst/>
+          </a:prstGeom>
+          <a:noFill/>
+        </p:spPr>
+        <p:txBody>
+          <a:bodyPr wrap="square" rtlCol="0">
+            <a:spAutoFit/>
+          </a:bodyPr>
+          <a:lstStyle/>
+          <a:p>
+            <a:r>
+              <a:rPr lang="es-AR" sz="900">
+                <a:hlinkClick r:id="rId3" tooltip="https://unbarquero.blogspot.com/2009/05/r-graficos-de-barras.html"/>
+              </a:rPr>
+              <a:t>Esta foto</a:t>
+            </a:r>
+            <a:r>
+              <a:rPr lang="es-AR" sz="900"/>
+              <a:t> de Autor desconocido está bajo licencia </a:t>
+            </a:r>
+            <a:r>
+              <a:rPr lang="es-AR" sz="900">
+                <a:hlinkClick r:id="rId4" tooltip="https://creativecommons.org/licenses/by-nc/3.0/"/>
+              </a:rPr>
+              <a:t>CC BY-NC</a:t>
+            </a:r>
+            <a:endParaRPr lang="es-AR" sz="900"/>
+          </a:p>
+        </p:txBody>
+      </p:sp>
+      <p:pic>
+        <p:nvPicPr>
+          <p:cNvPr id="10" name="Imagen 9">
+            <a:extLst>
+              <a:ext uri="{FF2B5EF4-FFF2-40B4-BE49-F238E27FC236}">
+                <a16:creationId xmlns:a16="http://schemas.microsoft.com/office/drawing/2014/main" id="{04836804-E14B-4BF8-B2FC-F97A4E9EE7BF}"/>
+              </a:ext>
+            </a:extLst>
+          </p:cNvPr>
+          <p:cNvPicPr>
+            <a:picLocks noChangeAspect="1"/>
+          </p:cNvPicPr>
+          <p:nvPr/>
+        </p:nvPicPr>
+        <p:blipFill>
+          <a:blip r:embed="rId5">
+            <a:extLst>
+              <a:ext uri="{28A0092B-C50C-407E-A947-70E740481C1C}">
+                <a14:useLocalDpi xmlns:a14="http://schemas.microsoft.com/office/drawing/2010/main" val="0"/>
+              </a:ext>
+              <a:ext uri="{837473B0-CC2E-450A-ABE3-18F120FF3D39}">
+                <a1611:picAttrSrcUrl xmlns:a1611="http://schemas.microsoft.com/office/drawing/2016/11/main" r:id="rId6"/>
+              </a:ext>
+            </a:extLst>
+          </a:blip>
+          <a:stretch>
+            <a:fillRect/>
+          </a:stretch>
+        </p:blipFill>
+        <p:spPr>
+          <a:xfrm>
+            <a:off x="7942516" y="2640197"/>
+            <a:ext cx="3974691" cy="3264370"/>
           </a:xfrm>
           <a:prstGeom prst="rect">
             <a:avLst/>
@@ -28330,7 +25044,337 @@
     </p:spTree>
     <p:extLst>
       <p:ext uri="{BB962C8B-B14F-4D97-AF65-F5344CB8AC3E}">
-        <p14:creationId xmlns:p14="http://schemas.microsoft.com/office/powerpoint/2010/main" val="2700033804"/>
+        <p14:creationId xmlns:p14="http://schemas.microsoft.com/office/powerpoint/2010/main" val="4096325938"/>
+      </p:ext>
+    </p:extLst>
+  </p:cSld>
+  <p:clrMapOvr>
+    <a:masterClrMapping/>
+  </p:clrMapOvr>
+</p:sld>
+</file>
+
+<file path=ppt/slides/slide19.xml><?xml version="1.0" encoding="utf-8"?>
+<p:sld xmlns:a="http://schemas.openxmlformats.org/drawingml/2006/main" xmlns:r="http://schemas.openxmlformats.org/officeDocument/2006/relationships" xmlns:p="http://schemas.openxmlformats.org/presentationml/2006/main">
+  <p:cSld>
+    <p:spTree>
+      <p:nvGrpSpPr>
+        <p:cNvPr id="1" name=""/>
+        <p:cNvGrpSpPr/>
+        <p:nvPr/>
+      </p:nvGrpSpPr>
+      <p:grpSpPr>
+        <a:xfrm>
+          <a:off x="0" y="0"/>
+          <a:ext cx="0" cy="0"/>
+          <a:chOff x="0" y="0"/>
+          <a:chExt cx="0" cy="0"/>
+        </a:xfrm>
+      </p:grpSpPr>
+      <p:sp>
+        <p:nvSpPr>
+          <p:cNvPr id="2" name="Título 1">
+            <a:extLst>
+              <a:ext uri="{FF2B5EF4-FFF2-40B4-BE49-F238E27FC236}">
+                <a16:creationId xmlns:a16="http://schemas.microsoft.com/office/drawing/2014/main" id="{35A67270-4641-41E0-9660-F29F3470FC02}"/>
+              </a:ext>
+            </a:extLst>
+          </p:cNvPr>
+          <p:cNvSpPr>
+            <a:spLocks noGrp="1"/>
+          </p:cNvSpPr>
+          <p:nvPr>
+            <p:ph type="title"/>
+          </p:nvPr>
+        </p:nvSpPr>
+        <p:spPr>
+          <a:xfrm>
+            <a:off x="510465" y="701459"/>
+            <a:ext cx="11171069" cy="1454430"/>
+          </a:xfrm>
+        </p:spPr>
+        <p:txBody>
+          <a:bodyPr/>
+          <a:lstStyle/>
+          <a:p>
+            <a:r>
+              <a:rPr lang="es-AR" dirty="0"/>
+              <a:t>Aprendizaje supervisado vs no supervisado</a:t>
+            </a:r>
+          </a:p>
+        </p:txBody>
+      </p:sp>
+      <p:sp>
+        <p:nvSpPr>
+          <p:cNvPr id="3" name="Marcador de contenido 2">
+            <a:extLst>
+              <a:ext uri="{FF2B5EF4-FFF2-40B4-BE49-F238E27FC236}">
+                <a16:creationId xmlns:a16="http://schemas.microsoft.com/office/drawing/2014/main" id="{564168FB-6A84-4F2E-913C-5F2F864C01F0}"/>
+              </a:ext>
+            </a:extLst>
+          </p:cNvPr>
+          <p:cNvSpPr>
+            <a:spLocks noGrp="1"/>
+          </p:cNvSpPr>
+          <p:nvPr>
+            <p:ph idx="1"/>
+          </p:nvPr>
+        </p:nvSpPr>
+        <p:spPr>
+          <a:xfrm>
+            <a:off x="510465" y="2365183"/>
+            <a:ext cx="6072976" cy="3564436"/>
+          </a:xfrm>
+        </p:spPr>
+        <p:txBody>
+          <a:bodyPr/>
+          <a:lstStyle/>
+          <a:p>
+            <a:r>
+              <a:rPr lang="es-AR" dirty="0"/>
+              <a:t>Se le llama aprendizaje supervisado a cuando se entrenan modelos donde los datos que le entrega el programador ya le dicen que son. Es decir si les damos fotos de razas de perros ya se le dice al modelo que raza corresponde a cada imagen</a:t>
+            </a:r>
+          </a:p>
+        </p:txBody>
+      </p:sp>
+      <p:sp>
+        <p:nvSpPr>
+          <p:cNvPr id="4" name="Marcador de contenido 2">
+            <a:extLst>
+              <a:ext uri="{FF2B5EF4-FFF2-40B4-BE49-F238E27FC236}">
+                <a16:creationId xmlns:a16="http://schemas.microsoft.com/office/drawing/2014/main" id="{0B93BC24-B1BE-4470-93AC-7247DA09A7BC}"/>
+              </a:ext>
+            </a:extLst>
+          </p:cNvPr>
+          <p:cNvSpPr txBox="1">
+            <a:spLocks/>
+          </p:cNvSpPr>
+          <p:nvPr/>
+        </p:nvSpPr>
+        <p:spPr>
+          <a:xfrm>
+            <a:off x="6701425" y="2365183"/>
+            <a:ext cx="5513478" cy="3564436"/>
+          </a:xfrm>
+          <a:prstGeom prst="rect">
+            <a:avLst/>
+          </a:prstGeom>
+        </p:spPr>
+        <p:txBody>
+          <a:bodyPr vert="horz" lIns="91440" tIns="45720" rIns="91440" bIns="45720" rtlCol="0">
+            <a:normAutofit/>
+          </a:bodyPr>
+          <a:lstStyle>
+            <a:lvl1pPr marL="228600" indent="-228600" algn="l" defTabSz="914400" rtl="0" eaLnBrk="1" latinLnBrk="0" hangingPunct="1">
+              <a:lnSpc>
+                <a:spcPct val="110000"/>
+              </a:lnSpc>
+              <a:spcBef>
+                <a:spcPts val="1000"/>
+              </a:spcBef>
+              <a:buClr>
+                <a:schemeClr val="tx2">
+                  <a:lumMod val="50000"/>
+                  <a:lumOff val="50000"/>
+                </a:schemeClr>
+              </a:buClr>
+              <a:buSzPct val="75000"/>
+              <a:buFont typeface="Wingdings" panose="05000000000000000000" pitchFamily="2" charset="2"/>
+              <a:buChar char="§"/>
+              <a:defRPr sz="2000" kern="1200">
+                <a:solidFill>
+                  <a:schemeClr val="tx2"/>
+                </a:solidFill>
+                <a:latin typeface="+mn-lt"/>
+                <a:ea typeface="+mn-ea"/>
+                <a:cs typeface="+mn-cs"/>
+              </a:defRPr>
+            </a:lvl1pPr>
+            <a:lvl2pPr marL="457200" indent="-228600" algn="l" defTabSz="914400" rtl="0" eaLnBrk="1" latinLnBrk="0" hangingPunct="1">
+              <a:lnSpc>
+                <a:spcPct val="110000"/>
+              </a:lnSpc>
+              <a:spcBef>
+                <a:spcPts val="500"/>
+              </a:spcBef>
+              <a:buClr>
+                <a:schemeClr val="tx2">
+                  <a:lumMod val="50000"/>
+                  <a:lumOff val="50000"/>
+                </a:schemeClr>
+              </a:buClr>
+              <a:buSzPct val="75000"/>
+              <a:buFont typeface="Wingdings" panose="05000000000000000000" pitchFamily="2" charset="2"/>
+              <a:buChar char="§"/>
+              <a:defRPr sz="1800" kern="1200">
+                <a:solidFill>
+                  <a:schemeClr val="tx2"/>
+                </a:solidFill>
+                <a:latin typeface="+mn-lt"/>
+                <a:ea typeface="+mn-ea"/>
+                <a:cs typeface="+mn-cs"/>
+              </a:defRPr>
+            </a:lvl2pPr>
+            <a:lvl3pPr marL="685800" indent="-228600" algn="l" defTabSz="914400" rtl="0" eaLnBrk="1" latinLnBrk="0" hangingPunct="1">
+              <a:lnSpc>
+                <a:spcPct val="110000"/>
+              </a:lnSpc>
+              <a:spcBef>
+                <a:spcPts val="500"/>
+              </a:spcBef>
+              <a:buClr>
+                <a:schemeClr val="tx2">
+                  <a:lumMod val="50000"/>
+                  <a:lumOff val="50000"/>
+                </a:schemeClr>
+              </a:buClr>
+              <a:buSzPct val="75000"/>
+              <a:buFont typeface="Wingdings" panose="05000000000000000000" pitchFamily="2" charset="2"/>
+              <a:buChar char="§"/>
+              <a:defRPr sz="1600" kern="1200">
+                <a:solidFill>
+                  <a:schemeClr val="tx2"/>
+                </a:solidFill>
+                <a:latin typeface="+mn-lt"/>
+                <a:ea typeface="+mn-ea"/>
+                <a:cs typeface="+mn-cs"/>
+              </a:defRPr>
+            </a:lvl3pPr>
+            <a:lvl4pPr marL="914400" indent="-228600" algn="l" defTabSz="914400" rtl="0" eaLnBrk="1" latinLnBrk="0" hangingPunct="1">
+              <a:lnSpc>
+                <a:spcPct val="110000"/>
+              </a:lnSpc>
+              <a:spcBef>
+                <a:spcPts val="500"/>
+              </a:spcBef>
+              <a:buClr>
+                <a:schemeClr val="tx2">
+                  <a:lumMod val="50000"/>
+                  <a:lumOff val="50000"/>
+                </a:schemeClr>
+              </a:buClr>
+              <a:buSzPct val="75000"/>
+              <a:buFont typeface="Wingdings" panose="05000000000000000000" pitchFamily="2" charset="2"/>
+              <a:buChar char="§"/>
+              <a:defRPr sz="1400" kern="1200">
+                <a:solidFill>
+                  <a:schemeClr val="tx2"/>
+                </a:solidFill>
+                <a:latin typeface="+mn-lt"/>
+                <a:ea typeface="+mn-ea"/>
+                <a:cs typeface="+mn-cs"/>
+              </a:defRPr>
+            </a:lvl4pPr>
+            <a:lvl5pPr marL="1143000" indent="-228600" algn="l" defTabSz="914400" rtl="0" eaLnBrk="1" latinLnBrk="0" hangingPunct="1">
+              <a:lnSpc>
+                <a:spcPct val="110000"/>
+              </a:lnSpc>
+              <a:spcBef>
+                <a:spcPts val="500"/>
+              </a:spcBef>
+              <a:buClr>
+                <a:schemeClr val="tx2">
+                  <a:lumMod val="50000"/>
+                  <a:lumOff val="50000"/>
+                </a:schemeClr>
+              </a:buClr>
+              <a:buSzPct val="75000"/>
+              <a:buFont typeface="Wingdings" panose="05000000000000000000" pitchFamily="2" charset="2"/>
+              <a:buChar char="§"/>
+              <a:defRPr sz="1400" kern="1200">
+                <a:solidFill>
+                  <a:schemeClr val="tx2"/>
+                </a:solidFill>
+                <a:latin typeface="+mn-lt"/>
+                <a:ea typeface="+mn-ea"/>
+                <a:cs typeface="+mn-cs"/>
+              </a:defRPr>
+            </a:lvl5pPr>
+            <a:lvl6pPr marL="2514600" indent="-228600" algn="l" defTabSz="914400" rtl="0" eaLnBrk="1" latinLnBrk="0" hangingPunct="1">
+              <a:lnSpc>
+                <a:spcPct val="90000"/>
+              </a:lnSpc>
+              <a:spcBef>
+                <a:spcPts val="500"/>
+              </a:spcBef>
+              <a:buFont typeface="Arial" panose="020B0604020202020204" pitchFamily="34" charset="0"/>
+              <a:buChar char="•"/>
+              <a:defRPr sz="1800" kern="1200">
+                <a:solidFill>
+                  <a:schemeClr val="tx1"/>
+                </a:solidFill>
+                <a:latin typeface="+mn-lt"/>
+                <a:ea typeface="+mn-ea"/>
+                <a:cs typeface="+mn-cs"/>
+              </a:defRPr>
+            </a:lvl6pPr>
+            <a:lvl7pPr marL="2971800" indent="-228600" algn="l" defTabSz="914400" rtl="0" eaLnBrk="1" latinLnBrk="0" hangingPunct="1">
+              <a:lnSpc>
+                <a:spcPct val="90000"/>
+              </a:lnSpc>
+              <a:spcBef>
+                <a:spcPts val="500"/>
+              </a:spcBef>
+              <a:buFont typeface="Arial" panose="020B0604020202020204" pitchFamily="34" charset="0"/>
+              <a:buChar char="•"/>
+              <a:defRPr sz="1800" kern="1200">
+                <a:solidFill>
+                  <a:schemeClr val="tx1"/>
+                </a:solidFill>
+                <a:latin typeface="+mn-lt"/>
+                <a:ea typeface="+mn-ea"/>
+                <a:cs typeface="+mn-cs"/>
+              </a:defRPr>
+            </a:lvl7pPr>
+            <a:lvl8pPr marL="3429000" indent="-228600" algn="l" defTabSz="914400" rtl="0" eaLnBrk="1" latinLnBrk="0" hangingPunct="1">
+              <a:lnSpc>
+                <a:spcPct val="90000"/>
+              </a:lnSpc>
+              <a:spcBef>
+                <a:spcPts val="500"/>
+              </a:spcBef>
+              <a:buFont typeface="Arial" panose="020B0604020202020204" pitchFamily="34" charset="0"/>
+              <a:buChar char="•"/>
+              <a:defRPr sz="1800" kern="1200">
+                <a:solidFill>
+                  <a:schemeClr val="tx1"/>
+                </a:solidFill>
+                <a:latin typeface="+mn-lt"/>
+                <a:ea typeface="+mn-ea"/>
+                <a:cs typeface="+mn-cs"/>
+              </a:defRPr>
+            </a:lvl8pPr>
+            <a:lvl9pPr marL="3886200" indent="-228600" algn="l" defTabSz="914400" rtl="0" eaLnBrk="1" latinLnBrk="0" hangingPunct="1">
+              <a:lnSpc>
+                <a:spcPct val="90000"/>
+              </a:lnSpc>
+              <a:spcBef>
+                <a:spcPts val="500"/>
+              </a:spcBef>
+              <a:buFont typeface="Arial" panose="020B0604020202020204" pitchFamily="34" charset="0"/>
+              <a:buChar char="•"/>
+              <a:defRPr sz="1800" kern="1200">
+                <a:solidFill>
+                  <a:schemeClr val="tx1"/>
+                </a:solidFill>
+                <a:latin typeface="+mn-lt"/>
+                <a:ea typeface="+mn-ea"/>
+                <a:cs typeface="+mn-cs"/>
+              </a:defRPr>
+            </a:lvl9pPr>
+          </a:lstStyle>
+          <a:p>
+            <a:r>
+              <a:rPr lang="es-AR" dirty="0"/>
+              <a:t>Se le llama aprendizaje no-supervisado a cuando se entrenan modelos donde los datos que entrega el programador no están clasificados previamente. Es decir le damos imágenes de motos, autos y camiones y el modelo los clasifica sin decirle cual es cada uno </a:t>
+            </a:r>
+          </a:p>
+        </p:txBody>
+      </p:sp>
+    </p:spTree>
+    <p:extLst>
+      <p:ext uri="{BB962C8B-B14F-4D97-AF65-F5344CB8AC3E}">
+        <p14:creationId xmlns:p14="http://schemas.microsoft.com/office/powerpoint/2010/main" val="1458699507"/>
       </p:ext>
     </p:extLst>
   </p:cSld>
@@ -30341,6 +27385,3880 @@
     <p:extLst>
       <p:ext uri="{BB962C8B-B14F-4D97-AF65-F5344CB8AC3E}">
         <p14:creationId xmlns:p14="http://schemas.microsoft.com/office/powerpoint/2010/main" val="2978999419"/>
+      </p:ext>
+    </p:extLst>
+  </p:cSld>
+  <p:clrMapOvr>
+    <a:masterClrMapping/>
+  </p:clrMapOvr>
+</p:sld>
+</file>
+
+<file path=ppt/slides/slide20.xml><?xml version="1.0" encoding="utf-8"?>
+<p:sld xmlns:a="http://schemas.openxmlformats.org/drawingml/2006/main" xmlns:r="http://schemas.openxmlformats.org/officeDocument/2006/relationships" xmlns:p="http://schemas.openxmlformats.org/presentationml/2006/main">
+  <p:cSld>
+    <p:spTree>
+      <p:nvGrpSpPr>
+        <p:cNvPr id="1" name=""/>
+        <p:cNvGrpSpPr/>
+        <p:nvPr/>
+      </p:nvGrpSpPr>
+      <p:grpSpPr>
+        <a:xfrm>
+          <a:off x="0" y="0"/>
+          <a:ext cx="0" cy="0"/>
+          <a:chOff x="0" y="0"/>
+          <a:chExt cx="0" cy="0"/>
+        </a:xfrm>
+      </p:grpSpPr>
+      <p:sp>
+        <p:nvSpPr>
+          <p:cNvPr id="2" name="Título 1">
+            <a:extLst>
+              <a:ext uri="{FF2B5EF4-FFF2-40B4-BE49-F238E27FC236}">
+                <a16:creationId xmlns:a16="http://schemas.microsoft.com/office/drawing/2014/main" id="{18AB1682-F709-855C-B53E-3D7F1B68EB4C}"/>
+              </a:ext>
+            </a:extLst>
+          </p:cNvPr>
+          <p:cNvSpPr>
+            <a:spLocks noGrp="1"/>
+          </p:cNvSpPr>
+          <p:nvPr>
+            <p:ph type="title"/>
+          </p:nvPr>
+        </p:nvSpPr>
+        <p:spPr/>
+        <p:txBody>
+          <a:bodyPr/>
+          <a:lstStyle/>
+          <a:p>
+            <a:r>
+              <a:rPr lang="es-ES" dirty="0"/>
+              <a:t>Conclusiones</a:t>
+            </a:r>
+            <a:endParaRPr lang="es-AR" dirty="0"/>
+          </a:p>
+        </p:txBody>
+      </p:sp>
+      <p:sp>
+        <p:nvSpPr>
+          <p:cNvPr id="3" name="Marcador de contenido 2">
+            <a:extLst>
+              <a:ext uri="{FF2B5EF4-FFF2-40B4-BE49-F238E27FC236}">
+                <a16:creationId xmlns:a16="http://schemas.microsoft.com/office/drawing/2014/main" id="{C3C6427A-8BC0-FA50-E681-06036A823D18}"/>
+              </a:ext>
+            </a:extLst>
+          </p:cNvPr>
+          <p:cNvSpPr>
+            <a:spLocks noGrp="1"/>
+          </p:cNvSpPr>
+          <p:nvPr>
+            <p:ph idx="1"/>
+          </p:nvPr>
+        </p:nvSpPr>
+        <p:spPr/>
+        <p:txBody>
+          <a:bodyPr/>
+          <a:lstStyle/>
+          <a:p>
+            <a:r>
+              <a:rPr lang="es-ES" dirty="0"/>
+              <a:t>El aprender a utilizar lenguajes basado en objetos y dejar de lado a C amplio mucho mi visón de lo que era posible hacer y de lo que ya sabía (Arduino por ejemplo). Y personalmente creo que con desde que empecé a usar C++ y Python mi entendimiento de los algoritmos creció bastante permitiéndome hacer cosas mas complejas y útiles.</a:t>
+            </a:r>
+            <a:endParaRPr lang="es-AR" dirty="0"/>
+          </a:p>
+        </p:txBody>
+      </p:sp>
+    </p:spTree>
+    <p:extLst>
+      <p:ext uri="{BB962C8B-B14F-4D97-AF65-F5344CB8AC3E}">
+        <p14:creationId xmlns:p14="http://schemas.microsoft.com/office/powerpoint/2010/main" val="1924819293"/>
+      </p:ext>
+    </p:extLst>
+  </p:cSld>
+  <p:clrMapOvr>
+    <a:masterClrMapping/>
+  </p:clrMapOvr>
+</p:sld>
+</file>
+
+<file path=ppt/slides/slide21.xml><?xml version="1.0" encoding="utf-8"?>
+<p:sld xmlns:a="http://schemas.openxmlformats.org/drawingml/2006/main" xmlns:r="http://schemas.openxmlformats.org/officeDocument/2006/relationships" xmlns:p="http://schemas.openxmlformats.org/presentationml/2006/main">
+  <p:cSld>
+    <p:bg>
+      <p:bgPr>
+        <a:solidFill>
+          <a:schemeClr val="bg1"/>
+        </a:solidFill>
+        <a:effectLst/>
+      </p:bgPr>
+    </p:bg>
+    <p:spTree>
+      <p:nvGrpSpPr>
+        <p:cNvPr id="1" name=""/>
+        <p:cNvGrpSpPr/>
+        <p:nvPr/>
+      </p:nvGrpSpPr>
+      <p:grpSpPr>
+        <a:xfrm>
+          <a:off x="0" y="0"/>
+          <a:ext cx="0" cy="0"/>
+          <a:chOff x="0" y="0"/>
+          <a:chExt cx="0" cy="0"/>
+        </a:xfrm>
+      </p:grpSpPr>
+      <p:grpSp>
+        <p:nvGrpSpPr>
+          <p:cNvPr id="10" name="Group 9">
+            <a:extLst>
+              <a:ext uri="{FF2B5EF4-FFF2-40B4-BE49-F238E27FC236}">
+                <a16:creationId xmlns:a16="http://schemas.microsoft.com/office/drawing/2014/main" id="{748618E9-EE2D-4864-9EEE-58939BD4FBBA}"/>
+              </a:ext>
+              <a:ext uri="{C183D7F6-B498-43B3-948B-1728B52AA6E4}">
+                <adec:decorative xmlns:adec="http://schemas.microsoft.com/office/drawing/2017/decorative" val="1"/>
+              </a:ext>
+            </a:extLst>
+          </p:cNvPr>
+          <p:cNvGrpSpPr>
+            <a:grpSpLocks noGrp="1" noUngrp="1" noRot="1" noChangeAspect="1" noMove="1" noResize="1"/>
+          </p:cNvGrpSpPr>
+          <p:nvPr>
+            <p:extLst>
+              <p:ext uri="{386F3935-93C4-4BCD-93E2-E3B085C9AB24}">
+                <p16:designElem xmlns:p16="http://schemas.microsoft.com/office/powerpoint/2015/main" val="1"/>
+              </p:ext>
+            </p:extLst>
+          </p:nvPr>
+        </p:nvGrpSpPr>
+        <p:grpSpPr>
+          <a:xfrm>
+            <a:off x="-6214" y="-1"/>
+            <a:ext cx="12214827" cy="6858000"/>
+            <a:chOff x="-6214" y="-1"/>
+            <a:chExt cx="12214827" cy="6858000"/>
+          </a:xfrm>
+        </p:grpSpPr>
+        <p:cxnSp>
+          <p:nvCxnSpPr>
+            <p:cNvPr id="11" name="Straight Connector 10">
+              <a:extLst>
+                <a:ext uri="{FF2B5EF4-FFF2-40B4-BE49-F238E27FC236}">
+                  <a16:creationId xmlns:a16="http://schemas.microsoft.com/office/drawing/2014/main" id="{317D1EC0-23FF-4FC8-B22D-E34878EAA4CC}"/>
+                </a:ext>
+                <a:ext uri="{C183D7F6-B498-43B3-948B-1728B52AA6E4}">
+                  <adec:decorative xmlns:adec="http://schemas.microsoft.com/office/drawing/2017/decorative" val="1"/>
+                </a:ext>
+              </a:extLst>
+            </p:cNvPr>
+            <p:cNvCxnSpPr>
+              <a:cxnSpLocks/>
+            </p:cNvCxnSpPr>
+            <p:nvPr>
+              <p:extLst>
+                <p:ext uri="{386F3935-93C4-4BCD-93E2-E3B085C9AB24}">
+                  <p16:designElem xmlns:p16="http://schemas.microsoft.com/office/powerpoint/2015/main" val="1"/>
+                </p:ext>
+              </p:extLst>
+            </p:nvPr>
+          </p:nvCxnSpPr>
+          <p:spPr>
+            <a:xfrm>
+              <a:off x="-6214" y="6686283"/>
+              <a:ext cx="12192000" cy="0"/>
+            </a:xfrm>
+            <a:prstGeom prst="line">
+              <a:avLst/>
+            </a:prstGeom>
+            <a:ln w="12700">
+              <a:solidFill>
+                <a:srgbClr val="BCBCBC">
+                  <a:alpha val="29804"/>
+                </a:srgbClr>
+              </a:solidFill>
+              <a:prstDash val="sysDot"/>
+            </a:ln>
+          </p:spPr>
+          <p:style>
+            <a:lnRef idx="1">
+              <a:schemeClr val="accent1"/>
+            </a:lnRef>
+            <a:fillRef idx="0">
+              <a:schemeClr val="accent1"/>
+            </a:fillRef>
+            <a:effectRef idx="0">
+              <a:schemeClr val="accent1"/>
+            </a:effectRef>
+            <a:fontRef idx="minor">
+              <a:schemeClr val="tx1"/>
+            </a:fontRef>
+          </p:style>
+        </p:cxnSp>
+        <p:cxnSp>
+          <p:nvCxnSpPr>
+            <p:cNvPr id="12" name="Straight Connector 11">
+              <a:extLst>
+                <a:ext uri="{FF2B5EF4-FFF2-40B4-BE49-F238E27FC236}">
+                  <a16:creationId xmlns:a16="http://schemas.microsoft.com/office/drawing/2014/main" id="{5AB929A7-258C-4469-AAB4-A67D713F7A80}"/>
+                </a:ext>
+                <a:ext uri="{C183D7F6-B498-43B3-948B-1728B52AA6E4}">
+                  <adec:decorative xmlns:adec="http://schemas.microsoft.com/office/drawing/2017/decorative" val="1"/>
+                </a:ext>
+              </a:extLst>
+            </p:cNvPr>
+            <p:cNvCxnSpPr>
+              <a:cxnSpLocks/>
+            </p:cNvCxnSpPr>
+            <p:nvPr>
+              <p:extLst>
+                <p:ext uri="{386F3935-93C4-4BCD-93E2-E3B085C9AB24}">
+                  <p16:designElem xmlns:p16="http://schemas.microsoft.com/office/powerpoint/2015/main" val="1"/>
+                </p:ext>
+              </p:extLst>
+            </p:nvPr>
+          </p:nvCxnSpPr>
+          <p:spPr>
+            <a:xfrm>
+              <a:off x="0" y="-1"/>
+              <a:ext cx="0" cy="6858000"/>
+            </a:xfrm>
+            <a:prstGeom prst="line">
+              <a:avLst/>
+            </a:prstGeom>
+            <a:ln w="12700">
+              <a:solidFill>
+                <a:srgbClr val="BCBCBC">
+                  <a:alpha val="29804"/>
+                </a:srgbClr>
+              </a:solidFill>
+              <a:prstDash val="sysDot"/>
+            </a:ln>
+          </p:spPr>
+          <p:style>
+            <a:lnRef idx="1">
+              <a:schemeClr val="accent1"/>
+            </a:lnRef>
+            <a:fillRef idx="0">
+              <a:schemeClr val="accent1"/>
+            </a:fillRef>
+            <a:effectRef idx="0">
+              <a:schemeClr val="accent1"/>
+            </a:effectRef>
+            <a:fontRef idx="minor">
+              <a:schemeClr val="tx1"/>
+            </a:fontRef>
+          </p:style>
+        </p:cxnSp>
+        <p:cxnSp>
+          <p:nvCxnSpPr>
+            <p:cNvPr id="13" name="Straight Connector 12">
+              <a:extLst>
+                <a:ext uri="{FF2B5EF4-FFF2-40B4-BE49-F238E27FC236}">
+                  <a16:creationId xmlns:a16="http://schemas.microsoft.com/office/drawing/2014/main" id="{DA635CDB-2D00-49D5-B26E-0694A25000C7}"/>
+                </a:ext>
+                <a:ext uri="{C183D7F6-B498-43B3-948B-1728B52AA6E4}">
+                  <adec:decorative xmlns:adec="http://schemas.microsoft.com/office/drawing/2017/decorative" val="1"/>
+                </a:ext>
+              </a:extLst>
+            </p:cNvPr>
+            <p:cNvCxnSpPr>
+              <a:cxnSpLocks/>
+            </p:cNvCxnSpPr>
+            <p:nvPr>
+              <p:extLst>
+                <p:ext uri="{386F3935-93C4-4BCD-93E2-E3B085C9AB24}">
+                  <p16:designElem xmlns:p16="http://schemas.microsoft.com/office/powerpoint/2015/main" val="1"/>
+                </p:ext>
+              </p:extLst>
+            </p:nvPr>
+          </p:nvCxnSpPr>
+          <p:spPr>
+            <a:xfrm>
+              <a:off x="11993258" y="-1"/>
+              <a:ext cx="0" cy="6858000"/>
+            </a:xfrm>
+            <a:prstGeom prst="line">
+              <a:avLst/>
+            </a:prstGeom>
+            <a:ln w="12700">
+              <a:solidFill>
+                <a:srgbClr val="BCBCBC">
+                  <a:alpha val="29804"/>
+                </a:srgbClr>
+              </a:solidFill>
+              <a:prstDash val="sysDot"/>
+            </a:ln>
+          </p:spPr>
+          <p:style>
+            <a:lnRef idx="1">
+              <a:schemeClr val="accent1"/>
+            </a:lnRef>
+            <a:fillRef idx="0">
+              <a:schemeClr val="accent1"/>
+            </a:fillRef>
+            <a:effectRef idx="0">
+              <a:schemeClr val="accent1"/>
+            </a:effectRef>
+            <a:fontRef idx="minor">
+              <a:schemeClr val="tx1"/>
+            </a:fontRef>
+          </p:style>
+        </p:cxnSp>
+        <p:cxnSp>
+          <p:nvCxnSpPr>
+            <p:cNvPr id="14" name="Straight Connector 13">
+              <a:extLst>
+                <a:ext uri="{FF2B5EF4-FFF2-40B4-BE49-F238E27FC236}">
+                  <a16:creationId xmlns:a16="http://schemas.microsoft.com/office/drawing/2014/main" id="{B4288D7A-F857-418D-92F2-368E841B9F27}"/>
+                </a:ext>
+                <a:ext uri="{C183D7F6-B498-43B3-948B-1728B52AA6E4}">
+                  <adec:decorative xmlns:adec="http://schemas.microsoft.com/office/drawing/2017/decorative" val="1"/>
+                </a:ext>
+              </a:extLst>
+            </p:cNvPr>
+            <p:cNvCxnSpPr>
+              <a:cxnSpLocks/>
+            </p:cNvCxnSpPr>
+            <p:nvPr>
+              <p:extLst>
+                <p:ext uri="{386F3935-93C4-4BCD-93E2-E3B085C9AB24}">
+                  <p16:designElem xmlns:p16="http://schemas.microsoft.com/office/powerpoint/2015/main" val="1"/>
+                </p:ext>
+              </p:extLst>
+            </p:nvPr>
+          </p:nvCxnSpPr>
+          <p:spPr>
+            <a:xfrm>
+              <a:off x="192528" y="-1"/>
+              <a:ext cx="0" cy="6858000"/>
+            </a:xfrm>
+            <a:prstGeom prst="line">
+              <a:avLst/>
+            </a:prstGeom>
+            <a:ln w="12700">
+              <a:solidFill>
+                <a:srgbClr val="BCBCBC">
+                  <a:alpha val="29804"/>
+                </a:srgbClr>
+              </a:solidFill>
+              <a:prstDash val="sysDot"/>
+            </a:ln>
+          </p:spPr>
+          <p:style>
+            <a:lnRef idx="1">
+              <a:schemeClr val="accent1"/>
+            </a:lnRef>
+            <a:fillRef idx="0">
+              <a:schemeClr val="accent1"/>
+            </a:fillRef>
+            <a:effectRef idx="0">
+              <a:schemeClr val="accent1"/>
+            </a:effectRef>
+            <a:fontRef idx="minor">
+              <a:schemeClr val="tx1"/>
+            </a:fontRef>
+          </p:style>
+        </p:cxnSp>
+        <p:cxnSp>
+          <p:nvCxnSpPr>
+            <p:cNvPr id="15" name="Straight Connector 14">
+              <a:extLst>
+                <a:ext uri="{FF2B5EF4-FFF2-40B4-BE49-F238E27FC236}">
+                  <a16:creationId xmlns:a16="http://schemas.microsoft.com/office/drawing/2014/main" id="{F1084F50-7F3C-4A4A-877E-FFD9EC7CD88B}"/>
+                </a:ext>
+                <a:ext uri="{C183D7F6-B498-43B3-948B-1728B52AA6E4}">
+                  <adec:decorative xmlns:adec="http://schemas.microsoft.com/office/drawing/2017/decorative" val="1"/>
+                </a:ext>
+              </a:extLst>
+            </p:cNvPr>
+            <p:cNvCxnSpPr>
+              <a:cxnSpLocks/>
+            </p:cNvCxnSpPr>
+            <p:nvPr>
+              <p:extLst>
+                <p:ext uri="{386F3935-93C4-4BCD-93E2-E3B085C9AB24}">
+                  <p16:designElem xmlns:p16="http://schemas.microsoft.com/office/powerpoint/2015/main" val="1"/>
+                </p:ext>
+              </p:extLst>
+            </p:nvPr>
+          </p:nvCxnSpPr>
+          <p:spPr>
+            <a:xfrm>
+              <a:off x="1175922" y="-1"/>
+              <a:ext cx="0" cy="6858000"/>
+            </a:xfrm>
+            <a:prstGeom prst="line">
+              <a:avLst/>
+            </a:prstGeom>
+            <a:ln w="12700">
+              <a:solidFill>
+                <a:srgbClr val="BCBCBC">
+                  <a:alpha val="29804"/>
+                </a:srgbClr>
+              </a:solidFill>
+              <a:prstDash val="sysDot"/>
+            </a:ln>
+          </p:spPr>
+          <p:style>
+            <a:lnRef idx="1">
+              <a:schemeClr val="accent1"/>
+            </a:lnRef>
+            <a:fillRef idx="0">
+              <a:schemeClr val="accent1"/>
+            </a:fillRef>
+            <a:effectRef idx="0">
+              <a:schemeClr val="accent1"/>
+            </a:effectRef>
+            <a:fontRef idx="minor">
+              <a:schemeClr val="tx1"/>
+            </a:fontRef>
+          </p:style>
+        </p:cxnSp>
+        <p:cxnSp>
+          <p:nvCxnSpPr>
+            <p:cNvPr id="16" name="Straight Connector 15">
+              <a:extLst>
+                <a:ext uri="{FF2B5EF4-FFF2-40B4-BE49-F238E27FC236}">
+                  <a16:creationId xmlns:a16="http://schemas.microsoft.com/office/drawing/2014/main" id="{331E64C1-F4C0-4A94-B319-BB1A0A2450B5}"/>
+                </a:ext>
+                <a:ext uri="{C183D7F6-B498-43B3-948B-1728B52AA6E4}">
+                  <adec:decorative xmlns:adec="http://schemas.microsoft.com/office/drawing/2017/decorative" val="1"/>
+                </a:ext>
+              </a:extLst>
+            </p:cNvPr>
+            <p:cNvCxnSpPr>
+              <a:cxnSpLocks/>
+            </p:cNvCxnSpPr>
+            <p:nvPr>
+              <p:extLst>
+                <p:ext uri="{386F3935-93C4-4BCD-93E2-E3B085C9AB24}">
+                  <p16:designElem xmlns:p16="http://schemas.microsoft.com/office/powerpoint/2015/main" val="1"/>
+                </p:ext>
+              </p:extLst>
+            </p:nvPr>
+          </p:nvCxnSpPr>
+          <p:spPr>
+            <a:xfrm>
+              <a:off x="2159316" y="-1"/>
+              <a:ext cx="0" cy="6858000"/>
+            </a:xfrm>
+            <a:prstGeom prst="line">
+              <a:avLst/>
+            </a:prstGeom>
+            <a:ln w="12700">
+              <a:solidFill>
+                <a:srgbClr val="BCBCBC">
+                  <a:alpha val="29804"/>
+                </a:srgbClr>
+              </a:solidFill>
+              <a:prstDash val="sysDot"/>
+            </a:ln>
+          </p:spPr>
+          <p:style>
+            <a:lnRef idx="1">
+              <a:schemeClr val="accent1"/>
+            </a:lnRef>
+            <a:fillRef idx="0">
+              <a:schemeClr val="accent1"/>
+            </a:fillRef>
+            <a:effectRef idx="0">
+              <a:schemeClr val="accent1"/>
+            </a:effectRef>
+            <a:fontRef idx="minor">
+              <a:schemeClr val="tx1"/>
+            </a:fontRef>
+          </p:style>
+        </p:cxnSp>
+        <p:cxnSp>
+          <p:nvCxnSpPr>
+            <p:cNvPr id="17" name="Straight Connector 16">
+              <a:extLst>
+                <a:ext uri="{FF2B5EF4-FFF2-40B4-BE49-F238E27FC236}">
+                  <a16:creationId xmlns:a16="http://schemas.microsoft.com/office/drawing/2014/main" id="{363D8374-8052-417F-AB69-B97EAC43D513}"/>
+                </a:ext>
+                <a:ext uri="{C183D7F6-B498-43B3-948B-1728B52AA6E4}">
+                  <adec:decorative xmlns:adec="http://schemas.microsoft.com/office/drawing/2017/decorative" val="1"/>
+                </a:ext>
+              </a:extLst>
+            </p:cNvPr>
+            <p:cNvCxnSpPr>
+              <a:cxnSpLocks/>
+            </p:cNvCxnSpPr>
+            <p:nvPr>
+              <p:extLst>
+                <p:ext uri="{386F3935-93C4-4BCD-93E2-E3B085C9AB24}">
+                  <p16:designElem xmlns:p16="http://schemas.microsoft.com/office/powerpoint/2015/main" val="1"/>
+                </p:ext>
+              </p:extLst>
+            </p:nvPr>
+          </p:nvCxnSpPr>
+          <p:spPr>
+            <a:xfrm>
+              <a:off x="3142710" y="-1"/>
+              <a:ext cx="0" cy="6858000"/>
+            </a:xfrm>
+            <a:prstGeom prst="line">
+              <a:avLst/>
+            </a:prstGeom>
+            <a:ln w="12700">
+              <a:solidFill>
+                <a:srgbClr val="BCBCBC">
+                  <a:alpha val="29804"/>
+                </a:srgbClr>
+              </a:solidFill>
+              <a:prstDash val="sysDot"/>
+            </a:ln>
+          </p:spPr>
+          <p:style>
+            <a:lnRef idx="1">
+              <a:schemeClr val="accent1"/>
+            </a:lnRef>
+            <a:fillRef idx="0">
+              <a:schemeClr val="accent1"/>
+            </a:fillRef>
+            <a:effectRef idx="0">
+              <a:schemeClr val="accent1"/>
+            </a:effectRef>
+            <a:fontRef idx="minor">
+              <a:schemeClr val="tx1"/>
+            </a:fontRef>
+          </p:style>
+        </p:cxnSp>
+        <p:cxnSp>
+          <p:nvCxnSpPr>
+            <p:cNvPr id="18" name="Straight Connector 17">
+              <a:extLst>
+                <a:ext uri="{FF2B5EF4-FFF2-40B4-BE49-F238E27FC236}">
+                  <a16:creationId xmlns:a16="http://schemas.microsoft.com/office/drawing/2014/main" id="{C7750734-4D51-4019-A003-38A3DE49B434}"/>
+                </a:ext>
+                <a:ext uri="{C183D7F6-B498-43B3-948B-1728B52AA6E4}">
+                  <adec:decorative xmlns:adec="http://schemas.microsoft.com/office/drawing/2017/decorative" val="1"/>
+                </a:ext>
+              </a:extLst>
+            </p:cNvPr>
+            <p:cNvCxnSpPr>
+              <a:cxnSpLocks/>
+            </p:cNvCxnSpPr>
+            <p:nvPr>
+              <p:extLst>
+                <p:ext uri="{386F3935-93C4-4BCD-93E2-E3B085C9AB24}">
+                  <p16:designElem xmlns:p16="http://schemas.microsoft.com/office/powerpoint/2015/main" val="1"/>
+                </p:ext>
+              </p:extLst>
+            </p:nvPr>
+          </p:nvCxnSpPr>
+          <p:spPr>
+            <a:xfrm>
+              <a:off x="4126104" y="-1"/>
+              <a:ext cx="0" cy="6858000"/>
+            </a:xfrm>
+            <a:prstGeom prst="line">
+              <a:avLst/>
+            </a:prstGeom>
+            <a:ln w="12700">
+              <a:solidFill>
+                <a:srgbClr val="BCBCBC">
+                  <a:alpha val="29804"/>
+                </a:srgbClr>
+              </a:solidFill>
+              <a:prstDash val="sysDot"/>
+            </a:ln>
+          </p:spPr>
+          <p:style>
+            <a:lnRef idx="1">
+              <a:schemeClr val="accent1"/>
+            </a:lnRef>
+            <a:fillRef idx="0">
+              <a:schemeClr val="accent1"/>
+            </a:fillRef>
+            <a:effectRef idx="0">
+              <a:schemeClr val="accent1"/>
+            </a:effectRef>
+            <a:fontRef idx="minor">
+              <a:schemeClr val="tx1"/>
+            </a:fontRef>
+          </p:style>
+        </p:cxnSp>
+        <p:cxnSp>
+          <p:nvCxnSpPr>
+            <p:cNvPr id="19" name="Straight Connector 18">
+              <a:extLst>
+                <a:ext uri="{FF2B5EF4-FFF2-40B4-BE49-F238E27FC236}">
+                  <a16:creationId xmlns:a16="http://schemas.microsoft.com/office/drawing/2014/main" id="{71B693D1-DBA2-4D3B-9B37-D9EE8C4112F4}"/>
+                </a:ext>
+                <a:ext uri="{C183D7F6-B498-43B3-948B-1728B52AA6E4}">
+                  <adec:decorative xmlns:adec="http://schemas.microsoft.com/office/drawing/2017/decorative" val="1"/>
+                </a:ext>
+              </a:extLst>
+            </p:cNvPr>
+            <p:cNvCxnSpPr>
+              <a:cxnSpLocks/>
+            </p:cNvCxnSpPr>
+            <p:nvPr>
+              <p:extLst>
+                <p:ext uri="{386F3935-93C4-4BCD-93E2-E3B085C9AB24}">
+                  <p16:designElem xmlns:p16="http://schemas.microsoft.com/office/powerpoint/2015/main" val="1"/>
+                </p:ext>
+              </p:extLst>
+            </p:nvPr>
+          </p:nvCxnSpPr>
+          <p:spPr>
+            <a:xfrm>
+              <a:off x="5109498" y="-1"/>
+              <a:ext cx="0" cy="6858000"/>
+            </a:xfrm>
+            <a:prstGeom prst="line">
+              <a:avLst/>
+            </a:prstGeom>
+            <a:ln w="12700">
+              <a:solidFill>
+                <a:srgbClr val="BCBCBC">
+                  <a:alpha val="29804"/>
+                </a:srgbClr>
+              </a:solidFill>
+              <a:prstDash val="sysDot"/>
+            </a:ln>
+          </p:spPr>
+          <p:style>
+            <a:lnRef idx="1">
+              <a:schemeClr val="accent1"/>
+            </a:lnRef>
+            <a:fillRef idx="0">
+              <a:schemeClr val="accent1"/>
+            </a:fillRef>
+            <a:effectRef idx="0">
+              <a:schemeClr val="accent1"/>
+            </a:effectRef>
+            <a:fontRef idx="minor">
+              <a:schemeClr val="tx1"/>
+            </a:fontRef>
+          </p:style>
+        </p:cxnSp>
+        <p:cxnSp>
+          <p:nvCxnSpPr>
+            <p:cNvPr id="20" name="Straight Connector 19">
+              <a:extLst>
+                <a:ext uri="{FF2B5EF4-FFF2-40B4-BE49-F238E27FC236}">
+                  <a16:creationId xmlns:a16="http://schemas.microsoft.com/office/drawing/2014/main" id="{1BCD3EA8-E4C0-4AF6-817F-F9F29157A499}"/>
+                </a:ext>
+                <a:ext uri="{C183D7F6-B498-43B3-948B-1728B52AA6E4}">
+                  <adec:decorative xmlns:adec="http://schemas.microsoft.com/office/drawing/2017/decorative" val="1"/>
+                </a:ext>
+              </a:extLst>
+            </p:cNvPr>
+            <p:cNvCxnSpPr>
+              <a:cxnSpLocks/>
+            </p:cNvCxnSpPr>
+            <p:nvPr>
+              <p:extLst>
+                <p:ext uri="{386F3935-93C4-4BCD-93E2-E3B085C9AB24}">
+                  <p16:designElem xmlns:p16="http://schemas.microsoft.com/office/powerpoint/2015/main" val="1"/>
+                </p:ext>
+              </p:extLst>
+            </p:nvPr>
+          </p:nvCxnSpPr>
+          <p:spPr>
+            <a:xfrm>
+              <a:off x="6092892" y="-1"/>
+              <a:ext cx="0" cy="6858000"/>
+            </a:xfrm>
+            <a:prstGeom prst="line">
+              <a:avLst/>
+            </a:prstGeom>
+            <a:ln w="12700">
+              <a:solidFill>
+                <a:srgbClr val="BCBCBC">
+                  <a:alpha val="29804"/>
+                </a:srgbClr>
+              </a:solidFill>
+              <a:prstDash val="sysDot"/>
+            </a:ln>
+          </p:spPr>
+          <p:style>
+            <a:lnRef idx="1">
+              <a:schemeClr val="accent1"/>
+            </a:lnRef>
+            <a:fillRef idx="0">
+              <a:schemeClr val="accent1"/>
+            </a:fillRef>
+            <a:effectRef idx="0">
+              <a:schemeClr val="accent1"/>
+            </a:effectRef>
+            <a:fontRef idx="minor">
+              <a:schemeClr val="tx1"/>
+            </a:fontRef>
+          </p:style>
+        </p:cxnSp>
+        <p:cxnSp>
+          <p:nvCxnSpPr>
+            <p:cNvPr id="21" name="Straight Connector 20">
+              <a:extLst>
+                <a:ext uri="{FF2B5EF4-FFF2-40B4-BE49-F238E27FC236}">
+                  <a16:creationId xmlns:a16="http://schemas.microsoft.com/office/drawing/2014/main" id="{7A170FB3-B397-4AC9-85FD-65388F26D90A}"/>
+                </a:ext>
+                <a:ext uri="{C183D7F6-B498-43B3-948B-1728B52AA6E4}">
+                  <adec:decorative xmlns:adec="http://schemas.microsoft.com/office/drawing/2017/decorative" val="1"/>
+                </a:ext>
+              </a:extLst>
+            </p:cNvPr>
+            <p:cNvCxnSpPr>
+              <a:cxnSpLocks/>
+            </p:cNvCxnSpPr>
+            <p:nvPr>
+              <p:extLst>
+                <p:ext uri="{386F3935-93C4-4BCD-93E2-E3B085C9AB24}">
+                  <p16:designElem xmlns:p16="http://schemas.microsoft.com/office/powerpoint/2015/main" val="1"/>
+                </p:ext>
+              </p:extLst>
+            </p:nvPr>
+          </p:nvCxnSpPr>
+          <p:spPr>
+            <a:xfrm>
+              <a:off x="7076286" y="-1"/>
+              <a:ext cx="0" cy="6858000"/>
+            </a:xfrm>
+            <a:prstGeom prst="line">
+              <a:avLst/>
+            </a:prstGeom>
+            <a:ln w="12700">
+              <a:solidFill>
+                <a:srgbClr val="BCBCBC">
+                  <a:alpha val="29804"/>
+                </a:srgbClr>
+              </a:solidFill>
+              <a:prstDash val="sysDot"/>
+            </a:ln>
+          </p:spPr>
+          <p:style>
+            <a:lnRef idx="1">
+              <a:schemeClr val="accent1"/>
+            </a:lnRef>
+            <a:fillRef idx="0">
+              <a:schemeClr val="accent1"/>
+            </a:fillRef>
+            <a:effectRef idx="0">
+              <a:schemeClr val="accent1"/>
+            </a:effectRef>
+            <a:fontRef idx="minor">
+              <a:schemeClr val="tx1"/>
+            </a:fontRef>
+          </p:style>
+        </p:cxnSp>
+        <p:cxnSp>
+          <p:nvCxnSpPr>
+            <p:cNvPr id="22" name="Straight Connector 21">
+              <a:extLst>
+                <a:ext uri="{FF2B5EF4-FFF2-40B4-BE49-F238E27FC236}">
+                  <a16:creationId xmlns:a16="http://schemas.microsoft.com/office/drawing/2014/main" id="{BE5EC0B9-49C7-4777-AEC5-B5EF8DE40498}"/>
+                </a:ext>
+                <a:ext uri="{C183D7F6-B498-43B3-948B-1728B52AA6E4}">
+                  <adec:decorative xmlns:adec="http://schemas.microsoft.com/office/drawing/2017/decorative" val="1"/>
+                </a:ext>
+              </a:extLst>
+            </p:cNvPr>
+            <p:cNvCxnSpPr>
+              <a:cxnSpLocks/>
+            </p:cNvCxnSpPr>
+            <p:nvPr>
+              <p:extLst>
+                <p:ext uri="{386F3935-93C4-4BCD-93E2-E3B085C9AB24}">
+                  <p16:designElem xmlns:p16="http://schemas.microsoft.com/office/powerpoint/2015/main" val="1"/>
+                </p:ext>
+              </p:extLst>
+            </p:nvPr>
+          </p:nvCxnSpPr>
+          <p:spPr>
+            <a:xfrm>
+              <a:off x="8059680" y="-1"/>
+              <a:ext cx="0" cy="6858000"/>
+            </a:xfrm>
+            <a:prstGeom prst="line">
+              <a:avLst/>
+            </a:prstGeom>
+            <a:ln w="12700">
+              <a:solidFill>
+                <a:srgbClr val="BCBCBC">
+                  <a:alpha val="29804"/>
+                </a:srgbClr>
+              </a:solidFill>
+              <a:prstDash val="sysDot"/>
+            </a:ln>
+          </p:spPr>
+          <p:style>
+            <a:lnRef idx="1">
+              <a:schemeClr val="accent1"/>
+            </a:lnRef>
+            <a:fillRef idx="0">
+              <a:schemeClr val="accent1"/>
+            </a:fillRef>
+            <a:effectRef idx="0">
+              <a:schemeClr val="accent1"/>
+            </a:effectRef>
+            <a:fontRef idx="minor">
+              <a:schemeClr val="tx1"/>
+            </a:fontRef>
+          </p:style>
+        </p:cxnSp>
+        <p:cxnSp>
+          <p:nvCxnSpPr>
+            <p:cNvPr id="23" name="Straight Connector 22">
+              <a:extLst>
+                <a:ext uri="{FF2B5EF4-FFF2-40B4-BE49-F238E27FC236}">
+                  <a16:creationId xmlns:a16="http://schemas.microsoft.com/office/drawing/2014/main" id="{7902048B-30F7-4434-87A5-140F9BB4BEB1}"/>
+                </a:ext>
+                <a:ext uri="{C183D7F6-B498-43B3-948B-1728B52AA6E4}">
+                  <adec:decorative xmlns:adec="http://schemas.microsoft.com/office/drawing/2017/decorative" val="1"/>
+                </a:ext>
+              </a:extLst>
+            </p:cNvPr>
+            <p:cNvCxnSpPr>
+              <a:cxnSpLocks/>
+            </p:cNvCxnSpPr>
+            <p:nvPr>
+              <p:extLst>
+                <p:ext uri="{386F3935-93C4-4BCD-93E2-E3B085C9AB24}">
+                  <p16:designElem xmlns:p16="http://schemas.microsoft.com/office/powerpoint/2015/main" val="1"/>
+                </p:ext>
+              </p:extLst>
+            </p:nvPr>
+          </p:nvCxnSpPr>
+          <p:spPr>
+            <a:xfrm>
+              <a:off x="9043074" y="-1"/>
+              <a:ext cx="0" cy="6858000"/>
+            </a:xfrm>
+            <a:prstGeom prst="line">
+              <a:avLst/>
+            </a:prstGeom>
+            <a:ln w="12700">
+              <a:solidFill>
+                <a:srgbClr val="BCBCBC">
+                  <a:alpha val="29804"/>
+                </a:srgbClr>
+              </a:solidFill>
+              <a:prstDash val="sysDot"/>
+            </a:ln>
+          </p:spPr>
+          <p:style>
+            <a:lnRef idx="1">
+              <a:schemeClr val="accent1"/>
+            </a:lnRef>
+            <a:fillRef idx="0">
+              <a:schemeClr val="accent1"/>
+            </a:fillRef>
+            <a:effectRef idx="0">
+              <a:schemeClr val="accent1"/>
+            </a:effectRef>
+            <a:fontRef idx="minor">
+              <a:schemeClr val="tx1"/>
+            </a:fontRef>
+          </p:style>
+        </p:cxnSp>
+        <p:cxnSp>
+          <p:nvCxnSpPr>
+            <p:cNvPr id="24" name="Straight Connector 23">
+              <a:extLst>
+                <a:ext uri="{FF2B5EF4-FFF2-40B4-BE49-F238E27FC236}">
+                  <a16:creationId xmlns:a16="http://schemas.microsoft.com/office/drawing/2014/main" id="{0500A6E2-A41C-4751-8A4E-9A0C5718D930}"/>
+                </a:ext>
+                <a:ext uri="{C183D7F6-B498-43B3-948B-1728B52AA6E4}">
+                  <adec:decorative xmlns:adec="http://schemas.microsoft.com/office/drawing/2017/decorative" val="1"/>
+                </a:ext>
+              </a:extLst>
+            </p:cNvPr>
+            <p:cNvCxnSpPr>
+              <a:cxnSpLocks/>
+            </p:cNvCxnSpPr>
+            <p:nvPr>
+              <p:extLst>
+                <p:ext uri="{386F3935-93C4-4BCD-93E2-E3B085C9AB24}">
+                  <p16:designElem xmlns:p16="http://schemas.microsoft.com/office/powerpoint/2015/main" val="1"/>
+                </p:ext>
+              </p:extLst>
+            </p:nvPr>
+          </p:nvCxnSpPr>
+          <p:spPr>
+            <a:xfrm>
+              <a:off x="10026468" y="-1"/>
+              <a:ext cx="0" cy="6858000"/>
+            </a:xfrm>
+            <a:prstGeom prst="line">
+              <a:avLst/>
+            </a:prstGeom>
+            <a:ln w="12700">
+              <a:solidFill>
+                <a:srgbClr val="BCBCBC">
+                  <a:alpha val="29804"/>
+                </a:srgbClr>
+              </a:solidFill>
+              <a:prstDash val="sysDot"/>
+            </a:ln>
+          </p:spPr>
+          <p:style>
+            <a:lnRef idx="1">
+              <a:schemeClr val="accent1"/>
+            </a:lnRef>
+            <a:fillRef idx="0">
+              <a:schemeClr val="accent1"/>
+            </a:fillRef>
+            <a:effectRef idx="0">
+              <a:schemeClr val="accent1"/>
+            </a:effectRef>
+            <a:fontRef idx="minor">
+              <a:schemeClr val="tx1"/>
+            </a:fontRef>
+          </p:style>
+        </p:cxnSp>
+        <p:cxnSp>
+          <p:nvCxnSpPr>
+            <p:cNvPr id="25" name="Straight Connector 24">
+              <a:extLst>
+                <a:ext uri="{FF2B5EF4-FFF2-40B4-BE49-F238E27FC236}">
+                  <a16:creationId xmlns:a16="http://schemas.microsoft.com/office/drawing/2014/main" id="{FC259517-7BE7-45F9-81C0-3A6362BF143C}"/>
+                </a:ext>
+                <a:ext uri="{C183D7F6-B498-43B3-948B-1728B52AA6E4}">
+                  <adec:decorative xmlns:adec="http://schemas.microsoft.com/office/drawing/2017/decorative" val="1"/>
+                </a:ext>
+              </a:extLst>
+            </p:cNvPr>
+            <p:cNvCxnSpPr>
+              <a:cxnSpLocks/>
+            </p:cNvCxnSpPr>
+            <p:nvPr>
+              <p:extLst>
+                <p:ext uri="{386F3935-93C4-4BCD-93E2-E3B085C9AB24}">
+                  <p16:designElem xmlns:p16="http://schemas.microsoft.com/office/powerpoint/2015/main" val="1"/>
+                </p:ext>
+              </p:extLst>
+            </p:nvPr>
+          </p:nvCxnSpPr>
+          <p:spPr>
+            <a:xfrm>
+              <a:off x="11009862" y="-1"/>
+              <a:ext cx="0" cy="6858000"/>
+            </a:xfrm>
+            <a:prstGeom prst="line">
+              <a:avLst/>
+            </a:prstGeom>
+            <a:ln w="12700">
+              <a:solidFill>
+                <a:srgbClr val="BCBCBC">
+                  <a:alpha val="29804"/>
+                </a:srgbClr>
+              </a:solidFill>
+              <a:prstDash val="sysDot"/>
+            </a:ln>
+          </p:spPr>
+          <p:style>
+            <a:lnRef idx="1">
+              <a:schemeClr val="accent1"/>
+            </a:lnRef>
+            <a:fillRef idx="0">
+              <a:schemeClr val="accent1"/>
+            </a:fillRef>
+            <a:effectRef idx="0">
+              <a:schemeClr val="accent1"/>
+            </a:effectRef>
+            <a:fontRef idx="minor">
+              <a:schemeClr val="tx1"/>
+            </a:fontRef>
+          </p:style>
+        </p:cxnSp>
+        <p:cxnSp>
+          <p:nvCxnSpPr>
+            <p:cNvPr id="26" name="Straight Connector 25">
+              <a:extLst>
+                <a:ext uri="{FF2B5EF4-FFF2-40B4-BE49-F238E27FC236}">
+                  <a16:creationId xmlns:a16="http://schemas.microsoft.com/office/drawing/2014/main" id="{90652F56-7B71-42B2-AB68-22204A6DF177}"/>
+                </a:ext>
+                <a:ext uri="{C183D7F6-B498-43B3-948B-1728B52AA6E4}">
+                  <adec:decorative xmlns:adec="http://schemas.microsoft.com/office/drawing/2017/decorative" val="1"/>
+                </a:ext>
+              </a:extLst>
+            </p:cNvPr>
+            <p:cNvCxnSpPr>
+              <a:cxnSpLocks/>
+            </p:cNvCxnSpPr>
+            <p:nvPr>
+              <p:extLst>
+                <p:ext uri="{386F3935-93C4-4BCD-93E2-E3B085C9AB24}">
+                  <p16:designElem xmlns:p16="http://schemas.microsoft.com/office/powerpoint/2015/main" val="1"/>
+                </p:ext>
+              </p:extLst>
+            </p:nvPr>
+          </p:nvCxnSpPr>
+          <p:spPr>
+            <a:xfrm>
+              <a:off x="12185786" y="-1"/>
+              <a:ext cx="0" cy="6858000"/>
+            </a:xfrm>
+            <a:prstGeom prst="line">
+              <a:avLst/>
+            </a:prstGeom>
+            <a:ln w="12700">
+              <a:solidFill>
+                <a:srgbClr val="BCBCBC">
+                  <a:alpha val="29804"/>
+                </a:srgbClr>
+              </a:solidFill>
+              <a:prstDash val="sysDot"/>
+            </a:ln>
+          </p:spPr>
+          <p:style>
+            <a:lnRef idx="1">
+              <a:schemeClr val="accent1"/>
+            </a:lnRef>
+            <a:fillRef idx="0">
+              <a:schemeClr val="accent1"/>
+            </a:fillRef>
+            <a:effectRef idx="0">
+              <a:schemeClr val="accent1"/>
+            </a:effectRef>
+            <a:fontRef idx="minor">
+              <a:schemeClr val="tx1"/>
+            </a:fontRef>
+          </p:style>
+        </p:cxnSp>
+        <p:cxnSp>
+          <p:nvCxnSpPr>
+            <p:cNvPr id="27" name="Straight Connector 26">
+              <a:extLst>
+                <a:ext uri="{FF2B5EF4-FFF2-40B4-BE49-F238E27FC236}">
+                  <a16:creationId xmlns:a16="http://schemas.microsoft.com/office/drawing/2014/main" id="{1059830E-1C3D-4D42-8789-524971CB4657}"/>
+                </a:ext>
+                <a:ext uri="{C183D7F6-B498-43B3-948B-1728B52AA6E4}">
+                  <adec:decorative xmlns:adec="http://schemas.microsoft.com/office/drawing/2017/decorative" val="1"/>
+                </a:ext>
+              </a:extLst>
+            </p:cNvPr>
+            <p:cNvCxnSpPr>
+              <a:cxnSpLocks/>
+            </p:cNvCxnSpPr>
+            <p:nvPr>
+              <p:extLst>
+                <p:ext uri="{386F3935-93C4-4BCD-93E2-E3B085C9AB24}">
+                  <p16:designElem xmlns:p16="http://schemas.microsoft.com/office/powerpoint/2015/main" val="1"/>
+                </p:ext>
+              </p:extLst>
+            </p:nvPr>
+          </p:nvCxnSpPr>
+          <p:spPr>
+            <a:xfrm>
+              <a:off x="0" y="171716"/>
+              <a:ext cx="12192000" cy="0"/>
+            </a:xfrm>
+            <a:prstGeom prst="line">
+              <a:avLst/>
+            </a:prstGeom>
+            <a:ln w="12700">
+              <a:solidFill>
+                <a:srgbClr val="BCBCBC">
+                  <a:alpha val="29804"/>
+                </a:srgbClr>
+              </a:solidFill>
+              <a:prstDash val="sysDot"/>
+            </a:ln>
+          </p:spPr>
+          <p:style>
+            <a:lnRef idx="1">
+              <a:schemeClr val="accent1"/>
+            </a:lnRef>
+            <a:fillRef idx="0">
+              <a:schemeClr val="accent1"/>
+            </a:fillRef>
+            <a:effectRef idx="0">
+              <a:schemeClr val="accent1"/>
+            </a:effectRef>
+            <a:fontRef idx="minor">
+              <a:schemeClr val="tx1"/>
+            </a:fontRef>
+          </p:style>
+        </p:cxnSp>
+        <p:cxnSp>
+          <p:nvCxnSpPr>
+            <p:cNvPr id="28" name="Straight Connector 27">
+              <a:extLst>
+                <a:ext uri="{FF2B5EF4-FFF2-40B4-BE49-F238E27FC236}">
+                  <a16:creationId xmlns:a16="http://schemas.microsoft.com/office/drawing/2014/main" id="{B53325A7-86D3-4B52-A7E3-ADDF408B4067}"/>
+                </a:ext>
+                <a:ext uri="{C183D7F6-B498-43B3-948B-1728B52AA6E4}">
+                  <adec:decorative xmlns:adec="http://schemas.microsoft.com/office/drawing/2017/decorative" val="1"/>
+                </a:ext>
+              </a:extLst>
+            </p:cNvPr>
+            <p:cNvCxnSpPr>
+              <a:cxnSpLocks/>
+            </p:cNvCxnSpPr>
+            <p:nvPr>
+              <p:extLst>
+                <p:ext uri="{386F3935-93C4-4BCD-93E2-E3B085C9AB24}">
+                  <p16:designElem xmlns:p16="http://schemas.microsoft.com/office/powerpoint/2015/main" val="1"/>
+                </p:ext>
+              </p:extLst>
+            </p:nvPr>
+          </p:nvCxnSpPr>
+          <p:spPr>
+            <a:xfrm>
+              <a:off x="0" y="714597"/>
+              <a:ext cx="12192000" cy="0"/>
+            </a:xfrm>
+            <a:prstGeom prst="line">
+              <a:avLst/>
+            </a:prstGeom>
+            <a:ln w="12700">
+              <a:solidFill>
+                <a:srgbClr val="BCBCBC">
+                  <a:alpha val="29804"/>
+                </a:srgbClr>
+              </a:solidFill>
+              <a:prstDash val="sysDot"/>
+            </a:ln>
+          </p:spPr>
+          <p:style>
+            <a:lnRef idx="1">
+              <a:schemeClr val="accent1"/>
+            </a:lnRef>
+            <a:fillRef idx="0">
+              <a:schemeClr val="accent1"/>
+            </a:fillRef>
+            <a:effectRef idx="0">
+              <a:schemeClr val="accent1"/>
+            </a:effectRef>
+            <a:fontRef idx="minor">
+              <a:schemeClr val="tx1"/>
+            </a:fontRef>
+          </p:style>
+        </p:cxnSp>
+        <p:cxnSp>
+          <p:nvCxnSpPr>
+            <p:cNvPr id="29" name="Straight Connector 28">
+              <a:extLst>
+                <a:ext uri="{FF2B5EF4-FFF2-40B4-BE49-F238E27FC236}">
+                  <a16:creationId xmlns:a16="http://schemas.microsoft.com/office/drawing/2014/main" id="{6D53F46F-EC12-484C-A4E7-791E57687AC1}"/>
+                </a:ext>
+                <a:ext uri="{C183D7F6-B498-43B3-948B-1728B52AA6E4}">
+                  <adec:decorative xmlns:adec="http://schemas.microsoft.com/office/drawing/2017/decorative" val="1"/>
+                </a:ext>
+              </a:extLst>
+            </p:cNvPr>
+            <p:cNvCxnSpPr>
+              <a:cxnSpLocks/>
+            </p:cNvCxnSpPr>
+            <p:nvPr>
+              <p:extLst>
+                <p:ext uri="{386F3935-93C4-4BCD-93E2-E3B085C9AB24}">
+                  <p16:designElem xmlns:p16="http://schemas.microsoft.com/office/powerpoint/2015/main" val="1"/>
+                </p:ext>
+              </p:extLst>
+            </p:nvPr>
+          </p:nvCxnSpPr>
+          <p:spPr>
+            <a:xfrm>
+              <a:off x="0" y="1257478"/>
+              <a:ext cx="12192000" cy="0"/>
+            </a:xfrm>
+            <a:prstGeom prst="line">
+              <a:avLst/>
+            </a:prstGeom>
+            <a:ln w="12700">
+              <a:solidFill>
+                <a:srgbClr val="BCBCBC">
+                  <a:alpha val="29804"/>
+                </a:srgbClr>
+              </a:solidFill>
+              <a:prstDash val="sysDot"/>
+            </a:ln>
+          </p:spPr>
+          <p:style>
+            <a:lnRef idx="1">
+              <a:schemeClr val="accent1"/>
+            </a:lnRef>
+            <a:fillRef idx="0">
+              <a:schemeClr val="accent1"/>
+            </a:fillRef>
+            <a:effectRef idx="0">
+              <a:schemeClr val="accent1"/>
+            </a:effectRef>
+            <a:fontRef idx="minor">
+              <a:schemeClr val="tx1"/>
+            </a:fontRef>
+          </p:style>
+        </p:cxnSp>
+        <p:cxnSp>
+          <p:nvCxnSpPr>
+            <p:cNvPr id="30" name="Straight Connector 29">
+              <a:extLst>
+                <a:ext uri="{FF2B5EF4-FFF2-40B4-BE49-F238E27FC236}">
+                  <a16:creationId xmlns:a16="http://schemas.microsoft.com/office/drawing/2014/main" id="{464ED9CA-8950-47B8-A9ED-22B45CE15FBC}"/>
+                </a:ext>
+                <a:ext uri="{C183D7F6-B498-43B3-948B-1728B52AA6E4}">
+                  <adec:decorative xmlns:adec="http://schemas.microsoft.com/office/drawing/2017/decorative" val="1"/>
+                </a:ext>
+              </a:extLst>
+            </p:cNvPr>
+            <p:cNvCxnSpPr>
+              <a:cxnSpLocks/>
+            </p:cNvCxnSpPr>
+            <p:nvPr>
+              <p:extLst>
+                <p:ext uri="{386F3935-93C4-4BCD-93E2-E3B085C9AB24}">
+                  <p16:designElem xmlns:p16="http://schemas.microsoft.com/office/powerpoint/2015/main" val="1"/>
+                </p:ext>
+              </p:extLst>
+            </p:nvPr>
+          </p:nvCxnSpPr>
+          <p:spPr>
+            <a:xfrm>
+              <a:off x="0" y="1800359"/>
+              <a:ext cx="12192000" cy="0"/>
+            </a:xfrm>
+            <a:prstGeom prst="line">
+              <a:avLst/>
+            </a:prstGeom>
+            <a:ln w="12700">
+              <a:solidFill>
+                <a:srgbClr val="BCBCBC">
+                  <a:alpha val="29804"/>
+                </a:srgbClr>
+              </a:solidFill>
+              <a:prstDash val="sysDot"/>
+            </a:ln>
+          </p:spPr>
+          <p:style>
+            <a:lnRef idx="1">
+              <a:schemeClr val="accent1"/>
+            </a:lnRef>
+            <a:fillRef idx="0">
+              <a:schemeClr val="accent1"/>
+            </a:fillRef>
+            <a:effectRef idx="0">
+              <a:schemeClr val="accent1"/>
+            </a:effectRef>
+            <a:fontRef idx="minor">
+              <a:schemeClr val="tx1"/>
+            </a:fontRef>
+          </p:style>
+        </p:cxnSp>
+        <p:cxnSp>
+          <p:nvCxnSpPr>
+            <p:cNvPr id="31" name="Straight Connector 30">
+              <a:extLst>
+                <a:ext uri="{FF2B5EF4-FFF2-40B4-BE49-F238E27FC236}">
+                  <a16:creationId xmlns:a16="http://schemas.microsoft.com/office/drawing/2014/main" id="{E4429F7B-9FD7-438F-8ECA-3FCAD0061805}"/>
+                </a:ext>
+                <a:ext uri="{C183D7F6-B498-43B3-948B-1728B52AA6E4}">
+                  <adec:decorative xmlns:adec="http://schemas.microsoft.com/office/drawing/2017/decorative" val="1"/>
+                </a:ext>
+              </a:extLst>
+            </p:cNvPr>
+            <p:cNvCxnSpPr>
+              <a:cxnSpLocks/>
+            </p:cNvCxnSpPr>
+            <p:nvPr>
+              <p:extLst>
+                <p:ext uri="{386F3935-93C4-4BCD-93E2-E3B085C9AB24}">
+                  <p16:designElem xmlns:p16="http://schemas.microsoft.com/office/powerpoint/2015/main" val="1"/>
+                </p:ext>
+              </p:extLst>
+            </p:nvPr>
+          </p:nvCxnSpPr>
+          <p:spPr>
+            <a:xfrm>
+              <a:off x="0" y="2343240"/>
+              <a:ext cx="12192000" cy="0"/>
+            </a:xfrm>
+            <a:prstGeom prst="line">
+              <a:avLst/>
+            </a:prstGeom>
+            <a:ln w="12700">
+              <a:solidFill>
+                <a:srgbClr val="BCBCBC">
+                  <a:alpha val="29804"/>
+                </a:srgbClr>
+              </a:solidFill>
+              <a:prstDash val="sysDot"/>
+            </a:ln>
+          </p:spPr>
+          <p:style>
+            <a:lnRef idx="1">
+              <a:schemeClr val="accent1"/>
+            </a:lnRef>
+            <a:fillRef idx="0">
+              <a:schemeClr val="accent1"/>
+            </a:fillRef>
+            <a:effectRef idx="0">
+              <a:schemeClr val="accent1"/>
+            </a:effectRef>
+            <a:fontRef idx="minor">
+              <a:schemeClr val="tx1"/>
+            </a:fontRef>
+          </p:style>
+        </p:cxnSp>
+        <p:cxnSp>
+          <p:nvCxnSpPr>
+            <p:cNvPr id="32" name="Straight Connector 31">
+              <a:extLst>
+                <a:ext uri="{FF2B5EF4-FFF2-40B4-BE49-F238E27FC236}">
+                  <a16:creationId xmlns:a16="http://schemas.microsoft.com/office/drawing/2014/main" id="{0C558100-D455-4B41-890C-BCC898B2D165}"/>
+                </a:ext>
+                <a:ext uri="{C183D7F6-B498-43B3-948B-1728B52AA6E4}">
+                  <adec:decorative xmlns:adec="http://schemas.microsoft.com/office/drawing/2017/decorative" val="1"/>
+                </a:ext>
+              </a:extLst>
+            </p:cNvPr>
+            <p:cNvCxnSpPr>
+              <a:cxnSpLocks/>
+            </p:cNvCxnSpPr>
+            <p:nvPr>
+              <p:extLst>
+                <p:ext uri="{386F3935-93C4-4BCD-93E2-E3B085C9AB24}">
+                  <p16:designElem xmlns:p16="http://schemas.microsoft.com/office/powerpoint/2015/main" val="1"/>
+                </p:ext>
+              </p:extLst>
+            </p:nvPr>
+          </p:nvCxnSpPr>
+          <p:spPr>
+            <a:xfrm>
+              <a:off x="0" y="2886121"/>
+              <a:ext cx="12192000" cy="0"/>
+            </a:xfrm>
+            <a:prstGeom prst="line">
+              <a:avLst/>
+            </a:prstGeom>
+            <a:ln w="12700">
+              <a:solidFill>
+                <a:srgbClr val="BCBCBC">
+                  <a:alpha val="29804"/>
+                </a:srgbClr>
+              </a:solidFill>
+              <a:prstDash val="sysDot"/>
+            </a:ln>
+          </p:spPr>
+          <p:style>
+            <a:lnRef idx="1">
+              <a:schemeClr val="accent1"/>
+            </a:lnRef>
+            <a:fillRef idx="0">
+              <a:schemeClr val="accent1"/>
+            </a:fillRef>
+            <a:effectRef idx="0">
+              <a:schemeClr val="accent1"/>
+            </a:effectRef>
+            <a:fontRef idx="minor">
+              <a:schemeClr val="tx1"/>
+            </a:fontRef>
+          </p:style>
+        </p:cxnSp>
+        <p:cxnSp>
+          <p:nvCxnSpPr>
+            <p:cNvPr id="33" name="Straight Connector 32">
+              <a:extLst>
+                <a:ext uri="{FF2B5EF4-FFF2-40B4-BE49-F238E27FC236}">
+                  <a16:creationId xmlns:a16="http://schemas.microsoft.com/office/drawing/2014/main" id="{F2886397-398A-4318-BE16-2CBAC1902F9E}"/>
+                </a:ext>
+                <a:ext uri="{C183D7F6-B498-43B3-948B-1728B52AA6E4}">
+                  <adec:decorative xmlns:adec="http://schemas.microsoft.com/office/drawing/2017/decorative" val="1"/>
+                </a:ext>
+              </a:extLst>
+            </p:cNvPr>
+            <p:cNvCxnSpPr>
+              <a:cxnSpLocks/>
+            </p:cNvCxnSpPr>
+            <p:nvPr>
+              <p:extLst>
+                <p:ext uri="{386F3935-93C4-4BCD-93E2-E3B085C9AB24}">
+                  <p16:designElem xmlns:p16="http://schemas.microsoft.com/office/powerpoint/2015/main" val="1"/>
+                </p:ext>
+              </p:extLst>
+            </p:nvPr>
+          </p:nvCxnSpPr>
+          <p:spPr>
+            <a:xfrm>
+              <a:off x="0" y="3429002"/>
+              <a:ext cx="12192000" cy="0"/>
+            </a:xfrm>
+            <a:prstGeom prst="line">
+              <a:avLst/>
+            </a:prstGeom>
+            <a:ln w="12700">
+              <a:solidFill>
+                <a:srgbClr val="BCBCBC">
+                  <a:alpha val="29804"/>
+                </a:srgbClr>
+              </a:solidFill>
+              <a:prstDash val="sysDot"/>
+            </a:ln>
+          </p:spPr>
+          <p:style>
+            <a:lnRef idx="1">
+              <a:schemeClr val="accent1"/>
+            </a:lnRef>
+            <a:fillRef idx="0">
+              <a:schemeClr val="accent1"/>
+            </a:fillRef>
+            <a:effectRef idx="0">
+              <a:schemeClr val="accent1"/>
+            </a:effectRef>
+            <a:fontRef idx="minor">
+              <a:schemeClr val="tx1"/>
+            </a:fontRef>
+          </p:style>
+        </p:cxnSp>
+        <p:cxnSp>
+          <p:nvCxnSpPr>
+            <p:cNvPr id="34" name="Straight Connector 33">
+              <a:extLst>
+                <a:ext uri="{FF2B5EF4-FFF2-40B4-BE49-F238E27FC236}">
+                  <a16:creationId xmlns:a16="http://schemas.microsoft.com/office/drawing/2014/main" id="{7D32A3A6-CE6E-4ABD-8522-2C8DC88C070E}"/>
+                </a:ext>
+                <a:ext uri="{C183D7F6-B498-43B3-948B-1728B52AA6E4}">
+                  <adec:decorative xmlns:adec="http://schemas.microsoft.com/office/drawing/2017/decorative" val="1"/>
+                </a:ext>
+              </a:extLst>
+            </p:cNvPr>
+            <p:cNvCxnSpPr>
+              <a:cxnSpLocks/>
+            </p:cNvCxnSpPr>
+            <p:nvPr>
+              <p:extLst>
+                <p:ext uri="{386F3935-93C4-4BCD-93E2-E3B085C9AB24}">
+                  <p16:designElem xmlns:p16="http://schemas.microsoft.com/office/powerpoint/2015/main" val="1"/>
+                </p:ext>
+              </p:extLst>
+            </p:nvPr>
+          </p:nvCxnSpPr>
+          <p:spPr>
+            <a:xfrm>
+              <a:off x="0" y="3971883"/>
+              <a:ext cx="12192000" cy="0"/>
+            </a:xfrm>
+            <a:prstGeom prst="line">
+              <a:avLst/>
+            </a:prstGeom>
+            <a:ln w="12700">
+              <a:solidFill>
+                <a:srgbClr val="BCBCBC">
+                  <a:alpha val="29804"/>
+                </a:srgbClr>
+              </a:solidFill>
+              <a:prstDash val="sysDot"/>
+            </a:ln>
+          </p:spPr>
+          <p:style>
+            <a:lnRef idx="1">
+              <a:schemeClr val="accent1"/>
+            </a:lnRef>
+            <a:fillRef idx="0">
+              <a:schemeClr val="accent1"/>
+            </a:fillRef>
+            <a:effectRef idx="0">
+              <a:schemeClr val="accent1"/>
+            </a:effectRef>
+            <a:fontRef idx="minor">
+              <a:schemeClr val="tx1"/>
+            </a:fontRef>
+          </p:style>
+        </p:cxnSp>
+        <p:cxnSp>
+          <p:nvCxnSpPr>
+            <p:cNvPr id="35" name="Straight Connector 34">
+              <a:extLst>
+                <a:ext uri="{FF2B5EF4-FFF2-40B4-BE49-F238E27FC236}">
+                  <a16:creationId xmlns:a16="http://schemas.microsoft.com/office/drawing/2014/main" id="{F9014C09-5B84-4798-8BDE-C80D76E67B8E}"/>
+                </a:ext>
+                <a:ext uri="{C183D7F6-B498-43B3-948B-1728B52AA6E4}">
+                  <adec:decorative xmlns:adec="http://schemas.microsoft.com/office/drawing/2017/decorative" val="1"/>
+                </a:ext>
+              </a:extLst>
+            </p:cNvPr>
+            <p:cNvCxnSpPr>
+              <a:cxnSpLocks/>
+            </p:cNvCxnSpPr>
+            <p:nvPr>
+              <p:extLst>
+                <p:ext uri="{386F3935-93C4-4BCD-93E2-E3B085C9AB24}">
+                  <p16:designElem xmlns:p16="http://schemas.microsoft.com/office/powerpoint/2015/main" val="1"/>
+                </p:ext>
+              </p:extLst>
+            </p:nvPr>
+          </p:nvCxnSpPr>
+          <p:spPr>
+            <a:xfrm>
+              <a:off x="0" y="4514764"/>
+              <a:ext cx="12192000" cy="0"/>
+            </a:xfrm>
+            <a:prstGeom prst="line">
+              <a:avLst/>
+            </a:prstGeom>
+            <a:ln w="12700">
+              <a:solidFill>
+                <a:srgbClr val="BCBCBC">
+                  <a:alpha val="29804"/>
+                </a:srgbClr>
+              </a:solidFill>
+              <a:prstDash val="sysDot"/>
+            </a:ln>
+          </p:spPr>
+          <p:style>
+            <a:lnRef idx="1">
+              <a:schemeClr val="accent1"/>
+            </a:lnRef>
+            <a:fillRef idx="0">
+              <a:schemeClr val="accent1"/>
+            </a:fillRef>
+            <a:effectRef idx="0">
+              <a:schemeClr val="accent1"/>
+            </a:effectRef>
+            <a:fontRef idx="minor">
+              <a:schemeClr val="tx1"/>
+            </a:fontRef>
+          </p:style>
+        </p:cxnSp>
+        <p:cxnSp>
+          <p:nvCxnSpPr>
+            <p:cNvPr id="36" name="Straight Connector 35">
+              <a:extLst>
+                <a:ext uri="{FF2B5EF4-FFF2-40B4-BE49-F238E27FC236}">
+                  <a16:creationId xmlns:a16="http://schemas.microsoft.com/office/drawing/2014/main" id="{2A29EB9E-ED9D-4C69-8A26-9A7A0A830569}"/>
+                </a:ext>
+                <a:ext uri="{C183D7F6-B498-43B3-948B-1728B52AA6E4}">
+                  <adec:decorative xmlns:adec="http://schemas.microsoft.com/office/drawing/2017/decorative" val="1"/>
+                </a:ext>
+              </a:extLst>
+            </p:cNvPr>
+            <p:cNvCxnSpPr>
+              <a:cxnSpLocks/>
+            </p:cNvCxnSpPr>
+            <p:nvPr>
+              <p:extLst>
+                <p:ext uri="{386F3935-93C4-4BCD-93E2-E3B085C9AB24}">
+                  <p16:designElem xmlns:p16="http://schemas.microsoft.com/office/powerpoint/2015/main" val="1"/>
+                </p:ext>
+              </p:extLst>
+            </p:nvPr>
+          </p:nvCxnSpPr>
+          <p:spPr>
+            <a:xfrm>
+              <a:off x="0" y="5057645"/>
+              <a:ext cx="12192000" cy="0"/>
+            </a:xfrm>
+            <a:prstGeom prst="line">
+              <a:avLst/>
+            </a:prstGeom>
+            <a:ln w="12700">
+              <a:solidFill>
+                <a:srgbClr val="BCBCBC">
+                  <a:alpha val="29804"/>
+                </a:srgbClr>
+              </a:solidFill>
+              <a:prstDash val="sysDot"/>
+            </a:ln>
+          </p:spPr>
+          <p:style>
+            <a:lnRef idx="1">
+              <a:schemeClr val="accent1"/>
+            </a:lnRef>
+            <a:fillRef idx="0">
+              <a:schemeClr val="accent1"/>
+            </a:fillRef>
+            <a:effectRef idx="0">
+              <a:schemeClr val="accent1"/>
+            </a:effectRef>
+            <a:fontRef idx="minor">
+              <a:schemeClr val="tx1"/>
+            </a:fontRef>
+          </p:style>
+        </p:cxnSp>
+        <p:cxnSp>
+          <p:nvCxnSpPr>
+            <p:cNvPr id="37" name="Straight Connector 36">
+              <a:extLst>
+                <a:ext uri="{FF2B5EF4-FFF2-40B4-BE49-F238E27FC236}">
+                  <a16:creationId xmlns:a16="http://schemas.microsoft.com/office/drawing/2014/main" id="{AA2899F9-1795-416F-8F3D-26EEB684DB6A}"/>
+                </a:ext>
+                <a:ext uri="{C183D7F6-B498-43B3-948B-1728B52AA6E4}">
+                  <adec:decorative xmlns:adec="http://schemas.microsoft.com/office/drawing/2017/decorative" val="1"/>
+                </a:ext>
+              </a:extLst>
+            </p:cNvPr>
+            <p:cNvCxnSpPr>
+              <a:cxnSpLocks/>
+            </p:cNvCxnSpPr>
+            <p:nvPr>
+              <p:extLst>
+                <p:ext uri="{386F3935-93C4-4BCD-93E2-E3B085C9AB24}">
+                  <p16:designElem xmlns:p16="http://schemas.microsoft.com/office/powerpoint/2015/main" val="1"/>
+                </p:ext>
+              </p:extLst>
+            </p:nvPr>
+          </p:nvCxnSpPr>
+          <p:spPr>
+            <a:xfrm>
+              <a:off x="0" y="5600526"/>
+              <a:ext cx="12192000" cy="0"/>
+            </a:xfrm>
+            <a:prstGeom prst="line">
+              <a:avLst/>
+            </a:prstGeom>
+            <a:ln w="12700">
+              <a:solidFill>
+                <a:srgbClr val="BCBCBC">
+                  <a:alpha val="29804"/>
+                </a:srgbClr>
+              </a:solidFill>
+              <a:prstDash val="sysDot"/>
+            </a:ln>
+          </p:spPr>
+          <p:style>
+            <a:lnRef idx="1">
+              <a:schemeClr val="accent1"/>
+            </a:lnRef>
+            <a:fillRef idx="0">
+              <a:schemeClr val="accent1"/>
+            </a:fillRef>
+            <a:effectRef idx="0">
+              <a:schemeClr val="accent1"/>
+            </a:effectRef>
+            <a:fontRef idx="minor">
+              <a:schemeClr val="tx1"/>
+            </a:fontRef>
+          </p:style>
+        </p:cxnSp>
+        <p:cxnSp>
+          <p:nvCxnSpPr>
+            <p:cNvPr id="38" name="Straight Connector 37">
+              <a:extLst>
+                <a:ext uri="{FF2B5EF4-FFF2-40B4-BE49-F238E27FC236}">
+                  <a16:creationId xmlns:a16="http://schemas.microsoft.com/office/drawing/2014/main" id="{E3043474-8625-495C-BD06-3627FD286C55}"/>
+                </a:ext>
+                <a:ext uri="{C183D7F6-B498-43B3-948B-1728B52AA6E4}">
+                  <adec:decorative xmlns:adec="http://schemas.microsoft.com/office/drawing/2017/decorative" val="1"/>
+                </a:ext>
+              </a:extLst>
+            </p:cNvPr>
+            <p:cNvCxnSpPr>
+              <a:cxnSpLocks/>
+            </p:cNvCxnSpPr>
+            <p:nvPr>
+              <p:extLst>
+                <p:ext uri="{386F3935-93C4-4BCD-93E2-E3B085C9AB24}">
+                  <p16:designElem xmlns:p16="http://schemas.microsoft.com/office/powerpoint/2015/main" val="1"/>
+                </p:ext>
+              </p:extLst>
+            </p:nvPr>
+          </p:nvCxnSpPr>
+          <p:spPr>
+            <a:xfrm>
+              <a:off x="0" y="6857999"/>
+              <a:ext cx="12192000" cy="0"/>
+            </a:xfrm>
+            <a:prstGeom prst="line">
+              <a:avLst/>
+            </a:prstGeom>
+            <a:ln w="12700">
+              <a:solidFill>
+                <a:srgbClr val="BCBCBC">
+                  <a:alpha val="29804"/>
+                </a:srgbClr>
+              </a:solidFill>
+              <a:prstDash val="sysDot"/>
+            </a:ln>
+          </p:spPr>
+          <p:style>
+            <a:lnRef idx="1">
+              <a:schemeClr val="accent1"/>
+            </a:lnRef>
+            <a:fillRef idx="0">
+              <a:schemeClr val="accent1"/>
+            </a:fillRef>
+            <a:effectRef idx="0">
+              <a:schemeClr val="accent1"/>
+            </a:effectRef>
+            <a:fontRef idx="minor">
+              <a:schemeClr val="tx1"/>
+            </a:fontRef>
+          </p:style>
+        </p:cxnSp>
+        <p:cxnSp>
+          <p:nvCxnSpPr>
+            <p:cNvPr id="39" name="Straight Connector 38">
+              <a:extLst>
+                <a:ext uri="{FF2B5EF4-FFF2-40B4-BE49-F238E27FC236}">
+                  <a16:creationId xmlns:a16="http://schemas.microsoft.com/office/drawing/2014/main" id="{D432CE47-7631-408E-8DDC-79EE378B707B}"/>
+                </a:ext>
+                <a:ext uri="{C183D7F6-B498-43B3-948B-1728B52AA6E4}">
+                  <adec:decorative xmlns:adec="http://schemas.microsoft.com/office/drawing/2017/decorative" val="1"/>
+                </a:ext>
+              </a:extLst>
+            </p:cNvPr>
+            <p:cNvCxnSpPr>
+              <a:cxnSpLocks/>
+            </p:cNvCxnSpPr>
+            <p:nvPr>
+              <p:extLst>
+                <p:ext uri="{386F3935-93C4-4BCD-93E2-E3B085C9AB24}">
+                  <p16:designElem xmlns:p16="http://schemas.microsoft.com/office/powerpoint/2015/main" val="1"/>
+                </p:ext>
+              </p:extLst>
+            </p:nvPr>
+          </p:nvCxnSpPr>
+          <p:spPr>
+            <a:xfrm>
+              <a:off x="16613" y="6143407"/>
+              <a:ext cx="12192000" cy="0"/>
+            </a:xfrm>
+            <a:prstGeom prst="line">
+              <a:avLst/>
+            </a:prstGeom>
+            <a:ln w="12700">
+              <a:solidFill>
+                <a:srgbClr val="BCBCBC">
+                  <a:alpha val="29804"/>
+                </a:srgbClr>
+              </a:solidFill>
+              <a:prstDash val="sysDot"/>
+            </a:ln>
+          </p:spPr>
+          <p:style>
+            <a:lnRef idx="1">
+              <a:schemeClr val="accent1"/>
+            </a:lnRef>
+            <a:fillRef idx="0">
+              <a:schemeClr val="accent1"/>
+            </a:fillRef>
+            <a:effectRef idx="0">
+              <a:schemeClr val="accent1"/>
+            </a:effectRef>
+            <a:fontRef idx="minor">
+              <a:schemeClr val="tx1"/>
+            </a:fontRef>
+          </p:style>
+        </p:cxnSp>
+        <p:cxnSp>
+          <p:nvCxnSpPr>
+            <p:cNvPr id="40" name="Straight Connector 39">
+              <a:extLst>
+                <a:ext uri="{FF2B5EF4-FFF2-40B4-BE49-F238E27FC236}">
+                  <a16:creationId xmlns:a16="http://schemas.microsoft.com/office/drawing/2014/main" id="{B2C8832D-8B8D-4036-B913-2D363143274B}"/>
+                </a:ext>
+                <a:ext uri="{C183D7F6-B498-43B3-948B-1728B52AA6E4}">
+                  <adec:decorative xmlns:adec="http://schemas.microsoft.com/office/drawing/2017/decorative" val="1"/>
+                </a:ext>
+              </a:extLst>
+            </p:cNvPr>
+            <p:cNvCxnSpPr>
+              <a:cxnSpLocks/>
+            </p:cNvCxnSpPr>
+            <p:nvPr>
+              <p:extLst>
+                <p:ext uri="{386F3935-93C4-4BCD-93E2-E3B085C9AB24}">
+                  <p16:designElem xmlns:p16="http://schemas.microsoft.com/office/powerpoint/2015/main" val="1"/>
+                </p:ext>
+              </p:extLst>
+            </p:nvPr>
+          </p:nvCxnSpPr>
+          <p:spPr>
+            <a:xfrm>
+              <a:off x="684225" y="171716"/>
+              <a:ext cx="0" cy="6511464"/>
+            </a:xfrm>
+            <a:prstGeom prst="line">
+              <a:avLst/>
+            </a:prstGeom>
+            <a:ln w="12700">
+              <a:solidFill>
+                <a:srgbClr val="BCBCBC">
+                  <a:alpha val="29804"/>
+                </a:srgbClr>
+              </a:solidFill>
+              <a:prstDash val="sysDot"/>
+            </a:ln>
+          </p:spPr>
+          <p:style>
+            <a:lnRef idx="1">
+              <a:schemeClr val="accent1"/>
+            </a:lnRef>
+            <a:fillRef idx="0">
+              <a:schemeClr val="accent1"/>
+            </a:fillRef>
+            <a:effectRef idx="0">
+              <a:schemeClr val="accent1"/>
+            </a:effectRef>
+            <a:fontRef idx="minor">
+              <a:schemeClr val="tx1"/>
+            </a:fontRef>
+          </p:style>
+        </p:cxnSp>
+        <p:cxnSp>
+          <p:nvCxnSpPr>
+            <p:cNvPr id="41" name="Straight Connector 40">
+              <a:extLst>
+                <a:ext uri="{FF2B5EF4-FFF2-40B4-BE49-F238E27FC236}">
+                  <a16:creationId xmlns:a16="http://schemas.microsoft.com/office/drawing/2014/main" id="{1CCEFEAF-E87B-4FF2-A947-94CABAA0610D}"/>
+                </a:ext>
+                <a:ext uri="{C183D7F6-B498-43B3-948B-1728B52AA6E4}">
+                  <adec:decorative xmlns:adec="http://schemas.microsoft.com/office/drawing/2017/decorative" val="1"/>
+                </a:ext>
+              </a:extLst>
+            </p:cNvPr>
+            <p:cNvCxnSpPr>
+              <a:cxnSpLocks/>
+            </p:cNvCxnSpPr>
+            <p:nvPr>
+              <p:extLst>
+                <p:ext uri="{386F3935-93C4-4BCD-93E2-E3B085C9AB24}">
+                  <p16:designElem xmlns:p16="http://schemas.microsoft.com/office/powerpoint/2015/main" val="1"/>
+                </p:ext>
+              </p:extLst>
+            </p:nvPr>
+          </p:nvCxnSpPr>
+          <p:spPr>
+            <a:xfrm>
+              <a:off x="11508412" y="173267"/>
+              <a:ext cx="0" cy="6511464"/>
+            </a:xfrm>
+            <a:prstGeom prst="line">
+              <a:avLst/>
+            </a:prstGeom>
+            <a:ln w="12700">
+              <a:solidFill>
+                <a:srgbClr val="BCBCBC">
+                  <a:alpha val="29804"/>
+                </a:srgbClr>
+              </a:solidFill>
+              <a:prstDash val="sysDot"/>
+            </a:ln>
+          </p:spPr>
+          <p:style>
+            <a:lnRef idx="1">
+              <a:schemeClr val="accent1"/>
+            </a:lnRef>
+            <a:fillRef idx="0">
+              <a:schemeClr val="accent1"/>
+            </a:fillRef>
+            <a:effectRef idx="0">
+              <a:schemeClr val="accent1"/>
+            </a:effectRef>
+            <a:fontRef idx="minor">
+              <a:schemeClr val="tx1"/>
+            </a:fontRef>
+          </p:style>
+        </p:cxnSp>
+      </p:grpSp>
+      <p:sp>
+        <p:nvSpPr>
+          <p:cNvPr id="43" name="Right Triangle 42">
+            <a:extLst>
+              <a:ext uri="{FF2B5EF4-FFF2-40B4-BE49-F238E27FC236}">
+                <a16:creationId xmlns:a16="http://schemas.microsoft.com/office/drawing/2014/main" id="{2437C4A8-8E3A-4ADA-93B9-64737CE1ABB1}"/>
+              </a:ext>
+              <a:ext uri="{C183D7F6-B498-43B3-948B-1728B52AA6E4}">
+                <adec:decorative xmlns:adec="http://schemas.microsoft.com/office/drawing/2017/decorative" val="1"/>
+              </a:ext>
+            </a:extLst>
+          </p:cNvPr>
+          <p:cNvSpPr>
+            <a:spLocks noGrp="1" noRot="1" noChangeAspect="1" noMove="1" noResize="1" noEditPoints="1" noAdjustHandles="1" noChangeArrowheads="1" noChangeShapeType="1" noTextEdit="1"/>
+          </p:cNvSpPr>
+          <p:nvPr>
+            <p:extLst>
+              <p:ext uri="{386F3935-93C4-4BCD-93E2-E3B085C9AB24}">
+                <p16:designElem xmlns:p16="http://schemas.microsoft.com/office/powerpoint/2015/main" val="1"/>
+              </p:ext>
+            </p:extLst>
+          </p:nvPr>
+        </p:nvSpPr>
+        <p:spPr>
+          <a:xfrm rot="13500000">
+            <a:off x="-281093" y="2607907"/>
+            <a:ext cx="568289" cy="568289"/>
+          </a:xfrm>
+          <a:prstGeom prst="rtTriangle">
+            <a:avLst/>
+          </a:prstGeom>
+          <a:solidFill>
+            <a:schemeClr val="accent1">
+              <a:alpha val="50000"/>
+            </a:schemeClr>
+          </a:solidFill>
+          <a:ln>
+            <a:noFill/>
+          </a:ln>
+        </p:spPr>
+        <p:style>
+          <a:lnRef idx="2">
+            <a:schemeClr val="accent1">
+              <a:shade val="50000"/>
+            </a:schemeClr>
+          </a:lnRef>
+          <a:fillRef idx="1">
+            <a:schemeClr val="accent1"/>
+          </a:fillRef>
+          <a:effectRef idx="0">
+            <a:schemeClr val="accent1"/>
+          </a:effectRef>
+          <a:fontRef idx="minor">
+            <a:schemeClr val="lt1"/>
+          </a:fontRef>
+        </p:style>
+        <p:txBody>
+          <a:bodyPr rtlCol="0" anchor="ctr"/>
+          <a:lstStyle/>
+          <a:p>
+            <a:pPr algn="ctr"/>
+            <a:endParaRPr lang="en-US">
+              <a:solidFill>
+                <a:schemeClr val="tx1"/>
+              </a:solidFill>
+            </a:endParaRPr>
+          </a:p>
+        </p:txBody>
+      </p:sp>
+      <p:sp useBgFill="1">
+        <p:nvSpPr>
+          <p:cNvPr id="45" name="Rectangle 44">
+            <a:extLst>
+              <a:ext uri="{FF2B5EF4-FFF2-40B4-BE49-F238E27FC236}">
+                <a16:creationId xmlns:a16="http://schemas.microsoft.com/office/drawing/2014/main" id="{A173122F-D466-4F08-90FA-0038F7AC214A}"/>
+              </a:ext>
+              <a:ext uri="{C183D7F6-B498-43B3-948B-1728B52AA6E4}">
+                <adec:decorative xmlns:adec="http://schemas.microsoft.com/office/drawing/2017/decorative" val="1"/>
+              </a:ext>
+            </a:extLst>
+          </p:cNvPr>
+          <p:cNvSpPr>
+            <a:spLocks noGrp="1" noRot="1" noChangeAspect="1" noMove="1" noResize="1" noEditPoints="1" noAdjustHandles="1" noChangeArrowheads="1" noChangeShapeType="1" noTextEdit="1"/>
+          </p:cNvSpPr>
+          <p:nvPr>
+            <p:extLst>
+              <p:ext uri="{386F3935-93C4-4BCD-93E2-E3B085C9AB24}">
+                <p16:designElem xmlns:p16="http://schemas.microsoft.com/office/powerpoint/2015/main" val="1"/>
+              </p:ext>
+            </p:extLst>
+          </p:nvPr>
+        </p:nvSpPr>
+        <p:spPr>
+          <a:xfrm>
+            <a:off x="0" y="0"/>
+            <a:ext cx="12188952" cy="6858000"/>
+          </a:xfrm>
+          <a:prstGeom prst="rect">
+            <a:avLst/>
+          </a:prstGeom>
+          <a:ln>
+            <a:noFill/>
+          </a:ln>
+        </p:spPr>
+        <p:style>
+          <a:lnRef idx="2">
+            <a:schemeClr val="accent1">
+              <a:shade val="50000"/>
+            </a:schemeClr>
+          </a:lnRef>
+          <a:fillRef idx="1">
+            <a:schemeClr val="accent1"/>
+          </a:fillRef>
+          <a:effectRef idx="0">
+            <a:schemeClr val="accent1"/>
+          </a:effectRef>
+          <a:fontRef idx="minor">
+            <a:schemeClr val="lt1"/>
+          </a:fontRef>
+        </p:style>
+        <p:txBody>
+          <a:bodyPr rtlCol="0" anchor="ctr"/>
+          <a:lstStyle/>
+          <a:p>
+            <a:pPr algn="ctr"/>
+            <a:endParaRPr lang="en-US">
+              <a:solidFill>
+                <a:schemeClr val="bg1"/>
+              </a:solidFill>
+            </a:endParaRPr>
+          </a:p>
+        </p:txBody>
+      </p:sp>
+      <p:grpSp>
+        <p:nvGrpSpPr>
+          <p:cNvPr id="47" name="Group 46">
+            <a:extLst>
+              <a:ext uri="{FF2B5EF4-FFF2-40B4-BE49-F238E27FC236}">
+                <a16:creationId xmlns:a16="http://schemas.microsoft.com/office/drawing/2014/main" id="{B19EC7B8-C390-4F1B-8960-E6D32451033C}"/>
+              </a:ext>
+              <a:ext uri="{C183D7F6-B498-43B3-948B-1728B52AA6E4}">
+                <adec:decorative xmlns:adec="http://schemas.microsoft.com/office/drawing/2017/decorative" val="1"/>
+              </a:ext>
+            </a:extLst>
+          </p:cNvPr>
+          <p:cNvGrpSpPr>
+            <a:grpSpLocks noGrp="1" noUngrp="1" noRot="1" noChangeAspect="1" noMove="1" noResize="1"/>
+          </p:cNvGrpSpPr>
+          <p:nvPr>
+            <p:extLst>
+              <p:ext uri="{386F3935-93C4-4BCD-93E2-E3B085C9AB24}">
+                <p16:designElem xmlns:p16="http://schemas.microsoft.com/office/powerpoint/2015/main" val="1"/>
+              </p:ext>
+            </p:extLst>
+          </p:nvPr>
+        </p:nvGrpSpPr>
+        <p:grpSpPr>
+          <a:xfrm>
+            <a:off x="-6214" y="-1"/>
+            <a:ext cx="12214827" cy="6858000"/>
+            <a:chOff x="-6214" y="-1"/>
+            <a:chExt cx="12214827" cy="6858000"/>
+          </a:xfrm>
+        </p:grpSpPr>
+        <p:cxnSp>
+          <p:nvCxnSpPr>
+            <p:cNvPr id="48" name="Straight Connector 47">
+              <a:extLst>
+                <a:ext uri="{FF2B5EF4-FFF2-40B4-BE49-F238E27FC236}">
+                  <a16:creationId xmlns:a16="http://schemas.microsoft.com/office/drawing/2014/main" id="{7CEE1CC1-2CD0-4957-8A12-48FA80C0CC28}"/>
+                </a:ext>
+                <a:ext uri="{C183D7F6-B498-43B3-948B-1728B52AA6E4}">
+                  <adec:decorative xmlns:adec="http://schemas.microsoft.com/office/drawing/2017/decorative" val="1"/>
+                </a:ext>
+              </a:extLst>
+            </p:cNvPr>
+            <p:cNvCxnSpPr>
+              <a:cxnSpLocks/>
+            </p:cNvCxnSpPr>
+            <p:nvPr>
+              <p:extLst>
+                <p:ext uri="{386F3935-93C4-4BCD-93E2-E3B085C9AB24}">
+                  <p16:designElem xmlns:p16="http://schemas.microsoft.com/office/powerpoint/2015/main" val="1"/>
+                </p:ext>
+              </p:extLst>
+            </p:nvPr>
+          </p:nvCxnSpPr>
+          <p:spPr>
+            <a:xfrm>
+              <a:off x="-6214" y="6686283"/>
+              <a:ext cx="12192000" cy="0"/>
+            </a:xfrm>
+            <a:prstGeom prst="line">
+              <a:avLst/>
+            </a:prstGeom>
+            <a:ln w="12700">
+              <a:solidFill>
+                <a:srgbClr val="BCBCBC">
+                  <a:alpha val="29804"/>
+                </a:srgbClr>
+              </a:solidFill>
+              <a:prstDash val="sysDot"/>
+            </a:ln>
+          </p:spPr>
+          <p:style>
+            <a:lnRef idx="1">
+              <a:schemeClr val="accent1"/>
+            </a:lnRef>
+            <a:fillRef idx="0">
+              <a:schemeClr val="accent1"/>
+            </a:fillRef>
+            <a:effectRef idx="0">
+              <a:schemeClr val="accent1"/>
+            </a:effectRef>
+            <a:fontRef idx="minor">
+              <a:schemeClr val="tx1"/>
+            </a:fontRef>
+          </p:style>
+        </p:cxnSp>
+        <p:cxnSp>
+          <p:nvCxnSpPr>
+            <p:cNvPr id="49" name="Straight Connector 48">
+              <a:extLst>
+                <a:ext uri="{FF2B5EF4-FFF2-40B4-BE49-F238E27FC236}">
+                  <a16:creationId xmlns:a16="http://schemas.microsoft.com/office/drawing/2014/main" id="{34901FEB-A7C2-457B-A124-AD433B04174F}"/>
+                </a:ext>
+                <a:ext uri="{C183D7F6-B498-43B3-948B-1728B52AA6E4}">
+                  <adec:decorative xmlns:adec="http://schemas.microsoft.com/office/drawing/2017/decorative" val="1"/>
+                </a:ext>
+              </a:extLst>
+            </p:cNvPr>
+            <p:cNvCxnSpPr>
+              <a:cxnSpLocks/>
+            </p:cNvCxnSpPr>
+            <p:nvPr>
+              <p:extLst>
+                <p:ext uri="{386F3935-93C4-4BCD-93E2-E3B085C9AB24}">
+                  <p16:designElem xmlns:p16="http://schemas.microsoft.com/office/powerpoint/2015/main" val="1"/>
+                </p:ext>
+              </p:extLst>
+            </p:nvPr>
+          </p:nvCxnSpPr>
+          <p:spPr>
+            <a:xfrm>
+              <a:off x="0" y="-1"/>
+              <a:ext cx="0" cy="6858000"/>
+            </a:xfrm>
+            <a:prstGeom prst="line">
+              <a:avLst/>
+            </a:prstGeom>
+            <a:ln w="12700">
+              <a:solidFill>
+                <a:srgbClr val="BCBCBC">
+                  <a:alpha val="29804"/>
+                </a:srgbClr>
+              </a:solidFill>
+              <a:prstDash val="sysDot"/>
+            </a:ln>
+          </p:spPr>
+          <p:style>
+            <a:lnRef idx="1">
+              <a:schemeClr val="accent1"/>
+            </a:lnRef>
+            <a:fillRef idx="0">
+              <a:schemeClr val="accent1"/>
+            </a:fillRef>
+            <a:effectRef idx="0">
+              <a:schemeClr val="accent1"/>
+            </a:effectRef>
+            <a:fontRef idx="minor">
+              <a:schemeClr val="tx1"/>
+            </a:fontRef>
+          </p:style>
+        </p:cxnSp>
+        <p:cxnSp>
+          <p:nvCxnSpPr>
+            <p:cNvPr id="50" name="Straight Connector 49">
+              <a:extLst>
+                <a:ext uri="{FF2B5EF4-FFF2-40B4-BE49-F238E27FC236}">
+                  <a16:creationId xmlns:a16="http://schemas.microsoft.com/office/drawing/2014/main" id="{C76048A8-79AA-454C-BD3E-3004F742681C}"/>
+                </a:ext>
+                <a:ext uri="{C183D7F6-B498-43B3-948B-1728B52AA6E4}">
+                  <adec:decorative xmlns:adec="http://schemas.microsoft.com/office/drawing/2017/decorative" val="1"/>
+                </a:ext>
+              </a:extLst>
+            </p:cNvPr>
+            <p:cNvCxnSpPr>
+              <a:cxnSpLocks/>
+            </p:cNvCxnSpPr>
+            <p:nvPr>
+              <p:extLst>
+                <p:ext uri="{386F3935-93C4-4BCD-93E2-E3B085C9AB24}">
+                  <p16:designElem xmlns:p16="http://schemas.microsoft.com/office/powerpoint/2015/main" val="1"/>
+                </p:ext>
+              </p:extLst>
+            </p:nvPr>
+          </p:nvCxnSpPr>
+          <p:spPr>
+            <a:xfrm>
+              <a:off x="11993258" y="-1"/>
+              <a:ext cx="0" cy="6858000"/>
+            </a:xfrm>
+            <a:prstGeom prst="line">
+              <a:avLst/>
+            </a:prstGeom>
+            <a:ln w="12700">
+              <a:solidFill>
+                <a:srgbClr val="BCBCBC">
+                  <a:alpha val="29804"/>
+                </a:srgbClr>
+              </a:solidFill>
+              <a:prstDash val="sysDot"/>
+            </a:ln>
+          </p:spPr>
+          <p:style>
+            <a:lnRef idx="1">
+              <a:schemeClr val="accent1"/>
+            </a:lnRef>
+            <a:fillRef idx="0">
+              <a:schemeClr val="accent1"/>
+            </a:fillRef>
+            <a:effectRef idx="0">
+              <a:schemeClr val="accent1"/>
+            </a:effectRef>
+            <a:fontRef idx="minor">
+              <a:schemeClr val="tx1"/>
+            </a:fontRef>
+          </p:style>
+        </p:cxnSp>
+        <p:cxnSp>
+          <p:nvCxnSpPr>
+            <p:cNvPr id="51" name="Straight Connector 50">
+              <a:extLst>
+                <a:ext uri="{FF2B5EF4-FFF2-40B4-BE49-F238E27FC236}">
+                  <a16:creationId xmlns:a16="http://schemas.microsoft.com/office/drawing/2014/main" id="{77B51975-25FE-4328-9815-2AA302F28ABA}"/>
+                </a:ext>
+                <a:ext uri="{C183D7F6-B498-43B3-948B-1728B52AA6E4}">
+                  <adec:decorative xmlns:adec="http://schemas.microsoft.com/office/drawing/2017/decorative" val="1"/>
+                </a:ext>
+              </a:extLst>
+            </p:cNvPr>
+            <p:cNvCxnSpPr>
+              <a:cxnSpLocks/>
+            </p:cNvCxnSpPr>
+            <p:nvPr>
+              <p:extLst>
+                <p:ext uri="{386F3935-93C4-4BCD-93E2-E3B085C9AB24}">
+                  <p16:designElem xmlns:p16="http://schemas.microsoft.com/office/powerpoint/2015/main" val="1"/>
+                </p:ext>
+              </p:extLst>
+            </p:nvPr>
+          </p:nvCxnSpPr>
+          <p:spPr>
+            <a:xfrm>
+              <a:off x="192528" y="-1"/>
+              <a:ext cx="0" cy="6858000"/>
+            </a:xfrm>
+            <a:prstGeom prst="line">
+              <a:avLst/>
+            </a:prstGeom>
+            <a:ln w="12700">
+              <a:solidFill>
+                <a:srgbClr val="BCBCBC">
+                  <a:alpha val="29804"/>
+                </a:srgbClr>
+              </a:solidFill>
+              <a:prstDash val="sysDot"/>
+            </a:ln>
+          </p:spPr>
+          <p:style>
+            <a:lnRef idx="1">
+              <a:schemeClr val="accent1"/>
+            </a:lnRef>
+            <a:fillRef idx="0">
+              <a:schemeClr val="accent1"/>
+            </a:fillRef>
+            <a:effectRef idx="0">
+              <a:schemeClr val="accent1"/>
+            </a:effectRef>
+            <a:fontRef idx="minor">
+              <a:schemeClr val="tx1"/>
+            </a:fontRef>
+          </p:style>
+        </p:cxnSp>
+        <p:cxnSp>
+          <p:nvCxnSpPr>
+            <p:cNvPr id="52" name="Straight Connector 51">
+              <a:extLst>
+                <a:ext uri="{FF2B5EF4-FFF2-40B4-BE49-F238E27FC236}">
+                  <a16:creationId xmlns:a16="http://schemas.microsoft.com/office/drawing/2014/main" id="{B440B47E-6D3E-4978-B887-B53DA0BFF556}"/>
+                </a:ext>
+                <a:ext uri="{C183D7F6-B498-43B3-948B-1728B52AA6E4}">
+                  <adec:decorative xmlns:adec="http://schemas.microsoft.com/office/drawing/2017/decorative" val="1"/>
+                </a:ext>
+              </a:extLst>
+            </p:cNvPr>
+            <p:cNvCxnSpPr>
+              <a:cxnSpLocks/>
+            </p:cNvCxnSpPr>
+            <p:nvPr>
+              <p:extLst>
+                <p:ext uri="{386F3935-93C4-4BCD-93E2-E3B085C9AB24}">
+                  <p16:designElem xmlns:p16="http://schemas.microsoft.com/office/powerpoint/2015/main" val="1"/>
+                </p:ext>
+              </p:extLst>
+            </p:nvPr>
+          </p:nvCxnSpPr>
+          <p:spPr>
+            <a:xfrm>
+              <a:off x="1175922" y="-1"/>
+              <a:ext cx="0" cy="6858000"/>
+            </a:xfrm>
+            <a:prstGeom prst="line">
+              <a:avLst/>
+            </a:prstGeom>
+            <a:ln w="12700">
+              <a:solidFill>
+                <a:srgbClr val="BCBCBC">
+                  <a:alpha val="29804"/>
+                </a:srgbClr>
+              </a:solidFill>
+              <a:prstDash val="sysDot"/>
+            </a:ln>
+          </p:spPr>
+          <p:style>
+            <a:lnRef idx="1">
+              <a:schemeClr val="accent1"/>
+            </a:lnRef>
+            <a:fillRef idx="0">
+              <a:schemeClr val="accent1"/>
+            </a:fillRef>
+            <a:effectRef idx="0">
+              <a:schemeClr val="accent1"/>
+            </a:effectRef>
+            <a:fontRef idx="minor">
+              <a:schemeClr val="tx1"/>
+            </a:fontRef>
+          </p:style>
+        </p:cxnSp>
+        <p:cxnSp>
+          <p:nvCxnSpPr>
+            <p:cNvPr id="53" name="Straight Connector 52">
+              <a:extLst>
+                <a:ext uri="{FF2B5EF4-FFF2-40B4-BE49-F238E27FC236}">
+                  <a16:creationId xmlns:a16="http://schemas.microsoft.com/office/drawing/2014/main" id="{FD94D0A1-D760-40DE-B758-008B93D588B5}"/>
+                </a:ext>
+                <a:ext uri="{C183D7F6-B498-43B3-948B-1728B52AA6E4}">
+                  <adec:decorative xmlns:adec="http://schemas.microsoft.com/office/drawing/2017/decorative" val="1"/>
+                </a:ext>
+              </a:extLst>
+            </p:cNvPr>
+            <p:cNvCxnSpPr>
+              <a:cxnSpLocks/>
+            </p:cNvCxnSpPr>
+            <p:nvPr>
+              <p:extLst>
+                <p:ext uri="{386F3935-93C4-4BCD-93E2-E3B085C9AB24}">
+                  <p16:designElem xmlns:p16="http://schemas.microsoft.com/office/powerpoint/2015/main" val="1"/>
+                </p:ext>
+              </p:extLst>
+            </p:nvPr>
+          </p:nvCxnSpPr>
+          <p:spPr>
+            <a:xfrm>
+              <a:off x="2159316" y="-1"/>
+              <a:ext cx="0" cy="6858000"/>
+            </a:xfrm>
+            <a:prstGeom prst="line">
+              <a:avLst/>
+            </a:prstGeom>
+            <a:ln w="12700">
+              <a:solidFill>
+                <a:srgbClr val="BCBCBC">
+                  <a:alpha val="29804"/>
+                </a:srgbClr>
+              </a:solidFill>
+              <a:prstDash val="sysDot"/>
+            </a:ln>
+          </p:spPr>
+          <p:style>
+            <a:lnRef idx="1">
+              <a:schemeClr val="accent1"/>
+            </a:lnRef>
+            <a:fillRef idx="0">
+              <a:schemeClr val="accent1"/>
+            </a:fillRef>
+            <a:effectRef idx="0">
+              <a:schemeClr val="accent1"/>
+            </a:effectRef>
+            <a:fontRef idx="minor">
+              <a:schemeClr val="tx1"/>
+            </a:fontRef>
+          </p:style>
+        </p:cxnSp>
+        <p:cxnSp>
+          <p:nvCxnSpPr>
+            <p:cNvPr id="54" name="Straight Connector 53">
+              <a:extLst>
+                <a:ext uri="{FF2B5EF4-FFF2-40B4-BE49-F238E27FC236}">
+                  <a16:creationId xmlns:a16="http://schemas.microsoft.com/office/drawing/2014/main" id="{F9E590CB-0538-40D7-9CAC-1BBD39CC278D}"/>
+                </a:ext>
+                <a:ext uri="{C183D7F6-B498-43B3-948B-1728B52AA6E4}">
+                  <adec:decorative xmlns:adec="http://schemas.microsoft.com/office/drawing/2017/decorative" val="1"/>
+                </a:ext>
+              </a:extLst>
+            </p:cNvPr>
+            <p:cNvCxnSpPr>
+              <a:cxnSpLocks/>
+            </p:cNvCxnSpPr>
+            <p:nvPr>
+              <p:extLst>
+                <p:ext uri="{386F3935-93C4-4BCD-93E2-E3B085C9AB24}">
+                  <p16:designElem xmlns:p16="http://schemas.microsoft.com/office/powerpoint/2015/main" val="1"/>
+                </p:ext>
+              </p:extLst>
+            </p:nvPr>
+          </p:nvCxnSpPr>
+          <p:spPr>
+            <a:xfrm>
+              <a:off x="3142710" y="-1"/>
+              <a:ext cx="0" cy="6858000"/>
+            </a:xfrm>
+            <a:prstGeom prst="line">
+              <a:avLst/>
+            </a:prstGeom>
+            <a:ln w="12700">
+              <a:solidFill>
+                <a:srgbClr val="BCBCBC">
+                  <a:alpha val="29804"/>
+                </a:srgbClr>
+              </a:solidFill>
+              <a:prstDash val="sysDot"/>
+            </a:ln>
+          </p:spPr>
+          <p:style>
+            <a:lnRef idx="1">
+              <a:schemeClr val="accent1"/>
+            </a:lnRef>
+            <a:fillRef idx="0">
+              <a:schemeClr val="accent1"/>
+            </a:fillRef>
+            <a:effectRef idx="0">
+              <a:schemeClr val="accent1"/>
+            </a:effectRef>
+            <a:fontRef idx="minor">
+              <a:schemeClr val="tx1"/>
+            </a:fontRef>
+          </p:style>
+        </p:cxnSp>
+        <p:cxnSp>
+          <p:nvCxnSpPr>
+            <p:cNvPr id="55" name="Straight Connector 54">
+              <a:extLst>
+                <a:ext uri="{FF2B5EF4-FFF2-40B4-BE49-F238E27FC236}">
+                  <a16:creationId xmlns:a16="http://schemas.microsoft.com/office/drawing/2014/main" id="{5D7C67DA-B2AA-46E2-8065-1F862A6F7233}"/>
+                </a:ext>
+                <a:ext uri="{C183D7F6-B498-43B3-948B-1728B52AA6E4}">
+                  <adec:decorative xmlns:adec="http://schemas.microsoft.com/office/drawing/2017/decorative" val="1"/>
+                </a:ext>
+              </a:extLst>
+            </p:cNvPr>
+            <p:cNvCxnSpPr>
+              <a:cxnSpLocks/>
+            </p:cNvCxnSpPr>
+            <p:nvPr>
+              <p:extLst>
+                <p:ext uri="{386F3935-93C4-4BCD-93E2-E3B085C9AB24}">
+                  <p16:designElem xmlns:p16="http://schemas.microsoft.com/office/powerpoint/2015/main" val="1"/>
+                </p:ext>
+              </p:extLst>
+            </p:nvPr>
+          </p:nvCxnSpPr>
+          <p:spPr>
+            <a:xfrm>
+              <a:off x="4126104" y="-1"/>
+              <a:ext cx="0" cy="6858000"/>
+            </a:xfrm>
+            <a:prstGeom prst="line">
+              <a:avLst/>
+            </a:prstGeom>
+            <a:ln w="12700">
+              <a:solidFill>
+                <a:srgbClr val="BCBCBC">
+                  <a:alpha val="29804"/>
+                </a:srgbClr>
+              </a:solidFill>
+              <a:prstDash val="sysDot"/>
+            </a:ln>
+          </p:spPr>
+          <p:style>
+            <a:lnRef idx="1">
+              <a:schemeClr val="accent1"/>
+            </a:lnRef>
+            <a:fillRef idx="0">
+              <a:schemeClr val="accent1"/>
+            </a:fillRef>
+            <a:effectRef idx="0">
+              <a:schemeClr val="accent1"/>
+            </a:effectRef>
+            <a:fontRef idx="minor">
+              <a:schemeClr val="tx1"/>
+            </a:fontRef>
+          </p:style>
+        </p:cxnSp>
+        <p:cxnSp>
+          <p:nvCxnSpPr>
+            <p:cNvPr id="56" name="Straight Connector 55">
+              <a:extLst>
+                <a:ext uri="{FF2B5EF4-FFF2-40B4-BE49-F238E27FC236}">
+                  <a16:creationId xmlns:a16="http://schemas.microsoft.com/office/drawing/2014/main" id="{C0C2ED54-1B65-4F4A-B14B-41FC05B372B2}"/>
+                </a:ext>
+                <a:ext uri="{C183D7F6-B498-43B3-948B-1728B52AA6E4}">
+                  <adec:decorative xmlns:adec="http://schemas.microsoft.com/office/drawing/2017/decorative" val="1"/>
+                </a:ext>
+              </a:extLst>
+            </p:cNvPr>
+            <p:cNvCxnSpPr>
+              <a:cxnSpLocks/>
+            </p:cNvCxnSpPr>
+            <p:nvPr>
+              <p:extLst>
+                <p:ext uri="{386F3935-93C4-4BCD-93E2-E3B085C9AB24}">
+                  <p16:designElem xmlns:p16="http://schemas.microsoft.com/office/powerpoint/2015/main" val="1"/>
+                </p:ext>
+              </p:extLst>
+            </p:nvPr>
+          </p:nvCxnSpPr>
+          <p:spPr>
+            <a:xfrm>
+              <a:off x="5109498" y="-1"/>
+              <a:ext cx="0" cy="6858000"/>
+            </a:xfrm>
+            <a:prstGeom prst="line">
+              <a:avLst/>
+            </a:prstGeom>
+            <a:ln w="12700">
+              <a:solidFill>
+                <a:srgbClr val="BCBCBC">
+                  <a:alpha val="29804"/>
+                </a:srgbClr>
+              </a:solidFill>
+              <a:prstDash val="sysDot"/>
+            </a:ln>
+          </p:spPr>
+          <p:style>
+            <a:lnRef idx="1">
+              <a:schemeClr val="accent1"/>
+            </a:lnRef>
+            <a:fillRef idx="0">
+              <a:schemeClr val="accent1"/>
+            </a:fillRef>
+            <a:effectRef idx="0">
+              <a:schemeClr val="accent1"/>
+            </a:effectRef>
+            <a:fontRef idx="minor">
+              <a:schemeClr val="tx1"/>
+            </a:fontRef>
+          </p:style>
+        </p:cxnSp>
+        <p:cxnSp>
+          <p:nvCxnSpPr>
+            <p:cNvPr id="57" name="Straight Connector 56">
+              <a:extLst>
+                <a:ext uri="{FF2B5EF4-FFF2-40B4-BE49-F238E27FC236}">
+                  <a16:creationId xmlns:a16="http://schemas.microsoft.com/office/drawing/2014/main" id="{EAE5BBBC-F576-4D54-BF67-C00BB1F4F98F}"/>
+                </a:ext>
+                <a:ext uri="{C183D7F6-B498-43B3-948B-1728B52AA6E4}">
+                  <adec:decorative xmlns:adec="http://schemas.microsoft.com/office/drawing/2017/decorative" val="1"/>
+                </a:ext>
+              </a:extLst>
+            </p:cNvPr>
+            <p:cNvCxnSpPr>
+              <a:cxnSpLocks/>
+            </p:cNvCxnSpPr>
+            <p:nvPr>
+              <p:extLst>
+                <p:ext uri="{386F3935-93C4-4BCD-93E2-E3B085C9AB24}">
+                  <p16:designElem xmlns:p16="http://schemas.microsoft.com/office/powerpoint/2015/main" val="1"/>
+                </p:ext>
+              </p:extLst>
+            </p:nvPr>
+          </p:nvCxnSpPr>
+          <p:spPr>
+            <a:xfrm>
+              <a:off x="6092892" y="-1"/>
+              <a:ext cx="0" cy="6858000"/>
+            </a:xfrm>
+            <a:prstGeom prst="line">
+              <a:avLst/>
+            </a:prstGeom>
+            <a:ln w="12700">
+              <a:solidFill>
+                <a:srgbClr val="BCBCBC">
+                  <a:alpha val="29804"/>
+                </a:srgbClr>
+              </a:solidFill>
+              <a:prstDash val="sysDot"/>
+            </a:ln>
+          </p:spPr>
+          <p:style>
+            <a:lnRef idx="1">
+              <a:schemeClr val="accent1"/>
+            </a:lnRef>
+            <a:fillRef idx="0">
+              <a:schemeClr val="accent1"/>
+            </a:fillRef>
+            <a:effectRef idx="0">
+              <a:schemeClr val="accent1"/>
+            </a:effectRef>
+            <a:fontRef idx="minor">
+              <a:schemeClr val="tx1"/>
+            </a:fontRef>
+          </p:style>
+        </p:cxnSp>
+        <p:cxnSp>
+          <p:nvCxnSpPr>
+            <p:cNvPr id="58" name="Straight Connector 57">
+              <a:extLst>
+                <a:ext uri="{FF2B5EF4-FFF2-40B4-BE49-F238E27FC236}">
+                  <a16:creationId xmlns:a16="http://schemas.microsoft.com/office/drawing/2014/main" id="{90D490E7-12F8-40DC-A9C1-D119667EEF41}"/>
+                </a:ext>
+                <a:ext uri="{C183D7F6-B498-43B3-948B-1728B52AA6E4}">
+                  <adec:decorative xmlns:adec="http://schemas.microsoft.com/office/drawing/2017/decorative" val="1"/>
+                </a:ext>
+              </a:extLst>
+            </p:cNvPr>
+            <p:cNvCxnSpPr>
+              <a:cxnSpLocks/>
+            </p:cNvCxnSpPr>
+            <p:nvPr>
+              <p:extLst>
+                <p:ext uri="{386F3935-93C4-4BCD-93E2-E3B085C9AB24}">
+                  <p16:designElem xmlns:p16="http://schemas.microsoft.com/office/powerpoint/2015/main" val="1"/>
+                </p:ext>
+              </p:extLst>
+            </p:nvPr>
+          </p:nvCxnSpPr>
+          <p:spPr>
+            <a:xfrm>
+              <a:off x="7076286" y="-1"/>
+              <a:ext cx="0" cy="6858000"/>
+            </a:xfrm>
+            <a:prstGeom prst="line">
+              <a:avLst/>
+            </a:prstGeom>
+            <a:ln w="12700">
+              <a:solidFill>
+                <a:srgbClr val="BCBCBC">
+                  <a:alpha val="29804"/>
+                </a:srgbClr>
+              </a:solidFill>
+              <a:prstDash val="sysDot"/>
+            </a:ln>
+          </p:spPr>
+          <p:style>
+            <a:lnRef idx="1">
+              <a:schemeClr val="accent1"/>
+            </a:lnRef>
+            <a:fillRef idx="0">
+              <a:schemeClr val="accent1"/>
+            </a:fillRef>
+            <a:effectRef idx="0">
+              <a:schemeClr val="accent1"/>
+            </a:effectRef>
+            <a:fontRef idx="minor">
+              <a:schemeClr val="tx1"/>
+            </a:fontRef>
+          </p:style>
+        </p:cxnSp>
+        <p:cxnSp>
+          <p:nvCxnSpPr>
+            <p:cNvPr id="59" name="Straight Connector 58">
+              <a:extLst>
+                <a:ext uri="{FF2B5EF4-FFF2-40B4-BE49-F238E27FC236}">
+                  <a16:creationId xmlns:a16="http://schemas.microsoft.com/office/drawing/2014/main" id="{6C855383-9F21-4BDA-8FCA-22AF3D69FFC3}"/>
+                </a:ext>
+                <a:ext uri="{C183D7F6-B498-43B3-948B-1728B52AA6E4}">
+                  <adec:decorative xmlns:adec="http://schemas.microsoft.com/office/drawing/2017/decorative" val="1"/>
+                </a:ext>
+              </a:extLst>
+            </p:cNvPr>
+            <p:cNvCxnSpPr>
+              <a:cxnSpLocks/>
+            </p:cNvCxnSpPr>
+            <p:nvPr>
+              <p:extLst>
+                <p:ext uri="{386F3935-93C4-4BCD-93E2-E3B085C9AB24}">
+                  <p16:designElem xmlns:p16="http://schemas.microsoft.com/office/powerpoint/2015/main" val="1"/>
+                </p:ext>
+              </p:extLst>
+            </p:nvPr>
+          </p:nvCxnSpPr>
+          <p:spPr>
+            <a:xfrm>
+              <a:off x="8059680" y="-1"/>
+              <a:ext cx="0" cy="6858000"/>
+            </a:xfrm>
+            <a:prstGeom prst="line">
+              <a:avLst/>
+            </a:prstGeom>
+            <a:ln w="12700">
+              <a:solidFill>
+                <a:srgbClr val="BCBCBC">
+                  <a:alpha val="29804"/>
+                </a:srgbClr>
+              </a:solidFill>
+              <a:prstDash val="sysDot"/>
+            </a:ln>
+          </p:spPr>
+          <p:style>
+            <a:lnRef idx="1">
+              <a:schemeClr val="accent1"/>
+            </a:lnRef>
+            <a:fillRef idx="0">
+              <a:schemeClr val="accent1"/>
+            </a:fillRef>
+            <a:effectRef idx="0">
+              <a:schemeClr val="accent1"/>
+            </a:effectRef>
+            <a:fontRef idx="minor">
+              <a:schemeClr val="tx1"/>
+            </a:fontRef>
+          </p:style>
+        </p:cxnSp>
+        <p:cxnSp>
+          <p:nvCxnSpPr>
+            <p:cNvPr id="60" name="Straight Connector 59">
+              <a:extLst>
+                <a:ext uri="{FF2B5EF4-FFF2-40B4-BE49-F238E27FC236}">
+                  <a16:creationId xmlns:a16="http://schemas.microsoft.com/office/drawing/2014/main" id="{FC3E600C-E08A-418E-B30E-2B0FC15DF960}"/>
+                </a:ext>
+                <a:ext uri="{C183D7F6-B498-43B3-948B-1728B52AA6E4}">
+                  <adec:decorative xmlns:adec="http://schemas.microsoft.com/office/drawing/2017/decorative" val="1"/>
+                </a:ext>
+              </a:extLst>
+            </p:cNvPr>
+            <p:cNvCxnSpPr>
+              <a:cxnSpLocks/>
+            </p:cNvCxnSpPr>
+            <p:nvPr>
+              <p:extLst>
+                <p:ext uri="{386F3935-93C4-4BCD-93E2-E3B085C9AB24}">
+                  <p16:designElem xmlns:p16="http://schemas.microsoft.com/office/powerpoint/2015/main" val="1"/>
+                </p:ext>
+              </p:extLst>
+            </p:nvPr>
+          </p:nvCxnSpPr>
+          <p:spPr>
+            <a:xfrm>
+              <a:off x="9043074" y="-1"/>
+              <a:ext cx="0" cy="6858000"/>
+            </a:xfrm>
+            <a:prstGeom prst="line">
+              <a:avLst/>
+            </a:prstGeom>
+            <a:ln w="12700">
+              <a:solidFill>
+                <a:srgbClr val="BCBCBC">
+                  <a:alpha val="29804"/>
+                </a:srgbClr>
+              </a:solidFill>
+              <a:prstDash val="sysDot"/>
+            </a:ln>
+          </p:spPr>
+          <p:style>
+            <a:lnRef idx="1">
+              <a:schemeClr val="accent1"/>
+            </a:lnRef>
+            <a:fillRef idx="0">
+              <a:schemeClr val="accent1"/>
+            </a:fillRef>
+            <a:effectRef idx="0">
+              <a:schemeClr val="accent1"/>
+            </a:effectRef>
+            <a:fontRef idx="minor">
+              <a:schemeClr val="tx1"/>
+            </a:fontRef>
+          </p:style>
+        </p:cxnSp>
+        <p:cxnSp>
+          <p:nvCxnSpPr>
+            <p:cNvPr id="61" name="Straight Connector 60">
+              <a:extLst>
+                <a:ext uri="{FF2B5EF4-FFF2-40B4-BE49-F238E27FC236}">
+                  <a16:creationId xmlns:a16="http://schemas.microsoft.com/office/drawing/2014/main" id="{E980D58F-BD3F-4B47-9BD2-888B0D9D1977}"/>
+                </a:ext>
+                <a:ext uri="{C183D7F6-B498-43B3-948B-1728B52AA6E4}">
+                  <adec:decorative xmlns:adec="http://schemas.microsoft.com/office/drawing/2017/decorative" val="1"/>
+                </a:ext>
+              </a:extLst>
+            </p:cNvPr>
+            <p:cNvCxnSpPr>
+              <a:cxnSpLocks/>
+            </p:cNvCxnSpPr>
+            <p:nvPr>
+              <p:extLst>
+                <p:ext uri="{386F3935-93C4-4BCD-93E2-E3B085C9AB24}">
+                  <p16:designElem xmlns:p16="http://schemas.microsoft.com/office/powerpoint/2015/main" val="1"/>
+                </p:ext>
+              </p:extLst>
+            </p:nvPr>
+          </p:nvCxnSpPr>
+          <p:spPr>
+            <a:xfrm>
+              <a:off x="10026468" y="-1"/>
+              <a:ext cx="0" cy="6858000"/>
+            </a:xfrm>
+            <a:prstGeom prst="line">
+              <a:avLst/>
+            </a:prstGeom>
+            <a:ln w="12700">
+              <a:solidFill>
+                <a:srgbClr val="BCBCBC">
+                  <a:alpha val="29804"/>
+                </a:srgbClr>
+              </a:solidFill>
+              <a:prstDash val="sysDot"/>
+            </a:ln>
+          </p:spPr>
+          <p:style>
+            <a:lnRef idx="1">
+              <a:schemeClr val="accent1"/>
+            </a:lnRef>
+            <a:fillRef idx="0">
+              <a:schemeClr val="accent1"/>
+            </a:fillRef>
+            <a:effectRef idx="0">
+              <a:schemeClr val="accent1"/>
+            </a:effectRef>
+            <a:fontRef idx="minor">
+              <a:schemeClr val="tx1"/>
+            </a:fontRef>
+          </p:style>
+        </p:cxnSp>
+        <p:cxnSp>
+          <p:nvCxnSpPr>
+            <p:cNvPr id="62" name="Straight Connector 61">
+              <a:extLst>
+                <a:ext uri="{FF2B5EF4-FFF2-40B4-BE49-F238E27FC236}">
+                  <a16:creationId xmlns:a16="http://schemas.microsoft.com/office/drawing/2014/main" id="{43544818-9B28-4A71-8D7B-80727A532626}"/>
+                </a:ext>
+                <a:ext uri="{C183D7F6-B498-43B3-948B-1728B52AA6E4}">
+                  <adec:decorative xmlns:adec="http://schemas.microsoft.com/office/drawing/2017/decorative" val="1"/>
+                </a:ext>
+              </a:extLst>
+            </p:cNvPr>
+            <p:cNvCxnSpPr>
+              <a:cxnSpLocks/>
+            </p:cNvCxnSpPr>
+            <p:nvPr>
+              <p:extLst>
+                <p:ext uri="{386F3935-93C4-4BCD-93E2-E3B085C9AB24}">
+                  <p16:designElem xmlns:p16="http://schemas.microsoft.com/office/powerpoint/2015/main" val="1"/>
+                </p:ext>
+              </p:extLst>
+            </p:nvPr>
+          </p:nvCxnSpPr>
+          <p:spPr>
+            <a:xfrm>
+              <a:off x="11009862" y="-1"/>
+              <a:ext cx="0" cy="6858000"/>
+            </a:xfrm>
+            <a:prstGeom prst="line">
+              <a:avLst/>
+            </a:prstGeom>
+            <a:ln w="12700">
+              <a:solidFill>
+                <a:srgbClr val="BCBCBC">
+                  <a:alpha val="29804"/>
+                </a:srgbClr>
+              </a:solidFill>
+              <a:prstDash val="sysDot"/>
+            </a:ln>
+          </p:spPr>
+          <p:style>
+            <a:lnRef idx="1">
+              <a:schemeClr val="accent1"/>
+            </a:lnRef>
+            <a:fillRef idx="0">
+              <a:schemeClr val="accent1"/>
+            </a:fillRef>
+            <a:effectRef idx="0">
+              <a:schemeClr val="accent1"/>
+            </a:effectRef>
+            <a:fontRef idx="minor">
+              <a:schemeClr val="tx1"/>
+            </a:fontRef>
+          </p:style>
+        </p:cxnSp>
+        <p:cxnSp>
+          <p:nvCxnSpPr>
+            <p:cNvPr id="63" name="Straight Connector 62">
+              <a:extLst>
+                <a:ext uri="{FF2B5EF4-FFF2-40B4-BE49-F238E27FC236}">
+                  <a16:creationId xmlns:a16="http://schemas.microsoft.com/office/drawing/2014/main" id="{101FFBC7-035F-48C5-91FA-4A4973FCD6E0}"/>
+                </a:ext>
+                <a:ext uri="{C183D7F6-B498-43B3-948B-1728B52AA6E4}">
+                  <adec:decorative xmlns:adec="http://schemas.microsoft.com/office/drawing/2017/decorative" val="1"/>
+                </a:ext>
+              </a:extLst>
+            </p:cNvPr>
+            <p:cNvCxnSpPr>
+              <a:cxnSpLocks/>
+            </p:cNvCxnSpPr>
+            <p:nvPr>
+              <p:extLst>
+                <p:ext uri="{386F3935-93C4-4BCD-93E2-E3B085C9AB24}">
+                  <p16:designElem xmlns:p16="http://schemas.microsoft.com/office/powerpoint/2015/main" val="1"/>
+                </p:ext>
+              </p:extLst>
+            </p:nvPr>
+          </p:nvCxnSpPr>
+          <p:spPr>
+            <a:xfrm>
+              <a:off x="12185786" y="-1"/>
+              <a:ext cx="0" cy="6858000"/>
+            </a:xfrm>
+            <a:prstGeom prst="line">
+              <a:avLst/>
+            </a:prstGeom>
+            <a:ln w="12700">
+              <a:solidFill>
+                <a:srgbClr val="BCBCBC">
+                  <a:alpha val="29804"/>
+                </a:srgbClr>
+              </a:solidFill>
+              <a:prstDash val="sysDot"/>
+            </a:ln>
+          </p:spPr>
+          <p:style>
+            <a:lnRef idx="1">
+              <a:schemeClr val="accent1"/>
+            </a:lnRef>
+            <a:fillRef idx="0">
+              <a:schemeClr val="accent1"/>
+            </a:fillRef>
+            <a:effectRef idx="0">
+              <a:schemeClr val="accent1"/>
+            </a:effectRef>
+            <a:fontRef idx="minor">
+              <a:schemeClr val="tx1"/>
+            </a:fontRef>
+          </p:style>
+        </p:cxnSp>
+        <p:cxnSp>
+          <p:nvCxnSpPr>
+            <p:cNvPr id="64" name="Straight Connector 63">
+              <a:extLst>
+                <a:ext uri="{FF2B5EF4-FFF2-40B4-BE49-F238E27FC236}">
+                  <a16:creationId xmlns:a16="http://schemas.microsoft.com/office/drawing/2014/main" id="{D6195BC5-BB4E-4F3F-8378-0B308B42523D}"/>
+                </a:ext>
+                <a:ext uri="{C183D7F6-B498-43B3-948B-1728B52AA6E4}">
+                  <adec:decorative xmlns:adec="http://schemas.microsoft.com/office/drawing/2017/decorative" val="1"/>
+                </a:ext>
+              </a:extLst>
+            </p:cNvPr>
+            <p:cNvCxnSpPr>
+              <a:cxnSpLocks/>
+            </p:cNvCxnSpPr>
+            <p:nvPr>
+              <p:extLst>
+                <p:ext uri="{386F3935-93C4-4BCD-93E2-E3B085C9AB24}">
+                  <p16:designElem xmlns:p16="http://schemas.microsoft.com/office/powerpoint/2015/main" val="1"/>
+                </p:ext>
+              </p:extLst>
+            </p:nvPr>
+          </p:nvCxnSpPr>
+          <p:spPr>
+            <a:xfrm>
+              <a:off x="0" y="171716"/>
+              <a:ext cx="12192000" cy="0"/>
+            </a:xfrm>
+            <a:prstGeom prst="line">
+              <a:avLst/>
+            </a:prstGeom>
+            <a:ln w="12700">
+              <a:solidFill>
+                <a:srgbClr val="BCBCBC">
+                  <a:alpha val="29804"/>
+                </a:srgbClr>
+              </a:solidFill>
+              <a:prstDash val="sysDot"/>
+            </a:ln>
+          </p:spPr>
+          <p:style>
+            <a:lnRef idx="1">
+              <a:schemeClr val="accent1"/>
+            </a:lnRef>
+            <a:fillRef idx="0">
+              <a:schemeClr val="accent1"/>
+            </a:fillRef>
+            <a:effectRef idx="0">
+              <a:schemeClr val="accent1"/>
+            </a:effectRef>
+            <a:fontRef idx="minor">
+              <a:schemeClr val="tx1"/>
+            </a:fontRef>
+          </p:style>
+        </p:cxnSp>
+        <p:cxnSp>
+          <p:nvCxnSpPr>
+            <p:cNvPr id="65" name="Straight Connector 64">
+              <a:extLst>
+                <a:ext uri="{FF2B5EF4-FFF2-40B4-BE49-F238E27FC236}">
+                  <a16:creationId xmlns:a16="http://schemas.microsoft.com/office/drawing/2014/main" id="{02404171-AF5C-4FA1-9D4E-DCF75562BD67}"/>
+                </a:ext>
+                <a:ext uri="{C183D7F6-B498-43B3-948B-1728B52AA6E4}">
+                  <adec:decorative xmlns:adec="http://schemas.microsoft.com/office/drawing/2017/decorative" val="1"/>
+                </a:ext>
+              </a:extLst>
+            </p:cNvPr>
+            <p:cNvCxnSpPr>
+              <a:cxnSpLocks/>
+            </p:cNvCxnSpPr>
+            <p:nvPr>
+              <p:extLst>
+                <p:ext uri="{386F3935-93C4-4BCD-93E2-E3B085C9AB24}">
+                  <p16:designElem xmlns:p16="http://schemas.microsoft.com/office/powerpoint/2015/main" val="1"/>
+                </p:ext>
+              </p:extLst>
+            </p:nvPr>
+          </p:nvCxnSpPr>
+          <p:spPr>
+            <a:xfrm>
+              <a:off x="0" y="714597"/>
+              <a:ext cx="12192000" cy="0"/>
+            </a:xfrm>
+            <a:prstGeom prst="line">
+              <a:avLst/>
+            </a:prstGeom>
+            <a:ln w="12700">
+              <a:solidFill>
+                <a:srgbClr val="BCBCBC">
+                  <a:alpha val="29804"/>
+                </a:srgbClr>
+              </a:solidFill>
+              <a:prstDash val="sysDot"/>
+            </a:ln>
+          </p:spPr>
+          <p:style>
+            <a:lnRef idx="1">
+              <a:schemeClr val="accent1"/>
+            </a:lnRef>
+            <a:fillRef idx="0">
+              <a:schemeClr val="accent1"/>
+            </a:fillRef>
+            <a:effectRef idx="0">
+              <a:schemeClr val="accent1"/>
+            </a:effectRef>
+            <a:fontRef idx="minor">
+              <a:schemeClr val="tx1"/>
+            </a:fontRef>
+          </p:style>
+        </p:cxnSp>
+        <p:cxnSp>
+          <p:nvCxnSpPr>
+            <p:cNvPr id="66" name="Straight Connector 65">
+              <a:extLst>
+                <a:ext uri="{FF2B5EF4-FFF2-40B4-BE49-F238E27FC236}">
+                  <a16:creationId xmlns:a16="http://schemas.microsoft.com/office/drawing/2014/main" id="{BAD45A86-9385-473D-9DBF-565E0A94AF1B}"/>
+                </a:ext>
+                <a:ext uri="{C183D7F6-B498-43B3-948B-1728B52AA6E4}">
+                  <adec:decorative xmlns:adec="http://schemas.microsoft.com/office/drawing/2017/decorative" val="1"/>
+                </a:ext>
+              </a:extLst>
+            </p:cNvPr>
+            <p:cNvCxnSpPr>
+              <a:cxnSpLocks/>
+            </p:cNvCxnSpPr>
+            <p:nvPr>
+              <p:extLst>
+                <p:ext uri="{386F3935-93C4-4BCD-93E2-E3B085C9AB24}">
+                  <p16:designElem xmlns:p16="http://schemas.microsoft.com/office/powerpoint/2015/main" val="1"/>
+                </p:ext>
+              </p:extLst>
+            </p:nvPr>
+          </p:nvCxnSpPr>
+          <p:spPr>
+            <a:xfrm>
+              <a:off x="0" y="1257478"/>
+              <a:ext cx="12192000" cy="0"/>
+            </a:xfrm>
+            <a:prstGeom prst="line">
+              <a:avLst/>
+            </a:prstGeom>
+            <a:ln w="12700">
+              <a:solidFill>
+                <a:srgbClr val="BCBCBC">
+                  <a:alpha val="29804"/>
+                </a:srgbClr>
+              </a:solidFill>
+              <a:prstDash val="sysDot"/>
+            </a:ln>
+          </p:spPr>
+          <p:style>
+            <a:lnRef idx="1">
+              <a:schemeClr val="accent1"/>
+            </a:lnRef>
+            <a:fillRef idx="0">
+              <a:schemeClr val="accent1"/>
+            </a:fillRef>
+            <a:effectRef idx="0">
+              <a:schemeClr val="accent1"/>
+            </a:effectRef>
+            <a:fontRef idx="minor">
+              <a:schemeClr val="tx1"/>
+            </a:fontRef>
+          </p:style>
+        </p:cxnSp>
+        <p:cxnSp>
+          <p:nvCxnSpPr>
+            <p:cNvPr id="67" name="Straight Connector 66">
+              <a:extLst>
+                <a:ext uri="{FF2B5EF4-FFF2-40B4-BE49-F238E27FC236}">
+                  <a16:creationId xmlns:a16="http://schemas.microsoft.com/office/drawing/2014/main" id="{DBA5A228-913F-4D4F-AB25-537293624649}"/>
+                </a:ext>
+                <a:ext uri="{C183D7F6-B498-43B3-948B-1728B52AA6E4}">
+                  <adec:decorative xmlns:adec="http://schemas.microsoft.com/office/drawing/2017/decorative" val="1"/>
+                </a:ext>
+              </a:extLst>
+            </p:cNvPr>
+            <p:cNvCxnSpPr>
+              <a:cxnSpLocks/>
+            </p:cNvCxnSpPr>
+            <p:nvPr>
+              <p:extLst>
+                <p:ext uri="{386F3935-93C4-4BCD-93E2-E3B085C9AB24}">
+                  <p16:designElem xmlns:p16="http://schemas.microsoft.com/office/powerpoint/2015/main" val="1"/>
+                </p:ext>
+              </p:extLst>
+            </p:nvPr>
+          </p:nvCxnSpPr>
+          <p:spPr>
+            <a:xfrm>
+              <a:off x="0" y="1800359"/>
+              <a:ext cx="12192000" cy="0"/>
+            </a:xfrm>
+            <a:prstGeom prst="line">
+              <a:avLst/>
+            </a:prstGeom>
+            <a:ln w="12700">
+              <a:solidFill>
+                <a:srgbClr val="BCBCBC">
+                  <a:alpha val="29804"/>
+                </a:srgbClr>
+              </a:solidFill>
+              <a:prstDash val="sysDot"/>
+            </a:ln>
+          </p:spPr>
+          <p:style>
+            <a:lnRef idx="1">
+              <a:schemeClr val="accent1"/>
+            </a:lnRef>
+            <a:fillRef idx="0">
+              <a:schemeClr val="accent1"/>
+            </a:fillRef>
+            <a:effectRef idx="0">
+              <a:schemeClr val="accent1"/>
+            </a:effectRef>
+            <a:fontRef idx="minor">
+              <a:schemeClr val="tx1"/>
+            </a:fontRef>
+          </p:style>
+        </p:cxnSp>
+        <p:cxnSp>
+          <p:nvCxnSpPr>
+            <p:cNvPr id="68" name="Straight Connector 67">
+              <a:extLst>
+                <a:ext uri="{FF2B5EF4-FFF2-40B4-BE49-F238E27FC236}">
+                  <a16:creationId xmlns:a16="http://schemas.microsoft.com/office/drawing/2014/main" id="{A87E8BFE-D92E-4EB3-ADD1-FB75CAA683BA}"/>
+                </a:ext>
+                <a:ext uri="{C183D7F6-B498-43B3-948B-1728B52AA6E4}">
+                  <adec:decorative xmlns:adec="http://schemas.microsoft.com/office/drawing/2017/decorative" val="1"/>
+                </a:ext>
+              </a:extLst>
+            </p:cNvPr>
+            <p:cNvCxnSpPr>
+              <a:cxnSpLocks/>
+            </p:cNvCxnSpPr>
+            <p:nvPr>
+              <p:extLst>
+                <p:ext uri="{386F3935-93C4-4BCD-93E2-E3B085C9AB24}">
+                  <p16:designElem xmlns:p16="http://schemas.microsoft.com/office/powerpoint/2015/main" val="1"/>
+                </p:ext>
+              </p:extLst>
+            </p:nvPr>
+          </p:nvCxnSpPr>
+          <p:spPr>
+            <a:xfrm>
+              <a:off x="0" y="2343240"/>
+              <a:ext cx="12192000" cy="0"/>
+            </a:xfrm>
+            <a:prstGeom prst="line">
+              <a:avLst/>
+            </a:prstGeom>
+            <a:ln w="12700">
+              <a:solidFill>
+                <a:srgbClr val="BCBCBC">
+                  <a:alpha val="29804"/>
+                </a:srgbClr>
+              </a:solidFill>
+              <a:prstDash val="sysDot"/>
+            </a:ln>
+          </p:spPr>
+          <p:style>
+            <a:lnRef idx="1">
+              <a:schemeClr val="accent1"/>
+            </a:lnRef>
+            <a:fillRef idx="0">
+              <a:schemeClr val="accent1"/>
+            </a:fillRef>
+            <a:effectRef idx="0">
+              <a:schemeClr val="accent1"/>
+            </a:effectRef>
+            <a:fontRef idx="minor">
+              <a:schemeClr val="tx1"/>
+            </a:fontRef>
+          </p:style>
+        </p:cxnSp>
+        <p:cxnSp>
+          <p:nvCxnSpPr>
+            <p:cNvPr id="69" name="Straight Connector 68">
+              <a:extLst>
+                <a:ext uri="{FF2B5EF4-FFF2-40B4-BE49-F238E27FC236}">
+                  <a16:creationId xmlns:a16="http://schemas.microsoft.com/office/drawing/2014/main" id="{08756FCD-8335-4089-B4EE-13D629E53E62}"/>
+                </a:ext>
+                <a:ext uri="{C183D7F6-B498-43B3-948B-1728B52AA6E4}">
+                  <adec:decorative xmlns:adec="http://schemas.microsoft.com/office/drawing/2017/decorative" val="1"/>
+                </a:ext>
+              </a:extLst>
+            </p:cNvPr>
+            <p:cNvCxnSpPr>
+              <a:cxnSpLocks/>
+            </p:cNvCxnSpPr>
+            <p:nvPr>
+              <p:extLst>
+                <p:ext uri="{386F3935-93C4-4BCD-93E2-E3B085C9AB24}">
+                  <p16:designElem xmlns:p16="http://schemas.microsoft.com/office/powerpoint/2015/main" val="1"/>
+                </p:ext>
+              </p:extLst>
+            </p:nvPr>
+          </p:nvCxnSpPr>
+          <p:spPr>
+            <a:xfrm>
+              <a:off x="0" y="2886121"/>
+              <a:ext cx="12192000" cy="0"/>
+            </a:xfrm>
+            <a:prstGeom prst="line">
+              <a:avLst/>
+            </a:prstGeom>
+            <a:ln w="12700">
+              <a:solidFill>
+                <a:srgbClr val="BCBCBC">
+                  <a:alpha val="29804"/>
+                </a:srgbClr>
+              </a:solidFill>
+              <a:prstDash val="sysDot"/>
+            </a:ln>
+          </p:spPr>
+          <p:style>
+            <a:lnRef idx="1">
+              <a:schemeClr val="accent1"/>
+            </a:lnRef>
+            <a:fillRef idx="0">
+              <a:schemeClr val="accent1"/>
+            </a:fillRef>
+            <a:effectRef idx="0">
+              <a:schemeClr val="accent1"/>
+            </a:effectRef>
+            <a:fontRef idx="minor">
+              <a:schemeClr val="tx1"/>
+            </a:fontRef>
+          </p:style>
+        </p:cxnSp>
+        <p:cxnSp>
+          <p:nvCxnSpPr>
+            <p:cNvPr id="70" name="Straight Connector 69">
+              <a:extLst>
+                <a:ext uri="{FF2B5EF4-FFF2-40B4-BE49-F238E27FC236}">
+                  <a16:creationId xmlns:a16="http://schemas.microsoft.com/office/drawing/2014/main" id="{A9707D7B-937E-4DC3-87BA-B7B70426821E}"/>
+                </a:ext>
+                <a:ext uri="{C183D7F6-B498-43B3-948B-1728B52AA6E4}">
+                  <adec:decorative xmlns:adec="http://schemas.microsoft.com/office/drawing/2017/decorative" val="1"/>
+                </a:ext>
+              </a:extLst>
+            </p:cNvPr>
+            <p:cNvCxnSpPr>
+              <a:cxnSpLocks/>
+            </p:cNvCxnSpPr>
+            <p:nvPr>
+              <p:extLst>
+                <p:ext uri="{386F3935-93C4-4BCD-93E2-E3B085C9AB24}">
+                  <p16:designElem xmlns:p16="http://schemas.microsoft.com/office/powerpoint/2015/main" val="1"/>
+                </p:ext>
+              </p:extLst>
+            </p:nvPr>
+          </p:nvCxnSpPr>
+          <p:spPr>
+            <a:xfrm>
+              <a:off x="0" y="3429002"/>
+              <a:ext cx="12192000" cy="0"/>
+            </a:xfrm>
+            <a:prstGeom prst="line">
+              <a:avLst/>
+            </a:prstGeom>
+            <a:ln w="12700">
+              <a:solidFill>
+                <a:srgbClr val="BCBCBC">
+                  <a:alpha val="29804"/>
+                </a:srgbClr>
+              </a:solidFill>
+              <a:prstDash val="sysDot"/>
+            </a:ln>
+          </p:spPr>
+          <p:style>
+            <a:lnRef idx="1">
+              <a:schemeClr val="accent1"/>
+            </a:lnRef>
+            <a:fillRef idx="0">
+              <a:schemeClr val="accent1"/>
+            </a:fillRef>
+            <a:effectRef idx="0">
+              <a:schemeClr val="accent1"/>
+            </a:effectRef>
+            <a:fontRef idx="minor">
+              <a:schemeClr val="tx1"/>
+            </a:fontRef>
+          </p:style>
+        </p:cxnSp>
+        <p:cxnSp>
+          <p:nvCxnSpPr>
+            <p:cNvPr id="71" name="Straight Connector 70">
+              <a:extLst>
+                <a:ext uri="{FF2B5EF4-FFF2-40B4-BE49-F238E27FC236}">
+                  <a16:creationId xmlns:a16="http://schemas.microsoft.com/office/drawing/2014/main" id="{AB1A72DC-3F29-4488-9051-C21E1CBB7E58}"/>
+                </a:ext>
+                <a:ext uri="{C183D7F6-B498-43B3-948B-1728B52AA6E4}">
+                  <adec:decorative xmlns:adec="http://schemas.microsoft.com/office/drawing/2017/decorative" val="1"/>
+                </a:ext>
+              </a:extLst>
+            </p:cNvPr>
+            <p:cNvCxnSpPr>
+              <a:cxnSpLocks/>
+            </p:cNvCxnSpPr>
+            <p:nvPr>
+              <p:extLst>
+                <p:ext uri="{386F3935-93C4-4BCD-93E2-E3B085C9AB24}">
+                  <p16:designElem xmlns:p16="http://schemas.microsoft.com/office/powerpoint/2015/main" val="1"/>
+                </p:ext>
+              </p:extLst>
+            </p:nvPr>
+          </p:nvCxnSpPr>
+          <p:spPr>
+            <a:xfrm>
+              <a:off x="0" y="3971883"/>
+              <a:ext cx="12192000" cy="0"/>
+            </a:xfrm>
+            <a:prstGeom prst="line">
+              <a:avLst/>
+            </a:prstGeom>
+            <a:ln w="12700">
+              <a:solidFill>
+                <a:srgbClr val="BCBCBC">
+                  <a:alpha val="29804"/>
+                </a:srgbClr>
+              </a:solidFill>
+              <a:prstDash val="sysDot"/>
+            </a:ln>
+          </p:spPr>
+          <p:style>
+            <a:lnRef idx="1">
+              <a:schemeClr val="accent1"/>
+            </a:lnRef>
+            <a:fillRef idx="0">
+              <a:schemeClr val="accent1"/>
+            </a:fillRef>
+            <a:effectRef idx="0">
+              <a:schemeClr val="accent1"/>
+            </a:effectRef>
+            <a:fontRef idx="minor">
+              <a:schemeClr val="tx1"/>
+            </a:fontRef>
+          </p:style>
+        </p:cxnSp>
+        <p:cxnSp>
+          <p:nvCxnSpPr>
+            <p:cNvPr id="72" name="Straight Connector 71">
+              <a:extLst>
+                <a:ext uri="{FF2B5EF4-FFF2-40B4-BE49-F238E27FC236}">
+                  <a16:creationId xmlns:a16="http://schemas.microsoft.com/office/drawing/2014/main" id="{956DAD76-815C-4F16-98CF-8E8BE1965BBB}"/>
+                </a:ext>
+                <a:ext uri="{C183D7F6-B498-43B3-948B-1728B52AA6E4}">
+                  <adec:decorative xmlns:adec="http://schemas.microsoft.com/office/drawing/2017/decorative" val="1"/>
+                </a:ext>
+              </a:extLst>
+            </p:cNvPr>
+            <p:cNvCxnSpPr>
+              <a:cxnSpLocks/>
+            </p:cNvCxnSpPr>
+            <p:nvPr>
+              <p:extLst>
+                <p:ext uri="{386F3935-93C4-4BCD-93E2-E3B085C9AB24}">
+                  <p16:designElem xmlns:p16="http://schemas.microsoft.com/office/powerpoint/2015/main" val="1"/>
+                </p:ext>
+              </p:extLst>
+            </p:nvPr>
+          </p:nvCxnSpPr>
+          <p:spPr>
+            <a:xfrm>
+              <a:off x="0" y="4514764"/>
+              <a:ext cx="12192000" cy="0"/>
+            </a:xfrm>
+            <a:prstGeom prst="line">
+              <a:avLst/>
+            </a:prstGeom>
+            <a:ln w="12700">
+              <a:solidFill>
+                <a:srgbClr val="BCBCBC">
+                  <a:alpha val="29804"/>
+                </a:srgbClr>
+              </a:solidFill>
+              <a:prstDash val="sysDot"/>
+            </a:ln>
+          </p:spPr>
+          <p:style>
+            <a:lnRef idx="1">
+              <a:schemeClr val="accent1"/>
+            </a:lnRef>
+            <a:fillRef idx="0">
+              <a:schemeClr val="accent1"/>
+            </a:fillRef>
+            <a:effectRef idx="0">
+              <a:schemeClr val="accent1"/>
+            </a:effectRef>
+            <a:fontRef idx="minor">
+              <a:schemeClr val="tx1"/>
+            </a:fontRef>
+          </p:style>
+        </p:cxnSp>
+        <p:cxnSp>
+          <p:nvCxnSpPr>
+            <p:cNvPr id="73" name="Straight Connector 72">
+              <a:extLst>
+                <a:ext uri="{FF2B5EF4-FFF2-40B4-BE49-F238E27FC236}">
+                  <a16:creationId xmlns:a16="http://schemas.microsoft.com/office/drawing/2014/main" id="{1AF2F8C5-6691-4EBD-B42E-4B17DF1ED277}"/>
+                </a:ext>
+                <a:ext uri="{C183D7F6-B498-43B3-948B-1728B52AA6E4}">
+                  <adec:decorative xmlns:adec="http://schemas.microsoft.com/office/drawing/2017/decorative" val="1"/>
+                </a:ext>
+              </a:extLst>
+            </p:cNvPr>
+            <p:cNvCxnSpPr>
+              <a:cxnSpLocks/>
+            </p:cNvCxnSpPr>
+            <p:nvPr>
+              <p:extLst>
+                <p:ext uri="{386F3935-93C4-4BCD-93E2-E3B085C9AB24}">
+                  <p16:designElem xmlns:p16="http://schemas.microsoft.com/office/powerpoint/2015/main" val="1"/>
+                </p:ext>
+              </p:extLst>
+            </p:nvPr>
+          </p:nvCxnSpPr>
+          <p:spPr>
+            <a:xfrm>
+              <a:off x="0" y="5057645"/>
+              <a:ext cx="12192000" cy="0"/>
+            </a:xfrm>
+            <a:prstGeom prst="line">
+              <a:avLst/>
+            </a:prstGeom>
+            <a:ln w="12700">
+              <a:solidFill>
+                <a:srgbClr val="BCBCBC">
+                  <a:alpha val="29804"/>
+                </a:srgbClr>
+              </a:solidFill>
+              <a:prstDash val="sysDot"/>
+            </a:ln>
+          </p:spPr>
+          <p:style>
+            <a:lnRef idx="1">
+              <a:schemeClr val="accent1"/>
+            </a:lnRef>
+            <a:fillRef idx="0">
+              <a:schemeClr val="accent1"/>
+            </a:fillRef>
+            <a:effectRef idx="0">
+              <a:schemeClr val="accent1"/>
+            </a:effectRef>
+            <a:fontRef idx="minor">
+              <a:schemeClr val="tx1"/>
+            </a:fontRef>
+          </p:style>
+        </p:cxnSp>
+        <p:cxnSp>
+          <p:nvCxnSpPr>
+            <p:cNvPr id="74" name="Straight Connector 73">
+              <a:extLst>
+                <a:ext uri="{FF2B5EF4-FFF2-40B4-BE49-F238E27FC236}">
+                  <a16:creationId xmlns:a16="http://schemas.microsoft.com/office/drawing/2014/main" id="{D32ED14D-1C00-41C8-849C-030A1434E466}"/>
+                </a:ext>
+                <a:ext uri="{C183D7F6-B498-43B3-948B-1728B52AA6E4}">
+                  <adec:decorative xmlns:adec="http://schemas.microsoft.com/office/drawing/2017/decorative" val="1"/>
+                </a:ext>
+              </a:extLst>
+            </p:cNvPr>
+            <p:cNvCxnSpPr>
+              <a:cxnSpLocks/>
+            </p:cNvCxnSpPr>
+            <p:nvPr>
+              <p:extLst>
+                <p:ext uri="{386F3935-93C4-4BCD-93E2-E3B085C9AB24}">
+                  <p16:designElem xmlns:p16="http://schemas.microsoft.com/office/powerpoint/2015/main" val="1"/>
+                </p:ext>
+              </p:extLst>
+            </p:nvPr>
+          </p:nvCxnSpPr>
+          <p:spPr>
+            <a:xfrm>
+              <a:off x="0" y="5600526"/>
+              <a:ext cx="12192000" cy="0"/>
+            </a:xfrm>
+            <a:prstGeom prst="line">
+              <a:avLst/>
+            </a:prstGeom>
+            <a:ln w="12700">
+              <a:solidFill>
+                <a:srgbClr val="BCBCBC">
+                  <a:alpha val="29804"/>
+                </a:srgbClr>
+              </a:solidFill>
+              <a:prstDash val="sysDot"/>
+            </a:ln>
+          </p:spPr>
+          <p:style>
+            <a:lnRef idx="1">
+              <a:schemeClr val="accent1"/>
+            </a:lnRef>
+            <a:fillRef idx="0">
+              <a:schemeClr val="accent1"/>
+            </a:fillRef>
+            <a:effectRef idx="0">
+              <a:schemeClr val="accent1"/>
+            </a:effectRef>
+            <a:fontRef idx="minor">
+              <a:schemeClr val="tx1"/>
+            </a:fontRef>
+          </p:style>
+        </p:cxnSp>
+        <p:cxnSp>
+          <p:nvCxnSpPr>
+            <p:cNvPr id="75" name="Straight Connector 74">
+              <a:extLst>
+                <a:ext uri="{FF2B5EF4-FFF2-40B4-BE49-F238E27FC236}">
+                  <a16:creationId xmlns:a16="http://schemas.microsoft.com/office/drawing/2014/main" id="{62F296F5-9867-45CA-BF0A-EF216F6A8083}"/>
+                </a:ext>
+                <a:ext uri="{C183D7F6-B498-43B3-948B-1728B52AA6E4}">
+                  <adec:decorative xmlns:adec="http://schemas.microsoft.com/office/drawing/2017/decorative" val="1"/>
+                </a:ext>
+              </a:extLst>
+            </p:cNvPr>
+            <p:cNvCxnSpPr>
+              <a:cxnSpLocks/>
+            </p:cNvCxnSpPr>
+            <p:nvPr>
+              <p:extLst>
+                <p:ext uri="{386F3935-93C4-4BCD-93E2-E3B085C9AB24}">
+                  <p16:designElem xmlns:p16="http://schemas.microsoft.com/office/powerpoint/2015/main" val="1"/>
+                </p:ext>
+              </p:extLst>
+            </p:nvPr>
+          </p:nvCxnSpPr>
+          <p:spPr>
+            <a:xfrm>
+              <a:off x="0" y="6857999"/>
+              <a:ext cx="12192000" cy="0"/>
+            </a:xfrm>
+            <a:prstGeom prst="line">
+              <a:avLst/>
+            </a:prstGeom>
+            <a:ln w="12700">
+              <a:solidFill>
+                <a:srgbClr val="BCBCBC">
+                  <a:alpha val="29804"/>
+                </a:srgbClr>
+              </a:solidFill>
+              <a:prstDash val="sysDot"/>
+            </a:ln>
+          </p:spPr>
+          <p:style>
+            <a:lnRef idx="1">
+              <a:schemeClr val="accent1"/>
+            </a:lnRef>
+            <a:fillRef idx="0">
+              <a:schemeClr val="accent1"/>
+            </a:fillRef>
+            <a:effectRef idx="0">
+              <a:schemeClr val="accent1"/>
+            </a:effectRef>
+            <a:fontRef idx="minor">
+              <a:schemeClr val="tx1"/>
+            </a:fontRef>
+          </p:style>
+        </p:cxnSp>
+        <p:cxnSp>
+          <p:nvCxnSpPr>
+            <p:cNvPr id="76" name="Straight Connector 75">
+              <a:extLst>
+                <a:ext uri="{FF2B5EF4-FFF2-40B4-BE49-F238E27FC236}">
+                  <a16:creationId xmlns:a16="http://schemas.microsoft.com/office/drawing/2014/main" id="{53B72471-9DB5-428B-AF52-E11E03B9FD05}"/>
+                </a:ext>
+                <a:ext uri="{C183D7F6-B498-43B3-948B-1728B52AA6E4}">
+                  <adec:decorative xmlns:adec="http://schemas.microsoft.com/office/drawing/2017/decorative" val="1"/>
+                </a:ext>
+              </a:extLst>
+            </p:cNvPr>
+            <p:cNvCxnSpPr>
+              <a:cxnSpLocks/>
+            </p:cNvCxnSpPr>
+            <p:nvPr>
+              <p:extLst>
+                <p:ext uri="{386F3935-93C4-4BCD-93E2-E3B085C9AB24}">
+                  <p16:designElem xmlns:p16="http://schemas.microsoft.com/office/powerpoint/2015/main" val="1"/>
+                </p:ext>
+              </p:extLst>
+            </p:nvPr>
+          </p:nvCxnSpPr>
+          <p:spPr>
+            <a:xfrm>
+              <a:off x="16613" y="6143407"/>
+              <a:ext cx="12192000" cy="0"/>
+            </a:xfrm>
+            <a:prstGeom prst="line">
+              <a:avLst/>
+            </a:prstGeom>
+            <a:ln w="12700">
+              <a:solidFill>
+                <a:srgbClr val="BCBCBC">
+                  <a:alpha val="29804"/>
+                </a:srgbClr>
+              </a:solidFill>
+              <a:prstDash val="sysDot"/>
+            </a:ln>
+          </p:spPr>
+          <p:style>
+            <a:lnRef idx="1">
+              <a:schemeClr val="accent1"/>
+            </a:lnRef>
+            <a:fillRef idx="0">
+              <a:schemeClr val="accent1"/>
+            </a:fillRef>
+            <a:effectRef idx="0">
+              <a:schemeClr val="accent1"/>
+            </a:effectRef>
+            <a:fontRef idx="minor">
+              <a:schemeClr val="tx1"/>
+            </a:fontRef>
+          </p:style>
+        </p:cxnSp>
+        <p:cxnSp>
+          <p:nvCxnSpPr>
+            <p:cNvPr id="77" name="Straight Connector 76">
+              <a:extLst>
+                <a:ext uri="{FF2B5EF4-FFF2-40B4-BE49-F238E27FC236}">
+                  <a16:creationId xmlns:a16="http://schemas.microsoft.com/office/drawing/2014/main" id="{B8656B49-5277-4610-BD7B-F5D98170B5A7}"/>
+                </a:ext>
+                <a:ext uri="{C183D7F6-B498-43B3-948B-1728B52AA6E4}">
+                  <adec:decorative xmlns:adec="http://schemas.microsoft.com/office/drawing/2017/decorative" val="1"/>
+                </a:ext>
+              </a:extLst>
+            </p:cNvPr>
+            <p:cNvCxnSpPr>
+              <a:cxnSpLocks/>
+            </p:cNvCxnSpPr>
+            <p:nvPr>
+              <p:extLst>
+                <p:ext uri="{386F3935-93C4-4BCD-93E2-E3B085C9AB24}">
+                  <p16:designElem xmlns:p16="http://schemas.microsoft.com/office/powerpoint/2015/main" val="1"/>
+                </p:ext>
+              </p:extLst>
+            </p:nvPr>
+          </p:nvCxnSpPr>
+          <p:spPr>
+            <a:xfrm>
+              <a:off x="684225" y="171716"/>
+              <a:ext cx="0" cy="6511464"/>
+            </a:xfrm>
+            <a:prstGeom prst="line">
+              <a:avLst/>
+            </a:prstGeom>
+            <a:ln w="12700">
+              <a:solidFill>
+                <a:srgbClr val="BCBCBC">
+                  <a:alpha val="29804"/>
+                </a:srgbClr>
+              </a:solidFill>
+              <a:prstDash val="sysDot"/>
+            </a:ln>
+          </p:spPr>
+          <p:style>
+            <a:lnRef idx="1">
+              <a:schemeClr val="accent1"/>
+            </a:lnRef>
+            <a:fillRef idx="0">
+              <a:schemeClr val="accent1"/>
+            </a:fillRef>
+            <a:effectRef idx="0">
+              <a:schemeClr val="accent1"/>
+            </a:effectRef>
+            <a:fontRef idx="minor">
+              <a:schemeClr val="tx1"/>
+            </a:fontRef>
+          </p:style>
+        </p:cxnSp>
+        <p:cxnSp>
+          <p:nvCxnSpPr>
+            <p:cNvPr id="78" name="Straight Connector 77">
+              <a:extLst>
+                <a:ext uri="{FF2B5EF4-FFF2-40B4-BE49-F238E27FC236}">
+                  <a16:creationId xmlns:a16="http://schemas.microsoft.com/office/drawing/2014/main" id="{F1A47399-8F78-4DB1-BD21-1166BCB267CF}"/>
+                </a:ext>
+                <a:ext uri="{C183D7F6-B498-43B3-948B-1728B52AA6E4}">
+                  <adec:decorative xmlns:adec="http://schemas.microsoft.com/office/drawing/2017/decorative" val="1"/>
+                </a:ext>
+              </a:extLst>
+            </p:cNvPr>
+            <p:cNvCxnSpPr>
+              <a:cxnSpLocks/>
+            </p:cNvCxnSpPr>
+            <p:nvPr>
+              <p:extLst>
+                <p:ext uri="{386F3935-93C4-4BCD-93E2-E3B085C9AB24}">
+                  <p16:designElem xmlns:p16="http://schemas.microsoft.com/office/powerpoint/2015/main" val="1"/>
+                </p:ext>
+              </p:extLst>
+            </p:nvPr>
+          </p:nvCxnSpPr>
+          <p:spPr>
+            <a:xfrm>
+              <a:off x="11508412" y="173267"/>
+              <a:ext cx="0" cy="6511464"/>
+            </a:xfrm>
+            <a:prstGeom prst="line">
+              <a:avLst/>
+            </a:prstGeom>
+            <a:ln w="12700">
+              <a:solidFill>
+                <a:srgbClr val="BCBCBC">
+                  <a:alpha val="29804"/>
+                </a:srgbClr>
+              </a:solidFill>
+              <a:prstDash val="sysDot"/>
+            </a:ln>
+          </p:spPr>
+          <p:style>
+            <a:lnRef idx="1">
+              <a:schemeClr val="accent1"/>
+            </a:lnRef>
+            <a:fillRef idx="0">
+              <a:schemeClr val="accent1"/>
+            </a:fillRef>
+            <a:effectRef idx="0">
+              <a:schemeClr val="accent1"/>
+            </a:effectRef>
+            <a:fontRef idx="minor">
+              <a:schemeClr val="tx1"/>
+            </a:fontRef>
+          </p:style>
+        </p:cxnSp>
+      </p:grpSp>
+      <p:sp>
+        <p:nvSpPr>
+          <p:cNvPr id="80" name="Right Triangle 79">
+            <a:extLst>
+              <a:ext uri="{FF2B5EF4-FFF2-40B4-BE49-F238E27FC236}">
+                <a16:creationId xmlns:a16="http://schemas.microsoft.com/office/drawing/2014/main" id="{F952A221-69C2-46B3-890D-354CA5961656}"/>
+              </a:ext>
+              <a:ext uri="{C183D7F6-B498-43B3-948B-1728B52AA6E4}">
+                <adec:decorative xmlns:adec="http://schemas.microsoft.com/office/drawing/2017/decorative" val="1"/>
+              </a:ext>
+            </a:extLst>
+          </p:cNvPr>
+          <p:cNvSpPr>
+            <a:spLocks noGrp="1" noRot="1" noChangeAspect="1" noMove="1" noResize="1" noEditPoints="1" noAdjustHandles="1" noChangeArrowheads="1" noChangeShapeType="1" noTextEdit="1"/>
+          </p:cNvSpPr>
+          <p:nvPr>
+            <p:extLst>
+              <p:ext uri="{386F3935-93C4-4BCD-93E2-E3B085C9AB24}">
+                <p16:designElem xmlns:p16="http://schemas.microsoft.com/office/powerpoint/2015/main" val="1"/>
+              </p:ext>
+            </p:extLst>
+          </p:nvPr>
+        </p:nvSpPr>
+        <p:spPr>
+          <a:xfrm rot="13500000">
+            <a:off x="-281093" y="1525300"/>
+            <a:ext cx="568289" cy="568289"/>
+          </a:xfrm>
+          <a:prstGeom prst="rtTriangle">
+            <a:avLst/>
+          </a:prstGeom>
+          <a:solidFill>
+            <a:schemeClr val="accent1">
+              <a:alpha val="50000"/>
+            </a:schemeClr>
+          </a:solidFill>
+          <a:ln>
+            <a:noFill/>
+          </a:ln>
+        </p:spPr>
+        <p:style>
+          <a:lnRef idx="2">
+            <a:schemeClr val="accent1">
+              <a:shade val="50000"/>
+            </a:schemeClr>
+          </a:lnRef>
+          <a:fillRef idx="1">
+            <a:schemeClr val="accent1"/>
+          </a:fillRef>
+          <a:effectRef idx="0">
+            <a:schemeClr val="accent1"/>
+          </a:effectRef>
+          <a:fontRef idx="minor">
+            <a:schemeClr val="lt1"/>
+          </a:fontRef>
+        </p:style>
+        <p:txBody>
+          <a:bodyPr rtlCol="0" anchor="ctr"/>
+          <a:lstStyle/>
+          <a:p>
+            <a:pPr algn="ctr"/>
+            <a:endParaRPr lang="en-US">
+              <a:solidFill>
+                <a:schemeClr val="tx1"/>
+              </a:solidFill>
+            </a:endParaRPr>
+          </a:p>
+        </p:txBody>
+      </p:sp>
+      <p:sp>
+        <p:nvSpPr>
+          <p:cNvPr id="8" name="CuadroTexto 7">
+            <a:extLst>
+              <a:ext uri="{FF2B5EF4-FFF2-40B4-BE49-F238E27FC236}">
+                <a16:creationId xmlns:a16="http://schemas.microsoft.com/office/drawing/2014/main" id="{A5690926-93EC-8F44-F53B-0BD1A30F7D52}"/>
+              </a:ext>
+            </a:extLst>
+          </p:cNvPr>
+          <p:cNvSpPr txBox="1"/>
+          <p:nvPr/>
+        </p:nvSpPr>
+        <p:spPr>
+          <a:xfrm>
+            <a:off x="3033961" y="596097"/>
+            <a:ext cx="5811250" cy="707886"/>
+          </a:xfrm>
+          <a:prstGeom prst="rect">
+            <a:avLst/>
+          </a:prstGeom>
+          <a:noFill/>
+        </p:spPr>
+        <p:txBody>
+          <a:bodyPr wrap="square" rtlCol="0">
+            <a:spAutoFit/>
+          </a:bodyPr>
+          <a:lstStyle/>
+          <a:p>
+            <a:r>
+              <a:rPr lang="es-ES" sz="4000" dirty="0"/>
+              <a:t>A seguir programando</a:t>
+            </a:r>
+            <a:endParaRPr lang="es-AR" sz="4000" dirty="0"/>
+          </a:p>
+        </p:txBody>
+      </p:sp>
+      <p:pic>
+        <p:nvPicPr>
+          <p:cNvPr id="42" name="Imagen 41" descr="Una pantalla de un celular con la imagen de una caricatura de una persona&#10;&#10;Descripción generada automáticamente con confianza media">
+            <a:extLst>
+              <a:ext uri="{FF2B5EF4-FFF2-40B4-BE49-F238E27FC236}">
+                <a16:creationId xmlns:a16="http://schemas.microsoft.com/office/drawing/2014/main" id="{FF7385F7-03A8-5D83-DDD7-3A3E15898154}"/>
+              </a:ext>
+            </a:extLst>
+          </p:cNvPr>
+          <p:cNvPicPr>
+            <a:picLocks noChangeAspect="1"/>
+          </p:cNvPicPr>
+          <p:nvPr/>
+        </p:nvPicPr>
+        <p:blipFill>
+          <a:blip r:embed="rId2">
+            <a:extLst>
+              <a:ext uri="{28A0092B-C50C-407E-A947-70E740481C1C}">
+                <a14:useLocalDpi xmlns:a14="http://schemas.microsoft.com/office/drawing/2010/main" val="0"/>
+              </a:ext>
+            </a:extLst>
+          </a:blip>
+          <a:stretch>
+            <a:fillRect/>
+          </a:stretch>
+        </p:blipFill>
+        <p:spPr>
+          <a:xfrm>
+            <a:off x="1680493" y="1639436"/>
+            <a:ext cx="8345974" cy="4664884"/>
+          </a:xfrm>
+          <a:prstGeom prst="rect">
+            <a:avLst/>
+          </a:prstGeom>
+        </p:spPr>
+      </p:pic>
+    </p:spTree>
+    <p:extLst>
+      <p:ext uri="{BB962C8B-B14F-4D97-AF65-F5344CB8AC3E}">
+        <p14:creationId xmlns:p14="http://schemas.microsoft.com/office/powerpoint/2010/main" val="2700033804"/>
       </p:ext>
     </p:extLst>
   </p:cSld>
